--- a/03_dataframes_and_spark_sql/system_architecture_house_search_engine.pptx
+++ b/03_dataframes_and_spark_sql/system_architecture_house_search_engine.pptx
@@ -4,11 +4,14 @@
   <p:sldMasterIdLst>
     <p:sldMasterId id="2147483648" r:id="rId2"/>
     <p:sldMasterId id="2147483661" r:id="rId3"/>
-    <p:sldMasterId id="2147483674" r:id="rId4"/>
   </p:sldMasterIdLst>
   <p:sldIdLst>
-    <p:sldId id="256" r:id="rId5"/>
-    <p:sldId id="257" r:id="rId6"/>
+    <p:sldId id="256" r:id="rId4"/>
+    <p:sldId id="257" r:id="rId5"/>
+    <p:sldId id="258" r:id="rId6"/>
+    <p:sldId id="259" r:id="rId7"/>
+    <p:sldId id="260" r:id="rId8"/>
+    <p:sldId id="261" r:id="rId9"/>
   </p:sldIdLst>
   <p:sldSz cx="4610100" cy="3460750"/>
   <p:notesSz cx="7772400" cy="10058400"/>
@@ -66,7 +69,7 @@
         <p:txBody>
           <a:bodyPr/>
           <a:p>
-            <a:fld id="{7FE832E6-A6BB-4470-BB9C-D62956A909FC}" type="slidenum">
+            <a:fld id="{EC67142A-7562-41C6-86BD-6DBAC07AEF46}" type="slidenum">
               <a:t>&lt;#&gt;</a:t>
             </a:fld>
           </a:p>
@@ -254,7 +257,7 @@
         <p:txBody>
           <a:bodyPr/>
           <a:p>
-            <a:fld id="{BF71CA54-6138-4051-AC5F-9A893DBD1D66}" type="slidenum">
+            <a:fld id="{93A4655A-3A1E-4920-B5F8-EB001EBFA757}" type="slidenum">
               <a:t>&lt;#&gt;</a:t>
             </a:fld>
           </a:p>
@@ -510,7 +513,7 @@
         <p:txBody>
           <a:bodyPr/>
           <a:p>
-            <a:fld id="{4C9B0CA9-FB38-457F-B24E-4A05F9F69137}" type="slidenum">
+            <a:fld id="{975D4CAA-8209-4CC7-B60D-2FE9E557F907}" type="slidenum">
               <a:t>&lt;#&gt;</a:t>
             </a:fld>
           </a:p>
@@ -834,7 +837,7 @@
         <p:txBody>
           <a:bodyPr/>
           <a:p>
-            <a:fld id="{C186DA6C-E44C-4212-A8C9-5358BC6674EC}" type="slidenum">
+            <a:fld id="{D857475D-0610-4DDD-AE02-A08400FE6345}" type="slidenum">
               <a:t>&lt;#&gt;</a:t>
             </a:fld>
           </a:p>
@@ -917,7 +920,7 @@
         <p:txBody>
           <a:bodyPr/>
           <a:p>
-            <a:fld id="{6FE0C579-50FF-4BFE-8C01-69DC55A5407D}" type="slidenum">
+            <a:fld id="{F8CC763A-DDBA-4E7E-80FF-F1BA35FA29E4}" type="slidenum">
               <a:t>&lt;#&gt;</a:t>
             </a:fld>
           </a:p>
@@ -1074,7 +1077,7 @@
         <p:txBody>
           <a:bodyPr/>
           <a:p>
-            <a:fld id="{A414B0D5-9909-43A2-84FD-0607C7512E44}" type="slidenum">
+            <a:fld id="{5B1B3BC6-4875-4A94-B557-095665B729BA}" type="slidenum">
               <a:t>&lt;#&gt;</a:t>
             </a:fld>
           </a:p>
@@ -1228,7 +1231,7 @@
         <p:txBody>
           <a:bodyPr/>
           <a:p>
-            <a:fld id="{532928F1-913A-4863-BD24-187534A2BA62}" type="slidenum">
+            <a:fld id="{24F77B43-3FFF-4898-869D-45B8E7244C7B}" type="slidenum">
               <a:t>&lt;#&gt;</a:t>
             </a:fld>
           </a:p>
@@ -1416,7 +1419,7 @@
         <p:txBody>
           <a:bodyPr/>
           <a:p>
-            <a:fld id="{02041CF7-479A-4C0D-8587-4F74BD3E6886}" type="slidenum">
+            <a:fld id="{DE26D295-1D8E-4440-881F-CD3E719C3A6F}" type="slidenum">
               <a:t>&lt;#&gt;</a:t>
             </a:fld>
           </a:p>
@@ -1536,7 +1539,7 @@
         <p:txBody>
           <a:bodyPr/>
           <a:p>
-            <a:fld id="{33177F9E-601D-4115-B531-7B9DF3C64D04}" type="slidenum">
+            <a:fld id="{A3A36270-E3BE-41B5-A3F5-94DD1F506F39}" type="slidenum">
               <a:t>&lt;#&gt;</a:t>
             </a:fld>
           </a:p>
@@ -1656,7 +1659,7 @@
         <p:txBody>
           <a:bodyPr/>
           <a:p>
-            <a:fld id="{72DD57B3-7056-4CF5-8A6E-B7A19C30CBA3}" type="slidenum">
+            <a:fld id="{46C71C05-23B3-43FA-A041-10C52A69FABE}" type="slidenum">
               <a:t>&lt;#&gt;</a:t>
             </a:fld>
           </a:p>
@@ -1878,7 +1881,7 @@
         <p:txBody>
           <a:bodyPr/>
           <a:p>
-            <a:fld id="{5CC0FACF-D433-4157-AC01-440CB5B985F2}" type="slidenum">
+            <a:fld id="{BEBC2F0F-A882-41F8-A36E-7174D40067FC}" type="slidenum">
               <a:t>&lt;#&gt;</a:t>
             </a:fld>
           </a:p>
@@ -2035,7 +2038,7 @@
         <p:txBody>
           <a:bodyPr/>
           <a:p>
-            <a:fld id="{ED62DE58-A235-4E3F-A462-43D3AA7CF432}" type="slidenum">
+            <a:fld id="{46F9C0B6-D732-4420-8DE2-C3694736E909}" type="slidenum">
               <a:t>&lt;#&gt;</a:t>
             </a:fld>
           </a:p>
@@ -2257,7 +2260,7 @@
         <p:txBody>
           <a:bodyPr/>
           <a:p>
-            <a:fld id="{568226BF-45EF-4499-99A9-E133B7787BED}" type="slidenum">
+            <a:fld id="{2CD21B55-6438-485A-94EB-5306600F94A2}" type="slidenum">
               <a:t>&lt;#&gt;</a:t>
             </a:fld>
           </a:p>
@@ -2479,7 +2482,7 @@
         <p:txBody>
           <a:bodyPr/>
           <a:p>
-            <a:fld id="{EDACDA51-D6E9-403B-8EDB-D49E41A23F95}" type="slidenum">
+            <a:fld id="{ACD7FF13-DCB6-4141-A1F6-8B0BF67CBB42}" type="slidenum">
               <a:t>&lt;#&gt;</a:t>
             </a:fld>
           </a:p>
@@ -2667,7 +2670,7 @@
         <p:txBody>
           <a:bodyPr/>
           <a:p>
-            <a:fld id="{660F5890-5604-4C47-A45E-0DE1F741BE28}" type="slidenum">
+            <a:fld id="{04521700-E542-4F57-A7BF-D909D81EE4AA}" type="slidenum">
               <a:t>&lt;#&gt;</a:t>
             </a:fld>
           </a:p>
@@ -2923,7 +2926,7 @@
         <p:txBody>
           <a:bodyPr/>
           <a:p>
-            <a:fld id="{FB2F86CE-9503-4E4B-9762-763BB05EDD23}" type="slidenum">
+            <a:fld id="{AAC326B3-A3B7-46D9-926A-FB8F599350C2}" type="slidenum">
               <a:t>&lt;#&gt;</a:t>
             </a:fld>
           </a:p>
@@ -3247,7 +3250,7 @@
         <p:txBody>
           <a:bodyPr/>
           <a:p>
-            <a:fld id="{B7BC3F1B-1249-4709-A6D4-CA72E1CFD98C}" type="slidenum">
+            <a:fld id="{64C8BF53-6E77-41EF-BAF3-C8A63E65831C}" type="slidenum">
               <a:t>&lt;#&gt;</a:t>
             </a:fld>
           </a:p>
@@ -3261,708 +3264,6 @@
           </p:cNvSpPr>
           <p:nvPr>
             <p:ph type="dt" idx="6"/>
-          </p:nvPr>
-        </p:nvSpPr>
-        <p:spPr/>
-        <p:txBody>
-          <a:bodyPr/>
-          <a:p>
-            <a:r>
-              <a:rPr lang="en-US"/>
-              <a:t/>
-            </a:r>
-          </a:p>
-        </p:txBody>
-      </p:sp>
-    </p:spTree>
-  </p:cSld>
-</p:sldLayout>
-</file>
-
-<file path=ppt/slideLayouts/slideLayout25.xml><?xml version="1.0" encoding="utf-8"?>
-<p:sldLayout xmlns:a="http://schemas.openxmlformats.org/drawingml/2006/main" xmlns:p="http://schemas.openxmlformats.org/presentationml/2006/main" xmlns:r="http://schemas.openxmlformats.org/officeDocument/2006/relationships" xmlns:p14="http://schemas.microsoft.com/office/powerpoint/2010/main" xmlns:p15="http://schemas.microsoft.com/office/powerpoint/2012/main" xmlns:mc="http://schemas.openxmlformats.org/markup-compatibility/2006" type="blank" preserve="1">
-  <p:cSld name="Blank Slide">
-    <p:spTree>
-      <p:nvGrpSpPr>
-        <p:cNvPr id="1" name=""/>
-        <p:cNvGrpSpPr/>
-        <p:nvPr/>
-      </p:nvGrpSpPr>
-      <p:grpSpPr>
-        <a:xfrm>
-          <a:off x="0" y="0"/>
-          <a:ext cx="0" cy="0"/>
-          <a:chOff x="0" y="0"/>
-          <a:chExt cx="0" cy="0"/>
-        </a:xfrm>
-      </p:grpSpPr>
-      <p:sp>
-        <p:nvSpPr>
-          <p:cNvPr id="2" name="PlaceHolder 1"/>
-          <p:cNvSpPr>
-            <a:spLocks noGrp="1"/>
-          </p:cNvSpPr>
-          <p:nvPr>
-            <p:ph type="ftr" idx="7"/>
-          </p:nvPr>
-        </p:nvSpPr>
-        <p:spPr/>
-        <p:txBody>
-          <a:bodyPr/>
-          <a:p>
-            <a:r>
-              <a:t>Footer</a:t>
-            </a:r>
-          </a:p>
-        </p:txBody>
-      </p:sp>
-      <p:sp>
-        <p:nvSpPr>
-          <p:cNvPr id="3" name="PlaceHolder 2"/>
-          <p:cNvSpPr>
-            <a:spLocks noGrp="1"/>
-          </p:cNvSpPr>
-          <p:nvPr>
-            <p:ph type="sldNum" idx="8"/>
-          </p:nvPr>
-        </p:nvSpPr>
-        <p:spPr/>
-        <p:txBody>
-          <a:bodyPr/>
-          <a:p>
-            <a:fld id="{55301908-7F1A-4604-B25E-AE0F5FBB21EA}" type="slidenum">
-              <a:t>&lt;#&gt;</a:t>
-            </a:fld>
-          </a:p>
-        </p:txBody>
-      </p:sp>
-      <p:sp>
-        <p:nvSpPr>
-          <p:cNvPr id="4" name="PlaceHolder 3"/>
-          <p:cNvSpPr>
-            <a:spLocks noGrp="1"/>
-          </p:cNvSpPr>
-          <p:nvPr>
-            <p:ph type="dt" idx="9"/>
-          </p:nvPr>
-        </p:nvSpPr>
-        <p:spPr/>
-        <p:txBody>
-          <a:bodyPr/>
-          <a:p>
-            <a:r>
-              <a:rPr lang="en-US"/>
-              <a:t/>
-            </a:r>
-          </a:p>
-        </p:txBody>
-      </p:sp>
-    </p:spTree>
-  </p:cSld>
-</p:sldLayout>
-</file>
-
-<file path=ppt/slideLayouts/slideLayout26.xml><?xml version="1.0" encoding="utf-8"?>
-<p:sldLayout xmlns:a="http://schemas.openxmlformats.org/drawingml/2006/main" xmlns:p="http://schemas.openxmlformats.org/presentationml/2006/main" xmlns:r="http://schemas.openxmlformats.org/officeDocument/2006/relationships" xmlns:p14="http://schemas.microsoft.com/office/powerpoint/2010/main" xmlns:p15="http://schemas.microsoft.com/office/powerpoint/2012/main" xmlns:mc="http://schemas.openxmlformats.org/markup-compatibility/2006" type="tx" preserve="1">
-  <p:cSld name="Title Slide">
-    <p:spTree>
-      <p:nvGrpSpPr>
-        <p:cNvPr id="1" name=""/>
-        <p:cNvGrpSpPr/>
-        <p:nvPr/>
-      </p:nvGrpSpPr>
-      <p:grpSpPr>
-        <a:xfrm>
-          <a:off x="0" y="0"/>
-          <a:ext cx="0" cy="0"/>
-          <a:chOff x="0" y="0"/>
-          <a:chExt cx="0" cy="0"/>
-        </a:xfrm>
-      </p:grpSpPr>
-      <p:sp>
-        <p:nvSpPr>
-          <p:cNvPr id="92" name="PlaceHolder 1"/>
-          <p:cNvSpPr>
-            <a:spLocks noGrp="1"/>
-          </p:cNvSpPr>
-          <p:nvPr>
-            <p:ph type="title"/>
-          </p:nvPr>
-        </p:nvSpPr>
-        <p:spPr>
-          <a:xfrm>
-            <a:off x="230400" y="114120"/>
-            <a:ext cx="4148640" cy="625320"/>
-          </a:xfrm>
-          <a:prstGeom prst="rect">
-            <a:avLst/>
-          </a:prstGeom>
-          <a:noFill/>
-          <a:ln w="0">
-            <a:noFill/>
-          </a:ln>
-        </p:spPr>
-        <p:txBody>
-          <a:bodyPr lIns="0" rIns="0" tIns="0" bIns="0" anchor="ctr">
-            <a:noAutofit/>
-          </a:bodyPr>
-          <a:p>
-            <a:pPr algn="ctr">
-              <a:buNone/>
-            </a:pPr>
-            <a:endParaRPr b="0" lang="en-US" sz="4400" spc="-1" strike="noStrike">
-              <a:latin typeface="Arial"/>
-            </a:endParaRPr>
-          </a:p>
-        </p:txBody>
-      </p:sp>
-      <p:sp>
-        <p:nvSpPr>
-          <p:cNvPr id="93" name="PlaceHolder 2"/>
-          <p:cNvSpPr>
-            <a:spLocks noGrp="1"/>
-          </p:cNvSpPr>
-          <p:nvPr>
-            <p:ph type="subTitle"/>
-          </p:nvPr>
-        </p:nvSpPr>
-        <p:spPr>
-          <a:xfrm>
-            <a:off x="230400" y="809640"/>
-            <a:ext cx="4148640" cy="2006640"/>
-          </a:xfrm>
-          <a:prstGeom prst="rect">
-            <a:avLst/>
-          </a:prstGeom>
-          <a:noFill/>
-          <a:ln w="0">
-            <a:noFill/>
-          </a:ln>
-        </p:spPr>
-        <p:txBody>
-          <a:bodyPr lIns="0" rIns="0" tIns="0" bIns="0" anchor="ctr">
-            <a:noAutofit/>
-          </a:bodyPr>
-          <a:p>
-            <a:pPr algn="ctr">
-              <a:buNone/>
-            </a:pPr>
-            <a:endParaRPr b="0" lang="en-US" sz="3200" spc="-1" strike="noStrike">
-              <a:latin typeface="Arial"/>
-            </a:endParaRPr>
-          </a:p>
-        </p:txBody>
-      </p:sp>
-      <p:sp>
-        <p:nvSpPr>
-          <p:cNvPr id="4" name="PlaceHolder 3"/>
-          <p:cNvSpPr>
-            <a:spLocks noGrp="1"/>
-          </p:cNvSpPr>
-          <p:nvPr>
-            <p:ph type="ftr" idx="7"/>
-          </p:nvPr>
-        </p:nvSpPr>
-        <p:spPr/>
-        <p:txBody>
-          <a:bodyPr/>
-          <a:p>
-            <a:r>
-              <a:t>Footer</a:t>
-            </a:r>
-          </a:p>
-        </p:txBody>
-      </p:sp>
-      <p:sp>
-        <p:nvSpPr>
-          <p:cNvPr id="5" name="PlaceHolder 4"/>
-          <p:cNvSpPr>
-            <a:spLocks noGrp="1"/>
-          </p:cNvSpPr>
-          <p:nvPr>
-            <p:ph type="sldNum" idx="8"/>
-          </p:nvPr>
-        </p:nvSpPr>
-        <p:spPr/>
-        <p:txBody>
-          <a:bodyPr/>
-          <a:p>
-            <a:fld id="{CC77CD84-E877-46E3-BE8B-6D770B515586}" type="slidenum">
-              <a:t>&lt;#&gt;</a:t>
-            </a:fld>
-          </a:p>
-        </p:txBody>
-      </p:sp>
-      <p:sp>
-        <p:nvSpPr>
-          <p:cNvPr id="6" name="PlaceHolder 5"/>
-          <p:cNvSpPr>
-            <a:spLocks noGrp="1"/>
-          </p:cNvSpPr>
-          <p:nvPr>
-            <p:ph type="dt" idx="9"/>
-          </p:nvPr>
-        </p:nvSpPr>
-        <p:spPr/>
-        <p:txBody>
-          <a:bodyPr/>
-          <a:p>
-            <a:r>
-              <a:rPr lang="en-US"/>
-              <a:t/>
-            </a:r>
-          </a:p>
-        </p:txBody>
-      </p:sp>
-    </p:spTree>
-  </p:cSld>
-</p:sldLayout>
-</file>
-
-<file path=ppt/slideLayouts/slideLayout27.xml><?xml version="1.0" encoding="utf-8"?>
-<p:sldLayout xmlns:a="http://schemas.openxmlformats.org/drawingml/2006/main" xmlns:p="http://schemas.openxmlformats.org/presentationml/2006/main" xmlns:r="http://schemas.openxmlformats.org/officeDocument/2006/relationships" xmlns:p14="http://schemas.microsoft.com/office/powerpoint/2010/main" xmlns:p15="http://schemas.microsoft.com/office/powerpoint/2012/main" xmlns:mc="http://schemas.openxmlformats.org/markup-compatibility/2006" type="obj" preserve="1">
-  <p:cSld name="Title, Content">
-    <p:spTree>
-      <p:nvGrpSpPr>
-        <p:cNvPr id="1" name=""/>
-        <p:cNvGrpSpPr/>
-        <p:nvPr/>
-      </p:nvGrpSpPr>
-      <p:grpSpPr>
-        <a:xfrm>
-          <a:off x="0" y="0"/>
-          <a:ext cx="0" cy="0"/>
-          <a:chOff x="0" y="0"/>
-          <a:chExt cx="0" cy="0"/>
-        </a:xfrm>
-      </p:grpSpPr>
-      <p:sp>
-        <p:nvSpPr>
-          <p:cNvPr id="94" name="PlaceHolder 1"/>
-          <p:cNvSpPr>
-            <a:spLocks noGrp="1"/>
-          </p:cNvSpPr>
-          <p:nvPr>
-            <p:ph type="title"/>
-          </p:nvPr>
-        </p:nvSpPr>
-        <p:spPr>
-          <a:xfrm>
-            <a:off x="230400" y="114120"/>
-            <a:ext cx="4148640" cy="625320"/>
-          </a:xfrm>
-          <a:prstGeom prst="rect">
-            <a:avLst/>
-          </a:prstGeom>
-          <a:noFill/>
-          <a:ln w="0">
-            <a:noFill/>
-          </a:ln>
-        </p:spPr>
-        <p:txBody>
-          <a:bodyPr lIns="0" rIns="0" tIns="0" bIns="0" anchor="ctr">
-            <a:noAutofit/>
-          </a:bodyPr>
-          <a:p>
-            <a:pPr algn="ctr">
-              <a:buNone/>
-            </a:pPr>
-            <a:endParaRPr b="0" lang="en-US" sz="4400" spc="-1" strike="noStrike">
-              <a:latin typeface="Arial"/>
-            </a:endParaRPr>
-          </a:p>
-        </p:txBody>
-      </p:sp>
-      <p:sp>
-        <p:nvSpPr>
-          <p:cNvPr id="95" name="PlaceHolder 2"/>
-          <p:cNvSpPr>
-            <a:spLocks noGrp="1"/>
-          </p:cNvSpPr>
-          <p:nvPr>
-            <p:ph/>
-          </p:nvPr>
-        </p:nvSpPr>
-        <p:spPr>
-          <a:xfrm>
-            <a:off x="230400" y="809640"/>
-            <a:ext cx="4148640" cy="2006640"/>
-          </a:xfrm>
-          <a:prstGeom prst="rect">
-            <a:avLst/>
-          </a:prstGeom>
-          <a:noFill/>
-          <a:ln w="0">
-            <a:noFill/>
-          </a:ln>
-        </p:spPr>
-        <p:txBody>
-          <a:bodyPr lIns="0" rIns="0" tIns="0" bIns="0" anchor="t">
-            <a:normAutofit/>
-          </a:bodyPr>
-          <a:p>
-            <a:endParaRPr b="0" lang="en-US" sz="3200" spc="-1" strike="noStrike">
-              <a:latin typeface="Arial"/>
-            </a:endParaRPr>
-          </a:p>
-        </p:txBody>
-      </p:sp>
-      <p:sp>
-        <p:nvSpPr>
-          <p:cNvPr id="4" name="PlaceHolder 3"/>
-          <p:cNvSpPr>
-            <a:spLocks noGrp="1"/>
-          </p:cNvSpPr>
-          <p:nvPr>
-            <p:ph type="ftr" idx="7"/>
-          </p:nvPr>
-        </p:nvSpPr>
-        <p:spPr/>
-        <p:txBody>
-          <a:bodyPr/>
-          <a:p>
-            <a:r>
-              <a:t>Footer</a:t>
-            </a:r>
-          </a:p>
-        </p:txBody>
-      </p:sp>
-      <p:sp>
-        <p:nvSpPr>
-          <p:cNvPr id="5" name="PlaceHolder 4"/>
-          <p:cNvSpPr>
-            <a:spLocks noGrp="1"/>
-          </p:cNvSpPr>
-          <p:nvPr>
-            <p:ph type="sldNum" idx="8"/>
-          </p:nvPr>
-        </p:nvSpPr>
-        <p:spPr/>
-        <p:txBody>
-          <a:bodyPr/>
-          <a:p>
-            <a:fld id="{E15570D8-9DEE-4AEF-89CD-EB30D921612F}" type="slidenum">
-              <a:t>&lt;#&gt;</a:t>
-            </a:fld>
-          </a:p>
-        </p:txBody>
-      </p:sp>
-      <p:sp>
-        <p:nvSpPr>
-          <p:cNvPr id="6" name="PlaceHolder 5"/>
-          <p:cNvSpPr>
-            <a:spLocks noGrp="1"/>
-          </p:cNvSpPr>
-          <p:nvPr>
-            <p:ph type="dt" idx="9"/>
-          </p:nvPr>
-        </p:nvSpPr>
-        <p:spPr/>
-        <p:txBody>
-          <a:bodyPr/>
-          <a:p>
-            <a:r>
-              <a:rPr lang="en-US"/>
-              <a:t/>
-            </a:r>
-          </a:p>
-        </p:txBody>
-      </p:sp>
-    </p:spTree>
-  </p:cSld>
-</p:sldLayout>
-</file>
-
-<file path=ppt/slideLayouts/slideLayout28.xml><?xml version="1.0" encoding="utf-8"?>
-<p:sldLayout xmlns:a="http://schemas.openxmlformats.org/drawingml/2006/main" xmlns:p="http://schemas.openxmlformats.org/presentationml/2006/main" xmlns:r="http://schemas.openxmlformats.org/officeDocument/2006/relationships" xmlns:p14="http://schemas.microsoft.com/office/powerpoint/2010/main" xmlns:p15="http://schemas.microsoft.com/office/powerpoint/2012/main" xmlns:mc="http://schemas.openxmlformats.org/markup-compatibility/2006" type="twoObj" preserve="1">
-  <p:cSld name="Title, 2 Content">
-    <p:spTree>
-      <p:nvGrpSpPr>
-        <p:cNvPr id="1" name=""/>
-        <p:cNvGrpSpPr/>
-        <p:nvPr/>
-      </p:nvGrpSpPr>
-      <p:grpSpPr>
-        <a:xfrm>
-          <a:off x="0" y="0"/>
-          <a:ext cx="0" cy="0"/>
-          <a:chOff x="0" y="0"/>
-          <a:chExt cx="0" cy="0"/>
-        </a:xfrm>
-      </p:grpSpPr>
-      <p:sp>
-        <p:nvSpPr>
-          <p:cNvPr id="96" name="PlaceHolder 1"/>
-          <p:cNvSpPr>
-            <a:spLocks noGrp="1"/>
-          </p:cNvSpPr>
-          <p:nvPr>
-            <p:ph type="title"/>
-          </p:nvPr>
-        </p:nvSpPr>
-        <p:spPr>
-          <a:xfrm>
-            <a:off x="230400" y="114120"/>
-            <a:ext cx="4148640" cy="625320"/>
-          </a:xfrm>
-          <a:prstGeom prst="rect">
-            <a:avLst/>
-          </a:prstGeom>
-          <a:noFill/>
-          <a:ln w="0">
-            <a:noFill/>
-          </a:ln>
-        </p:spPr>
-        <p:txBody>
-          <a:bodyPr lIns="0" rIns="0" tIns="0" bIns="0" anchor="ctr">
-            <a:noAutofit/>
-          </a:bodyPr>
-          <a:p>
-            <a:pPr algn="ctr">
-              <a:buNone/>
-            </a:pPr>
-            <a:endParaRPr b="0" lang="en-US" sz="4400" spc="-1" strike="noStrike">
-              <a:latin typeface="Arial"/>
-            </a:endParaRPr>
-          </a:p>
-        </p:txBody>
-      </p:sp>
-      <p:sp>
-        <p:nvSpPr>
-          <p:cNvPr id="97" name="PlaceHolder 2"/>
-          <p:cNvSpPr>
-            <a:spLocks noGrp="1"/>
-          </p:cNvSpPr>
-          <p:nvPr>
-            <p:ph/>
-          </p:nvPr>
-        </p:nvSpPr>
-        <p:spPr>
-          <a:xfrm>
-            <a:off x="230400" y="809640"/>
-            <a:ext cx="2024280" cy="2006640"/>
-          </a:xfrm>
-          <a:prstGeom prst="rect">
-            <a:avLst/>
-          </a:prstGeom>
-          <a:noFill/>
-          <a:ln w="0">
-            <a:noFill/>
-          </a:ln>
-        </p:spPr>
-        <p:txBody>
-          <a:bodyPr lIns="0" rIns="0" tIns="0" bIns="0" anchor="t">
-            <a:normAutofit/>
-          </a:bodyPr>
-          <a:p>
-            <a:endParaRPr b="0" lang="en-US" sz="3200" spc="-1" strike="noStrike">
-              <a:latin typeface="Arial"/>
-            </a:endParaRPr>
-          </a:p>
-        </p:txBody>
-      </p:sp>
-      <p:sp>
-        <p:nvSpPr>
-          <p:cNvPr id="98" name="PlaceHolder 3"/>
-          <p:cNvSpPr>
-            <a:spLocks noGrp="1"/>
-          </p:cNvSpPr>
-          <p:nvPr>
-            <p:ph/>
-          </p:nvPr>
-        </p:nvSpPr>
-        <p:spPr>
-          <a:xfrm>
-            <a:off x="2356200" y="809640"/>
-            <a:ext cx="2024280" cy="2006640"/>
-          </a:xfrm>
-          <a:prstGeom prst="rect">
-            <a:avLst/>
-          </a:prstGeom>
-          <a:noFill/>
-          <a:ln w="0">
-            <a:noFill/>
-          </a:ln>
-        </p:spPr>
-        <p:txBody>
-          <a:bodyPr lIns="0" rIns="0" tIns="0" bIns="0" anchor="t">
-            <a:normAutofit/>
-          </a:bodyPr>
-          <a:p>
-            <a:endParaRPr b="0" lang="en-US" sz="3200" spc="-1" strike="noStrike">
-              <a:latin typeface="Arial"/>
-            </a:endParaRPr>
-          </a:p>
-        </p:txBody>
-      </p:sp>
-      <p:sp>
-        <p:nvSpPr>
-          <p:cNvPr id="5" name="PlaceHolder 4"/>
-          <p:cNvSpPr>
-            <a:spLocks noGrp="1"/>
-          </p:cNvSpPr>
-          <p:nvPr>
-            <p:ph type="ftr" idx="7"/>
-          </p:nvPr>
-        </p:nvSpPr>
-        <p:spPr/>
-        <p:txBody>
-          <a:bodyPr/>
-          <a:p>
-            <a:r>
-              <a:t>Footer</a:t>
-            </a:r>
-          </a:p>
-        </p:txBody>
-      </p:sp>
-      <p:sp>
-        <p:nvSpPr>
-          <p:cNvPr id="6" name="PlaceHolder 5"/>
-          <p:cNvSpPr>
-            <a:spLocks noGrp="1"/>
-          </p:cNvSpPr>
-          <p:nvPr>
-            <p:ph type="sldNum" idx="8"/>
-          </p:nvPr>
-        </p:nvSpPr>
-        <p:spPr/>
-        <p:txBody>
-          <a:bodyPr/>
-          <a:p>
-            <a:fld id="{5C211ECD-9581-4AE5-B431-23555DEC749F}" type="slidenum">
-              <a:t>&lt;#&gt;</a:t>
-            </a:fld>
-          </a:p>
-        </p:txBody>
-      </p:sp>
-      <p:sp>
-        <p:nvSpPr>
-          <p:cNvPr id="7" name="PlaceHolder 6"/>
-          <p:cNvSpPr>
-            <a:spLocks noGrp="1"/>
-          </p:cNvSpPr>
-          <p:nvPr>
-            <p:ph type="dt" idx="9"/>
-          </p:nvPr>
-        </p:nvSpPr>
-        <p:spPr/>
-        <p:txBody>
-          <a:bodyPr/>
-          <a:p>
-            <a:r>
-              <a:rPr lang="en-US"/>
-              <a:t/>
-            </a:r>
-          </a:p>
-        </p:txBody>
-      </p:sp>
-    </p:spTree>
-  </p:cSld>
-</p:sldLayout>
-</file>
-
-<file path=ppt/slideLayouts/slideLayout29.xml><?xml version="1.0" encoding="utf-8"?>
-<p:sldLayout xmlns:a="http://schemas.openxmlformats.org/drawingml/2006/main" xmlns:p="http://schemas.openxmlformats.org/presentationml/2006/main" xmlns:r="http://schemas.openxmlformats.org/officeDocument/2006/relationships" xmlns:p14="http://schemas.microsoft.com/office/powerpoint/2010/main" xmlns:p15="http://schemas.microsoft.com/office/powerpoint/2012/main" xmlns:mc="http://schemas.openxmlformats.org/markup-compatibility/2006" type="titleOnly" preserve="1">
-  <p:cSld name="Title Only">
-    <p:spTree>
-      <p:nvGrpSpPr>
-        <p:cNvPr id="1" name=""/>
-        <p:cNvGrpSpPr/>
-        <p:nvPr/>
-      </p:nvGrpSpPr>
-      <p:grpSpPr>
-        <a:xfrm>
-          <a:off x="0" y="0"/>
-          <a:ext cx="0" cy="0"/>
-          <a:chOff x="0" y="0"/>
-          <a:chExt cx="0" cy="0"/>
-        </a:xfrm>
-      </p:grpSpPr>
-      <p:sp>
-        <p:nvSpPr>
-          <p:cNvPr id="99" name="PlaceHolder 1"/>
-          <p:cNvSpPr>
-            <a:spLocks noGrp="1"/>
-          </p:cNvSpPr>
-          <p:nvPr>
-            <p:ph type="title"/>
-          </p:nvPr>
-        </p:nvSpPr>
-        <p:spPr>
-          <a:xfrm>
-            <a:off x="230400" y="114120"/>
-            <a:ext cx="4148640" cy="625320"/>
-          </a:xfrm>
-          <a:prstGeom prst="rect">
-            <a:avLst/>
-          </a:prstGeom>
-          <a:noFill/>
-          <a:ln w="0">
-            <a:noFill/>
-          </a:ln>
-        </p:spPr>
-        <p:txBody>
-          <a:bodyPr lIns="0" rIns="0" tIns="0" bIns="0" anchor="ctr">
-            <a:noAutofit/>
-          </a:bodyPr>
-          <a:p>
-            <a:pPr algn="ctr">
-              <a:buNone/>
-            </a:pPr>
-            <a:endParaRPr b="0" lang="en-US" sz="4400" spc="-1" strike="noStrike">
-              <a:latin typeface="Arial"/>
-            </a:endParaRPr>
-          </a:p>
-        </p:txBody>
-      </p:sp>
-      <p:sp>
-        <p:nvSpPr>
-          <p:cNvPr id="3" name="PlaceHolder 2"/>
-          <p:cNvSpPr>
-            <a:spLocks noGrp="1"/>
-          </p:cNvSpPr>
-          <p:nvPr>
-            <p:ph type="ftr" idx="7"/>
-          </p:nvPr>
-        </p:nvSpPr>
-        <p:spPr/>
-        <p:txBody>
-          <a:bodyPr/>
-          <a:p>
-            <a:r>
-              <a:t>Footer</a:t>
-            </a:r>
-          </a:p>
-        </p:txBody>
-      </p:sp>
-      <p:sp>
-        <p:nvSpPr>
-          <p:cNvPr id="4" name="PlaceHolder 3"/>
-          <p:cNvSpPr>
-            <a:spLocks noGrp="1"/>
-          </p:cNvSpPr>
-          <p:nvPr>
-            <p:ph type="sldNum" idx="8"/>
-          </p:nvPr>
-        </p:nvSpPr>
-        <p:spPr/>
-        <p:txBody>
-          <a:bodyPr/>
-          <a:p>
-            <a:fld id="{24D2A542-7A99-452E-AC50-263FB558E5A7}" type="slidenum">
-              <a:t>&lt;#&gt;</a:t>
-            </a:fld>
-          </a:p>
-        </p:txBody>
-      </p:sp>
-      <p:sp>
-        <p:nvSpPr>
-          <p:cNvPr id="5" name="PlaceHolder 4"/>
-          <p:cNvSpPr>
-            <a:spLocks noGrp="1"/>
-          </p:cNvSpPr>
-          <p:nvPr>
-            <p:ph type="dt" idx="9"/>
           </p:nvPr>
         </p:nvSpPr>
         <p:spPr/>
@@ -4103,7 +3404,7 @@
         <p:txBody>
           <a:bodyPr/>
           <a:p>
-            <a:fld id="{969FF91E-3F26-41DA-8CB0-6BAD976EEE39}" type="slidenum">
+            <a:fld id="{C02D1A8A-D3E2-4CF8-AE3D-88BEBA0BA82E}" type="slidenum">
               <a:t>&lt;#&gt;</a:t>
             </a:fld>
           </a:p>
@@ -4117,1560 +3418,6 @@
           </p:cNvSpPr>
           <p:nvPr>
             <p:ph type="dt" idx="3"/>
-          </p:nvPr>
-        </p:nvSpPr>
-        <p:spPr/>
-        <p:txBody>
-          <a:bodyPr/>
-          <a:p>
-            <a:r>
-              <a:rPr lang="en-US"/>
-              <a:t/>
-            </a:r>
-          </a:p>
-        </p:txBody>
-      </p:sp>
-    </p:spTree>
-  </p:cSld>
-</p:sldLayout>
-</file>
-
-<file path=ppt/slideLayouts/slideLayout30.xml><?xml version="1.0" encoding="utf-8"?>
-<p:sldLayout xmlns:a="http://schemas.openxmlformats.org/drawingml/2006/main" xmlns:p="http://schemas.openxmlformats.org/presentationml/2006/main" xmlns:r="http://schemas.openxmlformats.org/officeDocument/2006/relationships" xmlns:p14="http://schemas.microsoft.com/office/powerpoint/2010/main" xmlns:p15="http://schemas.microsoft.com/office/powerpoint/2012/main" xmlns:mc="http://schemas.openxmlformats.org/markup-compatibility/2006" type="objOnly" preserve="1">
-  <p:cSld name="Centered Text">
-    <p:spTree>
-      <p:nvGrpSpPr>
-        <p:cNvPr id="1" name=""/>
-        <p:cNvGrpSpPr/>
-        <p:nvPr/>
-      </p:nvGrpSpPr>
-      <p:grpSpPr>
-        <a:xfrm>
-          <a:off x="0" y="0"/>
-          <a:ext cx="0" cy="0"/>
-          <a:chOff x="0" y="0"/>
-          <a:chExt cx="0" cy="0"/>
-        </a:xfrm>
-      </p:grpSpPr>
-      <p:sp>
-        <p:nvSpPr>
-          <p:cNvPr id="100" name="PlaceHolder 1"/>
-          <p:cNvSpPr>
-            <a:spLocks noGrp="1"/>
-          </p:cNvSpPr>
-          <p:nvPr>
-            <p:ph type="subTitle"/>
-          </p:nvPr>
-        </p:nvSpPr>
-        <p:spPr>
-          <a:xfrm>
-            <a:off x="230400" y="137880"/>
-            <a:ext cx="4148640" cy="2678040"/>
-          </a:xfrm>
-          <a:prstGeom prst="rect">
-            <a:avLst/>
-          </a:prstGeom>
-          <a:noFill/>
-          <a:ln w="0">
-            <a:noFill/>
-          </a:ln>
-        </p:spPr>
-        <p:txBody>
-          <a:bodyPr lIns="0" rIns="0" tIns="0" bIns="0" anchor="ctr">
-            <a:noAutofit/>
-          </a:bodyPr>
-          <a:p>
-            <a:pPr algn="ctr">
-              <a:buNone/>
-            </a:pPr>
-            <a:endParaRPr b="0" lang="en-US" sz="3200" spc="-1" strike="noStrike">
-              <a:latin typeface="Arial"/>
-            </a:endParaRPr>
-          </a:p>
-        </p:txBody>
-      </p:sp>
-      <p:sp>
-        <p:nvSpPr>
-          <p:cNvPr id="3" name="PlaceHolder 2"/>
-          <p:cNvSpPr>
-            <a:spLocks noGrp="1"/>
-          </p:cNvSpPr>
-          <p:nvPr>
-            <p:ph type="ftr" idx="7"/>
-          </p:nvPr>
-        </p:nvSpPr>
-        <p:spPr/>
-        <p:txBody>
-          <a:bodyPr/>
-          <a:p>
-            <a:r>
-              <a:t>Footer</a:t>
-            </a:r>
-          </a:p>
-        </p:txBody>
-      </p:sp>
-      <p:sp>
-        <p:nvSpPr>
-          <p:cNvPr id="4" name="PlaceHolder 3"/>
-          <p:cNvSpPr>
-            <a:spLocks noGrp="1"/>
-          </p:cNvSpPr>
-          <p:nvPr>
-            <p:ph type="sldNum" idx="8"/>
-          </p:nvPr>
-        </p:nvSpPr>
-        <p:spPr/>
-        <p:txBody>
-          <a:bodyPr/>
-          <a:p>
-            <a:fld id="{05D89553-788D-41CF-9D16-A21668240250}" type="slidenum">
-              <a:t>&lt;#&gt;</a:t>
-            </a:fld>
-          </a:p>
-        </p:txBody>
-      </p:sp>
-      <p:sp>
-        <p:nvSpPr>
-          <p:cNvPr id="5" name="PlaceHolder 4"/>
-          <p:cNvSpPr>
-            <a:spLocks noGrp="1"/>
-          </p:cNvSpPr>
-          <p:nvPr>
-            <p:ph type="dt" idx="9"/>
-          </p:nvPr>
-        </p:nvSpPr>
-        <p:spPr/>
-        <p:txBody>
-          <a:bodyPr/>
-          <a:p>
-            <a:r>
-              <a:rPr lang="en-US"/>
-              <a:t/>
-            </a:r>
-          </a:p>
-        </p:txBody>
-      </p:sp>
-    </p:spTree>
-  </p:cSld>
-</p:sldLayout>
-</file>
-
-<file path=ppt/slideLayouts/slideLayout31.xml><?xml version="1.0" encoding="utf-8"?>
-<p:sldLayout xmlns:a="http://schemas.openxmlformats.org/drawingml/2006/main" xmlns:p="http://schemas.openxmlformats.org/presentationml/2006/main" xmlns:r="http://schemas.openxmlformats.org/officeDocument/2006/relationships" xmlns:p14="http://schemas.microsoft.com/office/powerpoint/2010/main" xmlns:p15="http://schemas.microsoft.com/office/powerpoint/2012/main" xmlns:mc="http://schemas.openxmlformats.org/markup-compatibility/2006" type="twoObjAndObj" preserve="1">
-  <p:cSld name="Title, 2 Content and Content">
-    <p:spTree>
-      <p:nvGrpSpPr>
-        <p:cNvPr id="1" name=""/>
-        <p:cNvGrpSpPr/>
-        <p:nvPr/>
-      </p:nvGrpSpPr>
-      <p:grpSpPr>
-        <a:xfrm>
-          <a:off x="0" y="0"/>
-          <a:ext cx="0" cy="0"/>
-          <a:chOff x="0" y="0"/>
-          <a:chExt cx="0" cy="0"/>
-        </a:xfrm>
-      </p:grpSpPr>
-      <p:sp>
-        <p:nvSpPr>
-          <p:cNvPr id="101" name="PlaceHolder 1"/>
-          <p:cNvSpPr>
-            <a:spLocks noGrp="1"/>
-          </p:cNvSpPr>
-          <p:nvPr>
-            <p:ph type="title"/>
-          </p:nvPr>
-        </p:nvSpPr>
-        <p:spPr>
-          <a:xfrm>
-            <a:off x="230400" y="114120"/>
-            <a:ext cx="4148640" cy="625320"/>
-          </a:xfrm>
-          <a:prstGeom prst="rect">
-            <a:avLst/>
-          </a:prstGeom>
-          <a:noFill/>
-          <a:ln w="0">
-            <a:noFill/>
-          </a:ln>
-        </p:spPr>
-        <p:txBody>
-          <a:bodyPr lIns="0" rIns="0" tIns="0" bIns="0" anchor="ctr">
-            <a:noAutofit/>
-          </a:bodyPr>
-          <a:p>
-            <a:pPr algn="ctr">
-              <a:buNone/>
-            </a:pPr>
-            <a:endParaRPr b="0" lang="en-US" sz="4400" spc="-1" strike="noStrike">
-              <a:latin typeface="Arial"/>
-            </a:endParaRPr>
-          </a:p>
-        </p:txBody>
-      </p:sp>
-      <p:sp>
-        <p:nvSpPr>
-          <p:cNvPr id="102" name="PlaceHolder 2"/>
-          <p:cNvSpPr>
-            <a:spLocks noGrp="1"/>
-          </p:cNvSpPr>
-          <p:nvPr>
-            <p:ph/>
-          </p:nvPr>
-        </p:nvSpPr>
-        <p:spPr>
-          <a:xfrm>
-            <a:off x="230400" y="809640"/>
-            <a:ext cx="2024280" cy="956880"/>
-          </a:xfrm>
-          <a:prstGeom prst="rect">
-            <a:avLst/>
-          </a:prstGeom>
-          <a:noFill/>
-          <a:ln w="0">
-            <a:noFill/>
-          </a:ln>
-        </p:spPr>
-        <p:txBody>
-          <a:bodyPr lIns="0" rIns="0" tIns="0" bIns="0" anchor="t">
-            <a:normAutofit/>
-          </a:bodyPr>
-          <a:p>
-            <a:endParaRPr b="0" lang="en-US" sz="3200" spc="-1" strike="noStrike">
-              <a:latin typeface="Arial"/>
-            </a:endParaRPr>
-          </a:p>
-        </p:txBody>
-      </p:sp>
-      <p:sp>
-        <p:nvSpPr>
-          <p:cNvPr id="103" name="PlaceHolder 3"/>
-          <p:cNvSpPr>
-            <a:spLocks noGrp="1"/>
-          </p:cNvSpPr>
-          <p:nvPr>
-            <p:ph/>
-          </p:nvPr>
-        </p:nvSpPr>
-        <p:spPr>
-          <a:xfrm>
-            <a:off x="2356200" y="809640"/>
-            <a:ext cx="2024280" cy="2006640"/>
-          </a:xfrm>
-          <a:prstGeom prst="rect">
-            <a:avLst/>
-          </a:prstGeom>
-          <a:noFill/>
-          <a:ln w="0">
-            <a:noFill/>
-          </a:ln>
-        </p:spPr>
-        <p:txBody>
-          <a:bodyPr lIns="0" rIns="0" tIns="0" bIns="0" anchor="t">
-            <a:normAutofit/>
-          </a:bodyPr>
-          <a:p>
-            <a:endParaRPr b="0" lang="en-US" sz="3200" spc="-1" strike="noStrike">
-              <a:latin typeface="Arial"/>
-            </a:endParaRPr>
-          </a:p>
-        </p:txBody>
-      </p:sp>
-      <p:sp>
-        <p:nvSpPr>
-          <p:cNvPr id="104" name="PlaceHolder 4"/>
-          <p:cNvSpPr>
-            <a:spLocks noGrp="1"/>
-          </p:cNvSpPr>
-          <p:nvPr>
-            <p:ph/>
-          </p:nvPr>
-        </p:nvSpPr>
-        <p:spPr>
-          <a:xfrm>
-            <a:off x="230400" y="1857960"/>
-            <a:ext cx="2024280" cy="956880"/>
-          </a:xfrm>
-          <a:prstGeom prst="rect">
-            <a:avLst/>
-          </a:prstGeom>
-          <a:noFill/>
-          <a:ln w="0">
-            <a:noFill/>
-          </a:ln>
-        </p:spPr>
-        <p:txBody>
-          <a:bodyPr lIns="0" rIns="0" tIns="0" bIns="0" anchor="t">
-            <a:normAutofit/>
-          </a:bodyPr>
-          <a:p>
-            <a:endParaRPr b="0" lang="en-US" sz="3200" spc="-1" strike="noStrike">
-              <a:latin typeface="Arial"/>
-            </a:endParaRPr>
-          </a:p>
-        </p:txBody>
-      </p:sp>
-      <p:sp>
-        <p:nvSpPr>
-          <p:cNvPr id="6" name="PlaceHolder 5"/>
-          <p:cNvSpPr>
-            <a:spLocks noGrp="1"/>
-          </p:cNvSpPr>
-          <p:nvPr>
-            <p:ph type="ftr" idx="7"/>
-          </p:nvPr>
-        </p:nvSpPr>
-        <p:spPr/>
-        <p:txBody>
-          <a:bodyPr/>
-          <a:p>
-            <a:r>
-              <a:t>Footer</a:t>
-            </a:r>
-          </a:p>
-        </p:txBody>
-      </p:sp>
-      <p:sp>
-        <p:nvSpPr>
-          <p:cNvPr id="7" name="PlaceHolder 6"/>
-          <p:cNvSpPr>
-            <a:spLocks noGrp="1"/>
-          </p:cNvSpPr>
-          <p:nvPr>
-            <p:ph type="sldNum" idx="8"/>
-          </p:nvPr>
-        </p:nvSpPr>
-        <p:spPr/>
-        <p:txBody>
-          <a:bodyPr/>
-          <a:p>
-            <a:fld id="{3C7777EF-D24A-4F4F-AC16-FD0A3F80AEF5}" type="slidenum">
-              <a:t>&lt;#&gt;</a:t>
-            </a:fld>
-          </a:p>
-        </p:txBody>
-      </p:sp>
-      <p:sp>
-        <p:nvSpPr>
-          <p:cNvPr id="8" name="PlaceHolder 7"/>
-          <p:cNvSpPr>
-            <a:spLocks noGrp="1"/>
-          </p:cNvSpPr>
-          <p:nvPr>
-            <p:ph type="dt" idx="9"/>
-          </p:nvPr>
-        </p:nvSpPr>
-        <p:spPr/>
-        <p:txBody>
-          <a:bodyPr/>
-          <a:p>
-            <a:r>
-              <a:rPr lang="en-US"/>
-              <a:t/>
-            </a:r>
-          </a:p>
-        </p:txBody>
-      </p:sp>
-    </p:spTree>
-  </p:cSld>
-</p:sldLayout>
-</file>
-
-<file path=ppt/slideLayouts/slideLayout32.xml><?xml version="1.0" encoding="utf-8"?>
-<p:sldLayout xmlns:a="http://schemas.openxmlformats.org/drawingml/2006/main" xmlns:p="http://schemas.openxmlformats.org/presentationml/2006/main" xmlns:r="http://schemas.openxmlformats.org/officeDocument/2006/relationships" xmlns:p14="http://schemas.microsoft.com/office/powerpoint/2010/main" xmlns:p15="http://schemas.microsoft.com/office/powerpoint/2012/main" xmlns:mc="http://schemas.openxmlformats.org/markup-compatibility/2006" type="objAndTwoObj" preserve="1">
-  <p:cSld name="Title Content and 2 Content">
-    <p:spTree>
-      <p:nvGrpSpPr>
-        <p:cNvPr id="1" name=""/>
-        <p:cNvGrpSpPr/>
-        <p:nvPr/>
-      </p:nvGrpSpPr>
-      <p:grpSpPr>
-        <a:xfrm>
-          <a:off x="0" y="0"/>
-          <a:ext cx="0" cy="0"/>
-          <a:chOff x="0" y="0"/>
-          <a:chExt cx="0" cy="0"/>
-        </a:xfrm>
-      </p:grpSpPr>
-      <p:sp>
-        <p:nvSpPr>
-          <p:cNvPr id="105" name="PlaceHolder 1"/>
-          <p:cNvSpPr>
-            <a:spLocks noGrp="1"/>
-          </p:cNvSpPr>
-          <p:nvPr>
-            <p:ph type="title"/>
-          </p:nvPr>
-        </p:nvSpPr>
-        <p:spPr>
-          <a:xfrm>
-            <a:off x="230400" y="114120"/>
-            <a:ext cx="4148640" cy="625320"/>
-          </a:xfrm>
-          <a:prstGeom prst="rect">
-            <a:avLst/>
-          </a:prstGeom>
-          <a:noFill/>
-          <a:ln w="0">
-            <a:noFill/>
-          </a:ln>
-        </p:spPr>
-        <p:txBody>
-          <a:bodyPr lIns="0" rIns="0" tIns="0" bIns="0" anchor="ctr">
-            <a:noAutofit/>
-          </a:bodyPr>
-          <a:p>
-            <a:pPr algn="ctr">
-              <a:buNone/>
-            </a:pPr>
-            <a:endParaRPr b="0" lang="en-US" sz="4400" spc="-1" strike="noStrike">
-              <a:latin typeface="Arial"/>
-            </a:endParaRPr>
-          </a:p>
-        </p:txBody>
-      </p:sp>
-      <p:sp>
-        <p:nvSpPr>
-          <p:cNvPr id="106" name="PlaceHolder 2"/>
-          <p:cNvSpPr>
-            <a:spLocks noGrp="1"/>
-          </p:cNvSpPr>
-          <p:nvPr>
-            <p:ph/>
-          </p:nvPr>
-        </p:nvSpPr>
-        <p:spPr>
-          <a:xfrm>
-            <a:off x="230400" y="809640"/>
-            <a:ext cx="2024280" cy="2006640"/>
-          </a:xfrm>
-          <a:prstGeom prst="rect">
-            <a:avLst/>
-          </a:prstGeom>
-          <a:noFill/>
-          <a:ln w="0">
-            <a:noFill/>
-          </a:ln>
-        </p:spPr>
-        <p:txBody>
-          <a:bodyPr lIns="0" rIns="0" tIns="0" bIns="0" anchor="t">
-            <a:normAutofit/>
-          </a:bodyPr>
-          <a:p>
-            <a:endParaRPr b="0" lang="en-US" sz="3200" spc="-1" strike="noStrike">
-              <a:latin typeface="Arial"/>
-            </a:endParaRPr>
-          </a:p>
-        </p:txBody>
-      </p:sp>
-      <p:sp>
-        <p:nvSpPr>
-          <p:cNvPr id="107" name="PlaceHolder 3"/>
-          <p:cNvSpPr>
-            <a:spLocks noGrp="1"/>
-          </p:cNvSpPr>
-          <p:nvPr>
-            <p:ph/>
-          </p:nvPr>
-        </p:nvSpPr>
-        <p:spPr>
-          <a:xfrm>
-            <a:off x="2356200" y="809640"/>
-            <a:ext cx="2024280" cy="956880"/>
-          </a:xfrm>
-          <a:prstGeom prst="rect">
-            <a:avLst/>
-          </a:prstGeom>
-          <a:noFill/>
-          <a:ln w="0">
-            <a:noFill/>
-          </a:ln>
-        </p:spPr>
-        <p:txBody>
-          <a:bodyPr lIns="0" rIns="0" tIns="0" bIns="0" anchor="t">
-            <a:normAutofit/>
-          </a:bodyPr>
-          <a:p>
-            <a:endParaRPr b="0" lang="en-US" sz="3200" spc="-1" strike="noStrike">
-              <a:latin typeface="Arial"/>
-            </a:endParaRPr>
-          </a:p>
-        </p:txBody>
-      </p:sp>
-      <p:sp>
-        <p:nvSpPr>
-          <p:cNvPr id="108" name="PlaceHolder 4"/>
-          <p:cNvSpPr>
-            <a:spLocks noGrp="1"/>
-          </p:cNvSpPr>
-          <p:nvPr>
-            <p:ph/>
-          </p:nvPr>
-        </p:nvSpPr>
-        <p:spPr>
-          <a:xfrm>
-            <a:off x="2356200" y="1857960"/>
-            <a:ext cx="2024280" cy="956880"/>
-          </a:xfrm>
-          <a:prstGeom prst="rect">
-            <a:avLst/>
-          </a:prstGeom>
-          <a:noFill/>
-          <a:ln w="0">
-            <a:noFill/>
-          </a:ln>
-        </p:spPr>
-        <p:txBody>
-          <a:bodyPr lIns="0" rIns="0" tIns="0" bIns="0" anchor="t">
-            <a:normAutofit/>
-          </a:bodyPr>
-          <a:p>
-            <a:endParaRPr b="0" lang="en-US" sz="3200" spc="-1" strike="noStrike">
-              <a:latin typeface="Arial"/>
-            </a:endParaRPr>
-          </a:p>
-        </p:txBody>
-      </p:sp>
-      <p:sp>
-        <p:nvSpPr>
-          <p:cNvPr id="6" name="PlaceHolder 5"/>
-          <p:cNvSpPr>
-            <a:spLocks noGrp="1"/>
-          </p:cNvSpPr>
-          <p:nvPr>
-            <p:ph type="ftr" idx="7"/>
-          </p:nvPr>
-        </p:nvSpPr>
-        <p:spPr/>
-        <p:txBody>
-          <a:bodyPr/>
-          <a:p>
-            <a:r>
-              <a:t>Footer</a:t>
-            </a:r>
-          </a:p>
-        </p:txBody>
-      </p:sp>
-      <p:sp>
-        <p:nvSpPr>
-          <p:cNvPr id="7" name="PlaceHolder 6"/>
-          <p:cNvSpPr>
-            <a:spLocks noGrp="1"/>
-          </p:cNvSpPr>
-          <p:nvPr>
-            <p:ph type="sldNum" idx="8"/>
-          </p:nvPr>
-        </p:nvSpPr>
-        <p:spPr/>
-        <p:txBody>
-          <a:bodyPr/>
-          <a:p>
-            <a:fld id="{99E16E68-5B83-41F7-B2CF-801CB27CD166}" type="slidenum">
-              <a:t>&lt;#&gt;</a:t>
-            </a:fld>
-          </a:p>
-        </p:txBody>
-      </p:sp>
-      <p:sp>
-        <p:nvSpPr>
-          <p:cNvPr id="8" name="PlaceHolder 7"/>
-          <p:cNvSpPr>
-            <a:spLocks noGrp="1"/>
-          </p:cNvSpPr>
-          <p:nvPr>
-            <p:ph type="dt" idx="9"/>
-          </p:nvPr>
-        </p:nvSpPr>
-        <p:spPr/>
-        <p:txBody>
-          <a:bodyPr/>
-          <a:p>
-            <a:r>
-              <a:rPr lang="en-US"/>
-              <a:t/>
-            </a:r>
-          </a:p>
-        </p:txBody>
-      </p:sp>
-    </p:spTree>
-  </p:cSld>
-</p:sldLayout>
-</file>
-
-<file path=ppt/slideLayouts/slideLayout33.xml><?xml version="1.0" encoding="utf-8"?>
-<p:sldLayout xmlns:a="http://schemas.openxmlformats.org/drawingml/2006/main" xmlns:p="http://schemas.openxmlformats.org/presentationml/2006/main" xmlns:r="http://schemas.openxmlformats.org/officeDocument/2006/relationships" xmlns:p14="http://schemas.microsoft.com/office/powerpoint/2010/main" xmlns:p15="http://schemas.microsoft.com/office/powerpoint/2012/main" xmlns:mc="http://schemas.openxmlformats.org/markup-compatibility/2006" type="twoObjOverTx" preserve="1">
-  <p:cSld name="Title, 2 Content over Content">
-    <p:spTree>
-      <p:nvGrpSpPr>
-        <p:cNvPr id="1" name=""/>
-        <p:cNvGrpSpPr/>
-        <p:nvPr/>
-      </p:nvGrpSpPr>
-      <p:grpSpPr>
-        <a:xfrm>
-          <a:off x="0" y="0"/>
-          <a:ext cx="0" cy="0"/>
-          <a:chOff x="0" y="0"/>
-          <a:chExt cx="0" cy="0"/>
-        </a:xfrm>
-      </p:grpSpPr>
-      <p:sp>
-        <p:nvSpPr>
-          <p:cNvPr id="109" name="PlaceHolder 1"/>
-          <p:cNvSpPr>
-            <a:spLocks noGrp="1"/>
-          </p:cNvSpPr>
-          <p:nvPr>
-            <p:ph type="title"/>
-          </p:nvPr>
-        </p:nvSpPr>
-        <p:spPr>
-          <a:xfrm>
-            <a:off x="230400" y="114120"/>
-            <a:ext cx="4148640" cy="625320"/>
-          </a:xfrm>
-          <a:prstGeom prst="rect">
-            <a:avLst/>
-          </a:prstGeom>
-          <a:noFill/>
-          <a:ln w="0">
-            <a:noFill/>
-          </a:ln>
-        </p:spPr>
-        <p:txBody>
-          <a:bodyPr lIns="0" rIns="0" tIns="0" bIns="0" anchor="ctr">
-            <a:noAutofit/>
-          </a:bodyPr>
-          <a:p>
-            <a:pPr algn="ctr">
-              <a:buNone/>
-            </a:pPr>
-            <a:endParaRPr b="0" lang="en-US" sz="4400" spc="-1" strike="noStrike">
-              <a:latin typeface="Arial"/>
-            </a:endParaRPr>
-          </a:p>
-        </p:txBody>
-      </p:sp>
-      <p:sp>
-        <p:nvSpPr>
-          <p:cNvPr id="110" name="PlaceHolder 2"/>
-          <p:cNvSpPr>
-            <a:spLocks noGrp="1"/>
-          </p:cNvSpPr>
-          <p:nvPr>
-            <p:ph/>
-          </p:nvPr>
-        </p:nvSpPr>
-        <p:spPr>
-          <a:xfrm>
-            <a:off x="230400" y="809640"/>
-            <a:ext cx="2024280" cy="956880"/>
-          </a:xfrm>
-          <a:prstGeom prst="rect">
-            <a:avLst/>
-          </a:prstGeom>
-          <a:noFill/>
-          <a:ln w="0">
-            <a:noFill/>
-          </a:ln>
-        </p:spPr>
-        <p:txBody>
-          <a:bodyPr lIns="0" rIns="0" tIns="0" bIns="0" anchor="t">
-            <a:normAutofit/>
-          </a:bodyPr>
-          <a:p>
-            <a:endParaRPr b="0" lang="en-US" sz="3200" spc="-1" strike="noStrike">
-              <a:latin typeface="Arial"/>
-            </a:endParaRPr>
-          </a:p>
-        </p:txBody>
-      </p:sp>
-      <p:sp>
-        <p:nvSpPr>
-          <p:cNvPr id="111" name="PlaceHolder 3"/>
-          <p:cNvSpPr>
-            <a:spLocks noGrp="1"/>
-          </p:cNvSpPr>
-          <p:nvPr>
-            <p:ph/>
-          </p:nvPr>
-        </p:nvSpPr>
-        <p:spPr>
-          <a:xfrm>
-            <a:off x="2356200" y="809640"/>
-            <a:ext cx="2024280" cy="956880"/>
-          </a:xfrm>
-          <a:prstGeom prst="rect">
-            <a:avLst/>
-          </a:prstGeom>
-          <a:noFill/>
-          <a:ln w="0">
-            <a:noFill/>
-          </a:ln>
-        </p:spPr>
-        <p:txBody>
-          <a:bodyPr lIns="0" rIns="0" tIns="0" bIns="0" anchor="t">
-            <a:normAutofit/>
-          </a:bodyPr>
-          <a:p>
-            <a:endParaRPr b="0" lang="en-US" sz="3200" spc="-1" strike="noStrike">
-              <a:latin typeface="Arial"/>
-            </a:endParaRPr>
-          </a:p>
-        </p:txBody>
-      </p:sp>
-      <p:sp>
-        <p:nvSpPr>
-          <p:cNvPr id="112" name="PlaceHolder 4"/>
-          <p:cNvSpPr>
-            <a:spLocks noGrp="1"/>
-          </p:cNvSpPr>
-          <p:nvPr>
-            <p:ph/>
-          </p:nvPr>
-        </p:nvSpPr>
-        <p:spPr>
-          <a:xfrm>
-            <a:off x="230400" y="1857960"/>
-            <a:ext cx="4148640" cy="956880"/>
-          </a:xfrm>
-          <a:prstGeom prst="rect">
-            <a:avLst/>
-          </a:prstGeom>
-          <a:noFill/>
-          <a:ln w="0">
-            <a:noFill/>
-          </a:ln>
-        </p:spPr>
-        <p:txBody>
-          <a:bodyPr lIns="0" rIns="0" tIns="0" bIns="0" anchor="t">
-            <a:normAutofit/>
-          </a:bodyPr>
-          <a:p>
-            <a:endParaRPr b="0" lang="en-US" sz="3200" spc="-1" strike="noStrike">
-              <a:latin typeface="Arial"/>
-            </a:endParaRPr>
-          </a:p>
-        </p:txBody>
-      </p:sp>
-      <p:sp>
-        <p:nvSpPr>
-          <p:cNvPr id="6" name="PlaceHolder 5"/>
-          <p:cNvSpPr>
-            <a:spLocks noGrp="1"/>
-          </p:cNvSpPr>
-          <p:nvPr>
-            <p:ph type="ftr" idx="7"/>
-          </p:nvPr>
-        </p:nvSpPr>
-        <p:spPr/>
-        <p:txBody>
-          <a:bodyPr/>
-          <a:p>
-            <a:r>
-              <a:t>Footer</a:t>
-            </a:r>
-          </a:p>
-        </p:txBody>
-      </p:sp>
-      <p:sp>
-        <p:nvSpPr>
-          <p:cNvPr id="7" name="PlaceHolder 6"/>
-          <p:cNvSpPr>
-            <a:spLocks noGrp="1"/>
-          </p:cNvSpPr>
-          <p:nvPr>
-            <p:ph type="sldNum" idx="8"/>
-          </p:nvPr>
-        </p:nvSpPr>
-        <p:spPr/>
-        <p:txBody>
-          <a:bodyPr/>
-          <a:p>
-            <a:fld id="{9DF1B603-0F72-4ABD-A2D8-847BF265ED09}" type="slidenum">
-              <a:t>&lt;#&gt;</a:t>
-            </a:fld>
-          </a:p>
-        </p:txBody>
-      </p:sp>
-      <p:sp>
-        <p:nvSpPr>
-          <p:cNvPr id="8" name="PlaceHolder 7"/>
-          <p:cNvSpPr>
-            <a:spLocks noGrp="1"/>
-          </p:cNvSpPr>
-          <p:nvPr>
-            <p:ph type="dt" idx="9"/>
-          </p:nvPr>
-        </p:nvSpPr>
-        <p:spPr/>
-        <p:txBody>
-          <a:bodyPr/>
-          <a:p>
-            <a:r>
-              <a:rPr lang="en-US"/>
-              <a:t/>
-            </a:r>
-          </a:p>
-        </p:txBody>
-      </p:sp>
-    </p:spTree>
-  </p:cSld>
-</p:sldLayout>
-</file>
-
-<file path=ppt/slideLayouts/slideLayout34.xml><?xml version="1.0" encoding="utf-8"?>
-<p:sldLayout xmlns:a="http://schemas.openxmlformats.org/drawingml/2006/main" xmlns:p="http://schemas.openxmlformats.org/presentationml/2006/main" xmlns:r="http://schemas.openxmlformats.org/officeDocument/2006/relationships" xmlns:p14="http://schemas.microsoft.com/office/powerpoint/2010/main" xmlns:p15="http://schemas.microsoft.com/office/powerpoint/2012/main" xmlns:mc="http://schemas.openxmlformats.org/markup-compatibility/2006" type="objOverTx" preserve="1">
-  <p:cSld name="Title, Content over Content">
-    <p:spTree>
-      <p:nvGrpSpPr>
-        <p:cNvPr id="1" name=""/>
-        <p:cNvGrpSpPr/>
-        <p:nvPr/>
-      </p:nvGrpSpPr>
-      <p:grpSpPr>
-        <a:xfrm>
-          <a:off x="0" y="0"/>
-          <a:ext cx="0" cy="0"/>
-          <a:chOff x="0" y="0"/>
-          <a:chExt cx="0" cy="0"/>
-        </a:xfrm>
-      </p:grpSpPr>
-      <p:sp>
-        <p:nvSpPr>
-          <p:cNvPr id="113" name="PlaceHolder 1"/>
-          <p:cNvSpPr>
-            <a:spLocks noGrp="1"/>
-          </p:cNvSpPr>
-          <p:nvPr>
-            <p:ph type="title"/>
-          </p:nvPr>
-        </p:nvSpPr>
-        <p:spPr>
-          <a:xfrm>
-            <a:off x="230400" y="114120"/>
-            <a:ext cx="4148640" cy="625320"/>
-          </a:xfrm>
-          <a:prstGeom prst="rect">
-            <a:avLst/>
-          </a:prstGeom>
-          <a:noFill/>
-          <a:ln w="0">
-            <a:noFill/>
-          </a:ln>
-        </p:spPr>
-        <p:txBody>
-          <a:bodyPr lIns="0" rIns="0" tIns="0" bIns="0" anchor="ctr">
-            <a:noAutofit/>
-          </a:bodyPr>
-          <a:p>
-            <a:pPr algn="ctr">
-              <a:buNone/>
-            </a:pPr>
-            <a:endParaRPr b="0" lang="en-US" sz="4400" spc="-1" strike="noStrike">
-              <a:latin typeface="Arial"/>
-            </a:endParaRPr>
-          </a:p>
-        </p:txBody>
-      </p:sp>
-      <p:sp>
-        <p:nvSpPr>
-          <p:cNvPr id="114" name="PlaceHolder 2"/>
-          <p:cNvSpPr>
-            <a:spLocks noGrp="1"/>
-          </p:cNvSpPr>
-          <p:nvPr>
-            <p:ph/>
-          </p:nvPr>
-        </p:nvSpPr>
-        <p:spPr>
-          <a:xfrm>
-            <a:off x="230400" y="809640"/>
-            <a:ext cx="4148640" cy="956880"/>
-          </a:xfrm>
-          <a:prstGeom prst="rect">
-            <a:avLst/>
-          </a:prstGeom>
-          <a:noFill/>
-          <a:ln w="0">
-            <a:noFill/>
-          </a:ln>
-        </p:spPr>
-        <p:txBody>
-          <a:bodyPr lIns="0" rIns="0" tIns="0" bIns="0" anchor="t">
-            <a:normAutofit/>
-          </a:bodyPr>
-          <a:p>
-            <a:endParaRPr b="0" lang="en-US" sz="3200" spc="-1" strike="noStrike">
-              <a:latin typeface="Arial"/>
-            </a:endParaRPr>
-          </a:p>
-        </p:txBody>
-      </p:sp>
-      <p:sp>
-        <p:nvSpPr>
-          <p:cNvPr id="115" name="PlaceHolder 3"/>
-          <p:cNvSpPr>
-            <a:spLocks noGrp="1"/>
-          </p:cNvSpPr>
-          <p:nvPr>
-            <p:ph/>
-          </p:nvPr>
-        </p:nvSpPr>
-        <p:spPr>
-          <a:xfrm>
-            <a:off x="230400" y="1857960"/>
-            <a:ext cx="4148640" cy="956880"/>
-          </a:xfrm>
-          <a:prstGeom prst="rect">
-            <a:avLst/>
-          </a:prstGeom>
-          <a:noFill/>
-          <a:ln w="0">
-            <a:noFill/>
-          </a:ln>
-        </p:spPr>
-        <p:txBody>
-          <a:bodyPr lIns="0" rIns="0" tIns="0" bIns="0" anchor="t">
-            <a:normAutofit/>
-          </a:bodyPr>
-          <a:p>
-            <a:endParaRPr b="0" lang="en-US" sz="3200" spc="-1" strike="noStrike">
-              <a:latin typeface="Arial"/>
-            </a:endParaRPr>
-          </a:p>
-        </p:txBody>
-      </p:sp>
-      <p:sp>
-        <p:nvSpPr>
-          <p:cNvPr id="5" name="PlaceHolder 4"/>
-          <p:cNvSpPr>
-            <a:spLocks noGrp="1"/>
-          </p:cNvSpPr>
-          <p:nvPr>
-            <p:ph type="ftr" idx="7"/>
-          </p:nvPr>
-        </p:nvSpPr>
-        <p:spPr/>
-        <p:txBody>
-          <a:bodyPr/>
-          <a:p>
-            <a:r>
-              <a:t>Footer</a:t>
-            </a:r>
-          </a:p>
-        </p:txBody>
-      </p:sp>
-      <p:sp>
-        <p:nvSpPr>
-          <p:cNvPr id="6" name="PlaceHolder 5"/>
-          <p:cNvSpPr>
-            <a:spLocks noGrp="1"/>
-          </p:cNvSpPr>
-          <p:nvPr>
-            <p:ph type="sldNum" idx="8"/>
-          </p:nvPr>
-        </p:nvSpPr>
-        <p:spPr/>
-        <p:txBody>
-          <a:bodyPr/>
-          <a:p>
-            <a:fld id="{15660BD0-481D-4595-8CF1-233000FDA7B6}" type="slidenum">
-              <a:t>&lt;#&gt;</a:t>
-            </a:fld>
-          </a:p>
-        </p:txBody>
-      </p:sp>
-      <p:sp>
-        <p:nvSpPr>
-          <p:cNvPr id="7" name="PlaceHolder 6"/>
-          <p:cNvSpPr>
-            <a:spLocks noGrp="1"/>
-          </p:cNvSpPr>
-          <p:nvPr>
-            <p:ph type="dt" idx="9"/>
-          </p:nvPr>
-        </p:nvSpPr>
-        <p:spPr/>
-        <p:txBody>
-          <a:bodyPr/>
-          <a:p>
-            <a:r>
-              <a:rPr lang="en-US"/>
-              <a:t/>
-            </a:r>
-          </a:p>
-        </p:txBody>
-      </p:sp>
-    </p:spTree>
-  </p:cSld>
-</p:sldLayout>
-</file>
-
-<file path=ppt/slideLayouts/slideLayout35.xml><?xml version="1.0" encoding="utf-8"?>
-<p:sldLayout xmlns:a="http://schemas.openxmlformats.org/drawingml/2006/main" xmlns:p="http://schemas.openxmlformats.org/presentationml/2006/main" xmlns:r="http://schemas.openxmlformats.org/officeDocument/2006/relationships" xmlns:p14="http://schemas.microsoft.com/office/powerpoint/2010/main" xmlns:p15="http://schemas.microsoft.com/office/powerpoint/2012/main" xmlns:mc="http://schemas.openxmlformats.org/markup-compatibility/2006" type="fourObj" preserve="1">
-  <p:cSld name="Title, 4 Content">
-    <p:spTree>
-      <p:nvGrpSpPr>
-        <p:cNvPr id="1" name=""/>
-        <p:cNvGrpSpPr/>
-        <p:nvPr/>
-      </p:nvGrpSpPr>
-      <p:grpSpPr>
-        <a:xfrm>
-          <a:off x="0" y="0"/>
-          <a:ext cx="0" cy="0"/>
-          <a:chOff x="0" y="0"/>
-          <a:chExt cx="0" cy="0"/>
-        </a:xfrm>
-      </p:grpSpPr>
-      <p:sp>
-        <p:nvSpPr>
-          <p:cNvPr id="116" name="PlaceHolder 1"/>
-          <p:cNvSpPr>
-            <a:spLocks noGrp="1"/>
-          </p:cNvSpPr>
-          <p:nvPr>
-            <p:ph type="title"/>
-          </p:nvPr>
-        </p:nvSpPr>
-        <p:spPr>
-          <a:xfrm>
-            <a:off x="230400" y="114120"/>
-            <a:ext cx="4148640" cy="625320"/>
-          </a:xfrm>
-          <a:prstGeom prst="rect">
-            <a:avLst/>
-          </a:prstGeom>
-          <a:noFill/>
-          <a:ln w="0">
-            <a:noFill/>
-          </a:ln>
-        </p:spPr>
-        <p:txBody>
-          <a:bodyPr lIns="0" rIns="0" tIns="0" bIns="0" anchor="ctr">
-            <a:noAutofit/>
-          </a:bodyPr>
-          <a:p>
-            <a:pPr algn="ctr">
-              <a:buNone/>
-            </a:pPr>
-            <a:endParaRPr b="0" lang="en-US" sz="4400" spc="-1" strike="noStrike">
-              <a:latin typeface="Arial"/>
-            </a:endParaRPr>
-          </a:p>
-        </p:txBody>
-      </p:sp>
-      <p:sp>
-        <p:nvSpPr>
-          <p:cNvPr id="117" name="PlaceHolder 2"/>
-          <p:cNvSpPr>
-            <a:spLocks noGrp="1"/>
-          </p:cNvSpPr>
-          <p:nvPr>
-            <p:ph/>
-          </p:nvPr>
-        </p:nvSpPr>
-        <p:spPr>
-          <a:xfrm>
-            <a:off x="230400" y="809640"/>
-            <a:ext cx="2024280" cy="956880"/>
-          </a:xfrm>
-          <a:prstGeom prst="rect">
-            <a:avLst/>
-          </a:prstGeom>
-          <a:noFill/>
-          <a:ln w="0">
-            <a:noFill/>
-          </a:ln>
-        </p:spPr>
-        <p:txBody>
-          <a:bodyPr lIns="0" rIns="0" tIns="0" bIns="0" anchor="t">
-            <a:normAutofit/>
-          </a:bodyPr>
-          <a:p>
-            <a:endParaRPr b="0" lang="en-US" sz="3200" spc="-1" strike="noStrike">
-              <a:latin typeface="Arial"/>
-            </a:endParaRPr>
-          </a:p>
-        </p:txBody>
-      </p:sp>
-      <p:sp>
-        <p:nvSpPr>
-          <p:cNvPr id="118" name="PlaceHolder 3"/>
-          <p:cNvSpPr>
-            <a:spLocks noGrp="1"/>
-          </p:cNvSpPr>
-          <p:nvPr>
-            <p:ph/>
-          </p:nvPr>
-        </p:nvSpPr>
-        <p:spPr>
-          <a:xfrm>
-            <a:off x="2356200" y="809640"/>
-            <a:ext cx="2024280" cy="956880"/>
-          </a:xfrm>
-          <a:prstGeom prst="rect">
-            <a:avLst/>
-          </a:prstGeom>
-          <a:noFill/>
-          <a:ln w="0">
-            <a:noFill/>
-          </a:ln>
-        </p:spPr>
-        <p:txBody>
-          <a:bodyPr lIns="0" rIns="0" tIns="0" bIns="0" anchor="t">
-            <a:normAutofit/>
-          </a:bodyPr>
-          <a:p>
-            <a:endParaRPr b="0" lang="en-US" sz="3200" spc="-1" strike="noStrike">
-              <a:latin typeface="Arial"/>
-            </a:endParaRPr>
-          </a:p>
-        </p:txBody>
-      </p:sp>
-      <p:sp>
-        <p:nvSpPr>
-          <p:cNvPr id="119" name="PlaceHolder 4"/>
-          <p:cNvSpPr>
-            <a:spLocks noGrp="1"/>
-          </p:cNvSpPr>
-          <p:nvPr>
-            <p:ph/>
-          </p:nvPr>
-        </p:nvSpPr>
-        <p:spPr>
-          <a:xfrm>
-            <a:off x="230400" y="1857960"/>
-            <a:ext cx="2024280" cy="956880"/>
-          </a:xfrm>
-          <a:prstGeom prst="rect">
-            <a:avLst/>
-          </a:prstGeom>
-          <a:noFill/>
-          <a:ln w="0">
-            <a:noFill/>
-          </a:ln>
-        </p:spPr>
-        <p:txBody>
-          <a:bodyPr lIns="0" rIns="0" tIns="0" bIns="0" anchor="t">
-            <a:normAutofit/>
-          </a:bodyPr>
-          <a:p>
-            <a:endParaRPr b="0" lang="en-US" sz="3200" spc="-1" strike="noStrike">
-              <a:latin typeface="Arial"/>
-            </a:endParaRPr>
-          </a:p>
-        </p:txBody>
-      </p:sp>
-      <p:sp>
-        <p:nvSpPr>
-          <p:cNvPr id="120" name="PlaceHolder 5"/>
-          <p:cNvSpPr>
-            <a:spLocks noGrp="1"/>
-          </p:cNvSpPr>
-          <p:nvPr>
-            <p:ph/>
-          </p:nvPr>
-        </p:nvSpPr>
-        <p:spPr>
-          <a:xfrm>
-            <a:off x="2356200" y="1857960"/>
-            <a:ext cx="2024280" cy="956880"/>
-          </a:xfrm>
-          <a:prstGeom prst="rect">
-            <a:avLst/>
-          </a:prstGeom>
-          <a:noFill/>
-          <a:ln w="0">
-            <a:noFill/>
-          </a:ln>
-        </p:spPr>
-        <p:txBody>
-          <a:bodyPr lIns="0" rIns="0" tIns="0" bIns="0" anchor="t">
-            <a:normAutofit/>
-          </a:bodyPr>
-          <a:p>
-            <a:endParaRPr b="0" lang="en-US" sz="3200" spc="-1" strike="noStrike">
-              <a:latin typeface="Arial"/>
-            </a:endParaRPr>
-          </a:p>
-        </p:txBody>
-      </p:sp>
-      <p:sp>
-        <p:nvSpPr>
-          <p:cNvPr id="7" name="PlaceHolder 6"/>
-          <p:cNvSpPr>
-            <a:spLocks noGrp="1"/>
-          </p:cNvSpPr>
-          <p:nvPr>
-            <p:ph type="ftr" idx="7"/>
-          </p:nvPr>
-        </p:nvSpPr>
-        <p:spPr/>
-        <p:txBody>
-          <a:bodyPr/>
-          <a:p>
-            <a:r>
-              <a:t>Footer</a:t>
-            </a:r>
-          </a:p>
-        </p:txBody>
-      </p:sp>
-      <p:sp>
-        <p:nvSpPr>
-          <p:cNvPr id="8" name="PlaceHolder 7"/>
-          <p:cNvSpPr>
-            <a:spLocks noGrp="1"/>
-          </p:cNvSpPr>
-          <p:nvPr>
-            <p:ph type="sldNum" idx="8"/>
-          </p:nvPr>
-        </p:nvSpPr>
-        <p:spPr/>
-        <p:txBody>
-          <a:bodyPr/>
-          <a:p>
-            <a:fld id="{D15073BF-9C42-406F-A069-938F8744D509}" type="slidenum">
-              <a:t>&lt;#&gt;</a:t>
-            </a:fld>
-          </a:p>
-        </p:txBody>
-      </p:sp>
-      <p:sp>
-        <p:nvSpPr>
-          <p:cNvPr id="9" name="PlaceHolder 8"/>
-          <p:cNvSpPr>
-            <a:spLocks noGrp="1"/>
-          </p:cNvSpPr>
-          <p:nvPr>
-            <p:ph type="dt" idx="9"/>
-          </p:nvPr>
-        </p:nvSpPr>
-        <p:spPr/>
-        <p:txBody>
-          <a:bodyPr/>
-          <a:p>
-            <a:r>
-              <a:rPr lang="en-US"/>
-              <a:t/>
-            </a:r>
-          </a:p>
-        </p:txBody>
-      </p:sp>
-    </p:spTree>
-  </p:cSld>
-</p:sldLayout>
-</file>
-
-<file path=ppt/slideLayouts/slideLayout36.xml><?xml version="1.0" encoding="utf-8"?>
-<p:sldLayout xmlns:a="http://schemas.openxmlformats.org/drawingml/2006/main" xmlns:p="http://schemas.openxmlformats.org/presentationml/2006/main" xmlns:r="http://schemas.openxmlformats.org/officeDocument/2006/relationships" xmlns:p14="http://schemas.microsoft.com/office/powerpoint/2010/main" xmlns:p15="http://schemas.microsoft.com/office/powerpoint/2012/main" xmlns:mc="http://schemas.openxmlformats.org/markup-compatibility/2006" type="blank" preserve="1">
-  <p:cSld name="Title, 6 Content">
-    <p:spTree>
-      <p:nvGrpSpPr>
-        <p:cNvPr id="1" name=""/>
-        <p:cNvGrpSpPr/>
-        <p:nvPr/>
-      </p:nvGrpSpPr>
-      <p:grpSpPr>
-        <a:xfrm>
-          <a:off x="0" y="0"/>
-          <a:ext cx="0" cy="0"/>
-          <a:chOff x="0" y="0"/>
-          <a:chExt cx="0" cy="0"/>
-        </a:xfrm>
-      </p:grpSpPr>
-      <p:sp>
-        <p:nvSpPr>
-          <p:cNvPr id="121" name="PlaceHolder 1"/>
-          <p:cNvSpPr>
-            <a:spLocks noGrp="1"/>
-          </p:cNvSpPr>
-          <p:nvPr>
-            <p:ph type="title"/>
-          </p:nvPr>
-        </p:nvSpPr>
-        <p:spPr>
-          <a:xfrm>
-            <a:off x="230400" y="114120"/>
-            <a:ext cx="4148640" cy="625320"/>
-          </a:xfrm>
-          <a:prstGeom prst="rect">
-            <a:avLst/>
-          </a:prstGeom>
-          <a:noFill/>
-          <a:ln w="0">
-            <a:noFill/>
-          </a:ln>
-        </p:spPr>
-        <p:txBody>
-          <a:bodyPr lIns="0" rIns="0" tIns="0" bIns="0" anchor="ctr">
-            <a:noAutofit/>
-          </a:bodyPr>
-          <a:p>
-            <a:pPr algn="ctr">
-              <a:buNone/>
-            </a:pPr>
-            <a:endParaRPr b="0" lang="en-US" sz="4400" spc="-1" strike="noStrike">
-              <a:latin typeface="Arial"/>
-            </a:endParaRPr>
-          </a:p>
-        </p:txBody>
-      </p:sp>
-      <p:sp>
-        <p:nvSpPr>
-          <p:cNvPr id="122" name="PlaceHolder 2"/>
-          <p:cNvSpPr>
-            <a:spLocks noGrp="1"/>
-          </p:cNvSpPr>
-          <p:nvPr>
-            <p:ph/>
-          </p:nvPr>
-        </p:nvSpPr>
-        <p:spPr>
-          <a:xfrm>
-            <a:off x="230400" y="809640"/>
-            <a:ext cx="1335600" cy="956880"/>
-          </a:xfrm>
-          <a:prstGeom prst="rect">
-            <a:avLst/>
-          </a:prstGeom>
-          <a:noFill/>
-          <a:ln w="0">
-            <a:noFill/>
-          </a:ln>
-        </p:spPr>
-        <p:txBody>
-          <a:bodyPr lIns="0" rIns="0" tIns="0" bIns="0" anchor="t">
-            <a:normAutofit fontScale="70000"/>
-          </a:bodyPr>
-          <a:p>
-            <a:endParaRPr b="0" lang="en-US" sz="3200" spc="-1" strike="noStrike">
-              <a:latin typeface="Arial"/>
-            </a:endParaRPr>
-          </a:p>
-        </p:txBody>
-      </p:sp>
-      <p:sp>
-        <p:nvSpPr>
-          <p:cNvPr id="123" name="PlaceHolder 3"/>
-          <p:cNvSpPr>
-            <a:spLocks noGrp="1"/>
-          </p:cNvSpPr>
-          <p:nvPr>
-            <p:ph/>
-          </p:nvPr>
-        </p:nvSpPr>
-        <p:spPr>
-          <a:xfrm>
-            <a:off x="1633320" y="809640"/>
-            <a:ext cx="1335600" cy="956880"/>
-          </a:xfrm>
-          <a:prstGeom prst="rect">
-            <a:avLst/>
-          </a:prstGeom>
-          <a:noFill/>
-          <a:ln w="0">
-            <a:noFill/>
-          </a:ln>
-        </p:spPr>
-        <p:txBody>
-          <a:bodyPr lIns="0" rIns="0" tIns="0" bIns="0" anchor="t">
-            <a:normAutofit fontScale="70000"/>
-          </a:bodyPr>
-          <a:p>
-            <a:endParaRPr b="0" lang="en-US" sz="3200" spc="-1" strike="noStrike">
-              <a:latin typeface="Arial"/>
-            </a:endParaRPr>
-          </a:p>
-        </p:txBody>
-      </p:sp>
-      <p:sp>
-        <p:nvSpPr>
-          <p:cNvPr id="124" name="PlaceHolder 4"/>
-          <p:cNvSpPr>
-            <a:spLocks noGrp="1"/>
-          </p:cNvSpPr>
-          <p:nvPr>
-            <p:ph/>
-          </p:nvPr>
-        </p:nvSpPr>
-        <p:spPr>
-          <a:xfrm>
-            <a:off x="3035880" y="809640"/>
-            <a:ext cx="1335600" cy="956880"/>
-          </a:xfrm>
-          <a:prstGeom prst="rect">
-            <a:avLst/>
-          </a:prstGeom>
-          <a:noFill/>
-          <a:ln w="0">
-            <a:noFill/>
-          </a:ln>
-        </p:spPr>
-        <p:txBody>
-          <a:bodyPr lIns="0" rIns="0" tIns="0" bIns="0" anchor="t">
-            <a:normAutofit fontScale="70000"/>
-          </a:bodyPr>
-          <a:p>
-            <a:endParaRPr b="0" lang="en-US" sz="3200" spc="-1" strike="noStrike">
-              <a:latin typeface="Arial"/>
-            </a:endParaRPr>
-          </a:p>
-        </p:txBody>
-      </p:sp>
-      <p:sp>
-        <p:nvSpPr>
-          <p:cNvPr id="125" name="PlaceHolder 5"/>
-          <p:cNvSpPr>
-            <a:spLocks noGrp="1"/>
-          </p:cNvSpPr>
-          <p:nvPr>
-            <p:ph/>
-          </p:nvPr>
-        </p:nvSpPr>
-        <p:spPr>
-          <a:xfrm>
-            <a:off x="230400" y="1857960"/>
-            <a:ext cx="1335600" cy="956880"/>
-          </a:xfrm>
-          <a:prstGeom prst="rect">
-            <a:avLst/>
-          </a:prstGeom>
-          <a:noFill/>
-          <a:ln w="0">
-            <a:noFill/>
-          </a:ln>
-        </p:spPr>
-        <p:txBody>
-          <a:bodyPr lIns="0" rIns="0" tIns="0" bIns="0" anchor="t">
-            <a:normAutofit fontScale="70000"/>
-          </a:bodyPr>
-          <a:p>
-            <a:endParaRPr b="0" lang="en-US" sz="3200" spc="-1" strike="noStrike">
-              <a:latin typeface="Arial"/>
-            </a:endParaRPr>
-          </a:p>
-        </p:txBody>
-      </p:sp>
-      <p:sp>
-        <p:nvSpPr>
-          <p:cNvPr id="126" name="PlaceHolder 6"/>
-          <p:cNvSpPr>
-            <a:spLocks noGrp="1"/>
-          </p:cNvSpPr>
-          <p:nvPr>
-            <p:ph/>
-          </p:nvPr>
-        </p:nvSpPr>
-        <p:spPr>
-          <a:xfrm>
-            <a:off x="1633320" y="1857960"/>
-            <a:ext cx="1335600" cy="956880"/>
-          </a:xfrm>
-          <a:prstGeom prst="rect">
-            <a:avLst/>
-          </a:prstGeom>
-          <a:noFill/>
-          <a:ln w="0">
-            <a:noFill/>
-          </a:ln>
-        </p:spPr>
-        <p:txBody>
-          <a:bodyPr lIns="0" rIns="0" tIns="0" bIns="0" anchor="t">
-            <a:normAutofit fontScale="70000"/>
-          </a:bodyPr>
-          <a:p>
-            <a:endParaRPr b="0" lang="en-US" sz="3200" spc="-1" strike="noStrike">
-              <a:latin typeface="Arial"/>
-            </a:endParaRPr>
-          </a:p>
-        </p:txBody>
-      </p:sp>
-      <p:sp>
-        <p:nvSpPr>
-          <p:cNvPr id="127" name="PlaceHolder 7"/>
-          <p:cNvSpPr>
-            <a:spLocks noGrp="1"/>
-          </p:cNvSpPr>
-          <p:nvPr>
-            <p:ph/>
-          </p:nvPr>
-        </p:nvSpPr>
-        <p:spPr>
-          <a:xfrm>
-            <a:off x="3035880" y="1857960"/>
-            <a:ext cx="1335600" cy="956880"/>
-          </a:xfrm>
-          <a:prstGeom prst="rect">
-            <a:avLst/>
-          </a:prstGeom>
-          <a:noFill/>
-          <a:ln w="0">
-            <a:noFill/>
-          </a:ln>
-        </p:spPr>
-        <p:txBody>
-          <a:bodyPr lIns="0" rIns="0" tIns="0" bIns="0" anchor="t">
-            <a:normAutofit fontScale="70000"/>
-          </a:bodyPr>
-          <a:p>
-            <a:endParaRPr b="0" lang="en-US" sz="3200" spc="-1" strike="noStrike">
-              <a:latin typeface="Arial"/>
-            </a:endParaRPr>
-          </a:p>
-        </p:txBody>
-      </p:sp>
-      <p:sp>
-        <p:nvSpPr>
-          <p:cNvPr id="9" name="PlaceHolder 8"/>
-          <p:cNvSpPr>
-            <a:spLocks noGrp="1"/>
-          </p:cNvSpPr>
-          <p:nvPr>
-            <p:ph type="ftr" idx="7"/>
-          </p:nvPr>
-        </p:nvSpPr>
-        <p:spPr/>
-        <p:txBody>
-          <a:bodyPr/>
-          <a:p>
-            <a:r>
-              <a:t>Footer</a:t>
-            </a:r>
-          </a:p>
-        </p:txBody>
-      </p:sp>
-      <p:sp>
-        <p:nvSpPr>
-          <p:cNvPr id="10" name="PlaceHolder 9"/>
-          <p:cNvSpPr>
-            <a:spLocks noGrp="1"/>
-          </p:cNvSpPr>
-          <p:nvPr>
-            <p:ph type="sldNum" idx="8"/>
-          </p:nvPr>
-        </p:nvSpPr>
-        <p:spPr/>
-        <p:txBody>
-          <a:bodyPr/>
-          <a:p>
-            <a:fld id="{732158F6-D52F-4F79-9F04-036B4805DD46}" type="slidenum">
-              <a:t>&lt;#&gt;</a:t>
-            </a:fld>
-          </a:p>
-        </p:txBody>
-      </p:sp>
-      <p:sp>
-        <p:nvSpPr>
-          <p:cNvPr id="11" name="PlaceHolder 10"/>
-          <p:cNvSpPr>
-            <a:spLocks noGrp="1"/>
-          </p:cNvSpPr>
-          <p:nvPr>
-            <p:ph type="dt" idx="9"/>
           </p:nvPr>
         </p:nvSpPr>
         <p:spPr/>
@@ -5845,7 +3592,7 @@
         <p:txBody>
           <a:bodyPr/>
           <a:p>
-            <a:fld id="{49E7B19E-7946-492C-BB0A-36991652191C}" type="slidenum">
+            <a:fld id="{122DDE39-BB54-43DF-A0D9-9F3DBDA9AC8A}" type="slidenum">
               <a:t>&lt;#&gt;</a:t>
             </a:fld>
           </a:p>
@@ -5965,7 +3712,7 @@
         <p:txBody>
           <a:bodyPr/>
           <a:p>
-            <a:fld id="{F8EE82B8-7252-4D8C-A93D-7D4FFFDA3102}" type="slidenum">
+            <a:fld id="{8EF11CB6-FDF3-4F9C-B5BF-B29379946D43}" type="slidenum">
               <a:t>&lt;#&gt;</a:t>
             </a:fld>
           </a:p>
@@ -6085,7 +3832,7 @@
         <p:txBody>
           <a:bodyPr/>
           <a:p>
-            <a:fld id="{37FA447C-28E4-4312-AE83-A608C0F5B84F}" type="slidenum">
+            <a:fld id="{EBB0541C-64D9-457D-B37A-241A85D35913}" type="slidenum">
               <a:t>&lt;#&gt;</a:t>
             </a:fld>
           </a:p>
@@ -6307,7 +4054,7 @@
         <p:txBody>
           <a:bodyPr/>
           <a:p>
-            <a:fld id="{326AA8F1-C1A2-4B06-BB3E-6C62E00836E6}" type="slidenum">
+            <a:fld id="{3D8B596D-D83D-4595-ABF3-9118A36469FA}" type="slidenum">
               <a:t>&lt;#&gt;</a:t>
             </a:fld>
           </a:p>
@@ -6529,7 +4276,7 @@
         <p:txBody>
           <a:bodyPr/>
           <a:p>
-            <a:fld id="{0D65FCD3-C81A-450B-A90E-6D4BE78618BF}" type="slidenum">
+            <a:fld id="{ECC13721-8BBA-4B53-92F5-508D512F81F2}" type="slidenum">
               <a:t>&lt;#&gt;</a:t>
             </a:fld>
           </a:p>
@@ -6751,7 +4498,7 @@
         <p:txBody>
           <a:bodyPr/>
           <a:p>
-            <a:fld id="{C5FC6522-2726-4D71-B234-FC4F31BA7060}" type="slidenum">
+            <a:fld id="{F14AF08C-D53D-467A-A77E-4035C372694F}" type="slidenum">
               <a:t>&lt;#&gt;</a:t>
             </a:fld>
           </a:p>
@@ -6816,7 +4563,7 @@
         <p:spPr>
           <a:xfrm>
             <a:off x="0" y="0"/>
-            <a:ext cx="2302200" cy="105840"/>
+            <a:ext cx="2301840" cy="105480"/>
           </a:xfrm>
           <a:custGeom>
             <a:avLst/>
@@ -6871,7 +4618,7 @@
         <p:spPr>
           <a:xfrm>
             <a:off x="1567440" y="3218400"/>
-            <a:ext cx="1473120" cy="171000"/>
+            <a:ext cx="1472760" cy="170640"/>
           </a:xfrm>
           <a:prstGeom prst="rect">
             <a:avLst/>
@@ -6928,7 +4675,7 @@
         <p:spPr>
           <a:xfrm>
             <a:off x="3319200" y="3218400"/>
-            <a:ext cx="1058040" cy="171000"/>
+            <a:ext cx="1057680" cy="170640"/>
           </a:xfrm>
           <a:prstGeom prst="rect">
             <a:avLst/>
@@ -6963,7 +4710,7 @@
               </a:lnSpc>
               <a:buNone/>
             </a:pPr>
-            <a:fld id="{DB08A49B-D8AF-4C0E-9307-4529DDD187D5}" type="slidenum">
+            <a:fld id="{0221D326-9033-4BBE-9BE0-8D72F622CF0F}" type="slidenum">
               <a:rPr b="0" lang="en-US" sz="1400" spc="-1" strike="noStrike">
                 <a:solidFill>
                   <a:srgbClr val="b2b2b2"/>
@@ -6991,7 +4738,7 @@
         <p:spPr>
           <a:xfrm>
             <a:off x="230400" y="3218400"/>
-            <a:ext cx="1058040" cy="171000"/>
+            <a:ext cx="1057680" cy="170640"/>
           </a:xfrm>
           <a:prstGeom prst="rect">
             <a:avLst/>
@@ -7304,7 +5051,7 @@
         <p:spPr>
           <a:xfrm>
             <a:off x="0" y="0"/>
-            <a:ext cx="2302200" cy="105840"/>
+            <a:ext cx="2301840" cy="105480"/>
           </a:xfrm>
           <a:custGeom>
             <a:avLst/>
@@ -7355,7 +5102,7 @@
         <p:spPr>
           <a:xfrm>
             <a:off x="0" y="0"/>
-            <a:ext cx="2302200" cy="105840"/>
+            <a:ext cx="2301840" cy="105480"/>
           </a:xfrm>
           <a:custGeom>
             <a:avLst/>
@@ -7406,7 +5153,7 @@
         <p:spPr>
           <a:xfrm>
             <a:off x="2304000" y="0"/>
-            <a:ext cx="2302200" cy="105840"/>
+            <a:ext cx="2301840" cy="105480"/>
           </a:xfrm>
           <a:custGeom>
             <a:avLst/>
@@ -7461,7 +5208,7 @@
         <p:spPr>
           <a:xfrm>
             <a:off x="1567440" y="3218400"/>
-            <a:ext cx="1473120" cy="171000"/>
+            <a:ext cx="1472760" cy="170640"/>
           </a:xfrm>
           <a:prstGeom prst="rect">
             <a:avLst/>
@@ -7518,7 +5265,7 @@
         <p:spPr>
           <a:xfrm>
             <a:off x="3319200" y="3218400"/>
-            <a:ext cx="1058040" cy="171000"/>
+            <a:ext cx="1057680" cy="170640"/>
           </a:xfrm>
           <a:prstGeom prst="rect">
             <a:avLst/>
@@ -7553,7 +5300,7 @@
               </a:lnSpc>
               <a:buNone/>
             </a:pPr>
-            <a:fld id="{1ADC6E5D-8A01-4EFF-8031-07951CFFEE9B}" type="slidenum">
+            <a:fld id="{8192A529-0DA2-4C71-A5FA-E5B9A59ED2CC}" type="slidenum">
               <a:rPr b="0" lang="en-US" sz="1400" spc="-1" strike="noStrike">
                 <a:solidFill>
                   <a:srgbClr val="b2b2b2"/>
@@ -7581,7 +5328,7 @@
         <p:spPr>
           <a:xfrm>
             <a:off x="230400" y="3218400"/>
-            <a:ext cx="1058040" cy="171000"/>
+            <a:ext cx="1057680" cy="170640"/>
           </a:xfrm>
           <a:prstGeom prst="rect">
             <a:avLst/>
@@ -7857,494 +5604,6 @@
     <p:sldLayoutId id="2147483671" r:id="rId11"/>
     <p:sldLayoutId id="2147483672" r:id="rId12"/>
     <p:sldLayoutId id="2147483673" r:id="rId13"/>
-  </p:sldLayoutIdLst>
-</p:sldMaster>
-</file>
-
-<file path=ppt/slideMasters/slideMaster3.xml><?xml version="1.0" encoding="utf-8"?>
-<p:sldMaster xmlns:a="http://schemas.openxmlformats.org/drawingml/2006/main" xmlns:p="http://schemas.openxmlformats.org/presentationml/2006/main" xmlns:r="http://schemas.openxmlformats.org/officeDocument/2006/relationships" xmlns:p14="http://schemas.microsoft.com/office/powerpoint/2010/main" xmlns:p15="http://schemas.microsoft.com/office/powerpoint/2012/main" xmlns:mc="http://schemas.openxmlformats.org/markup-compatibility/2006">
-  <p:cSld>
-    <p:bg>
-      <p:bgPr>
-        <a:solidFill>
-          <a:srgbClr val="ffffff"/>
-        </a:solidFill>
-      </p:bgPr>
-    </p:bg>
-    <p:spTree>
-      <p:nvGrpSpPr>
-        <p:cNvPr id="1" name=""/>
-        <p:cNvGrpSpPr/>
-        <p:nvPr/>
-      </p:nvGrpSpPr>
-      <p:grpSpPr>
-        <a:xfrm>
-          <a:off x="0" y="0"/>
-          <a:ext cx="0" cy="0"/>
-          <a:chOff x="0" y="0"/>
-          <a:chExt cx="0" cy="0"/>
-        </a:xfrm>
-      </p:grpSpPr>
-      <p:sp>
-        <p:nvSpPr>
-          <p:cNvPr id="86" name="bg object 16"/>
-          <p:cNvSpPr/>
-          <p:nvPr/>
-        </p:nvSpPr>
-        <p:spPr>
-          <a:xfrm>
-            <a:off x="0" y="0"/>
-            <a:ext cx="2302560" cy="106200"/>
-          </a:xfrm>
-          <a:custGeom>
-            <a:avLst/>
-            <a:gdLst/>
-            <a:ahLst/>
-            <a:rect l="l" t="t" r="r" b="b"/>
-            <a:pathLst>
-              <a:path w="2304415" h="107950">
-                <a:moveTo>
-                  <a:pt x="2303995" y="0"/>
-                </a:moveTo>
-                <a:lnTo>
-                  <a:pt x="0" y="0"/>
-                </a:lnTo>
-                <a:lnTo>
-                  <a:pt x="0" y="107530"/>
-                </a:lnTo>
-                <a:lnTo>
-                  <a:pt x="2303995" y="107530"/>
-                </a:lnTo>
-                <a:lnTo>
-                  <a:pt x="2303995" y="0"/>
-                </a:lnTo>
-                <a:close/>
-              </a:path>
-            </a:pathLst>
-          </a:custGeom>
-          <a:solidFill>
-            <a:srgbClr val="adade0"/>
-          </a:solidFill>
-          <a:ln w="0">
-            <a:noFill/>
-          </a:ln>
-        </p:spPr>
-        <p:style>
-          <a:lnRef idx="0"/>
-          <a:fillRef idx="0"/>
-          <a:effectRef idx="0"/>
-          <a:fontRef idx="minor"/>
-        </p:style>
-      </p:sp>
-      <p:sp>
-        <p:nvSpPr>
-          <p:cNvPr id="87" name="PlaceHolder 1"/>
-          <p:cNvSpPr>
-            <a:spLocks noGrp="1"/>
-          </p:cNvSpPr>
-          <p:nvPr>
-            <p:ph type="ftr" idx="7"/>
-          </p:nvPr>
-        </p:nvSpPr>
-        <p:spPr>
-          <a:xfrm>
-            <a:off x="1567440" y="3218400"/>
-            <a:ext cx="1473480" cy="171360"/>
-          </a:xfrm>
-          <a:prstGeom prst="rect">
-            <a:avLst/>
-          </a:prstGeom>
-          <a:noFill/>
-          <a:ln w="0">
-            <a:noFill/>
-          </a:ln>
-        </p:spPr>
-        <p:txBody>
-          <a:bodyPr lIns="0" rIns="0" tIns="0" bIns="0" anchor="t">
-            <a:noAutofit/>
-          </a:bodyPr>
-          <a:lstStyle>
-            <a:lvl1pPr algn="ctr">
-              <a:lnSpc>
-                <a:spcPct val="100000"/>
-              </a:lnSpc>
-              <a:buNone/>
-              <a:defRPr b="0" lang="en-US" sz="1400" spc="-1" strike="noStrike">
-                <a:latin typeface="Times New Roman"/>
-              </a:defRPr>
-            </a:lvl1pPr>
-          </a:lstStyle>
-          <a:p>
-            <a:pPr algn="ctr">
-              <a:lnSpc>
-                <a:spcPct val="100000"/>
-              </a:lnSpc>
-              <a:buNone/>
-            </a:pPr>
-            <a:r>
-              <a:rPr b="0" lang="en-US" sz="1400" spc="-1" strike="noStrike">
-                <a:latin typeface="Times New Roman"/>
-              </a:rPr>
-              <a:t>&lt;footer&gt;</a:t>
-            </a:r>
-            <a:endParaRPr b="0" lang="en-US" sz="1400" spc="-1" strike="noStrike">
-              <a:latin typeface="Times New Roman"/>
-            </a:endParaRPr>
-          </a:p>
-        </p:txBody>
-      </p:sp>
-      <p:sp>
-        <p:nvSpPr>
-          <p:cNvPr id="88" name="PlaceHolder 2"/>
-          <p:cNvSpPr>
-            <a:spLocks noGrp="1"/>
-          </p:cNvSpPr>
-          <p:nvPr>
-            <p:ph type="sldNum" idx="8"/>
-          </p:nvPr>
-        </p:nvSpPr>
-        <p:spPr>
-          <a:xfrm>
-            <a:off x="3319200" y="3218400"/>
-            <a:ext cx="1058400" cy="171360"/>
-          </a:xfrm>
-          <a:prstGeom prst="rect">
-            <a:avLst/>
-          </a:prstGeom>
-          <a:noFill/>
-          <a:ln w="0">
-            <a:noFill/>
-          </a:ln>
-        </p:spPr>
-        <p:txBody>
-          <a:bodyPr lIns="0" rIns="0" tIns="0" bIns="0" anchor="t">
-            <a:noAutofit/>
-          </a:bodyPr>
-          <a:lstStyle>
-            <a:lvl1pPr algn="r">
-              <a:lnSpc>
-                <a:spcPct val="100000"/>
-              </a:lnSpc>
-              <a:buNone/>
-              <a:defRPr b="0" lang="en-US" sz="1400" spc="-1" strike="noStrike">
-                <a:solidFill>
-                  <a:srgbClr val="b2b2b2"/>
-                </a:solidFill>
-                <a:latin typeface="Times New Roman"/>
-              </a:defRPr>
-            </a:lvl1pPr>
-          </a:lstStyle>
-          <a:p>
-            <a:pPr algn="r">
-              <a:lnSpc>
-                <a:spcPct val="100000"/>
-              </a:lnSpc>
-              <a:buNone/>
-            </a:pPr>
-            <a:fld id="{D910808D-AF54-4AA3-8A56-C8E905967C72}" type="slidenum">
-              <a:rPr b="0" lang="en-US" sz="1400" spc="-1" strike="noStrike">
-                <a:solidFill>
-                  <a:srgbClr val="b2b2b2"/>
-                </a:solidFill>
-                <a:latin typeface="Times New Roman"/>
-              </a:rPr>
-              <a:t>&lt;number&gt;</a:t>
-            </a:fld>
-            <a:endParaRPr b="0" lang="en-US" sz="1400" spc="-1" strike="noStrike">
-              <a:latin typeface="Times New Roman"/>
-            </a:endParaRPr>
-          </a:p>
-        </p:txBody>
-      </p:sp>
-      <p:sp>
-        <p:nvSpPr>
-          <p:cNvPr id="89" name="PlaceHolder 3"/>
-          <p:cNvSpPr>
-            <a:spLocks noGrp="1"/>
-          </p:cNvSpPr>
-          <p:nvPr>
-            <p:ph type="dt" idx="9"/>
-          </p:nvPr>
-        </p:nvSpPr>
-        <p:spPr>
-          <a:xfrm>
-            <a:off x="230400" y="3218400"/>
-            <a:ext cx="1058400" cy="171360"/>
-          </a:xfrm>
-          <a:prstGeom prst="rect">
-            <a:avLst/>
-          </a:prstGeom>
-          <a:noFill/>
-          <a:ln w="0">
-            <a:noFill/>
-          </a:ln>
-        </p:spPr>
-        <p:txBody>
-          <a:bodyPr lIns="0" rIns="0" tIns="0" bIns="0" anchor="t">
-            <a:noAutofit/>
-          </a:bodyPr>
-          <a:lstStyle>
-            <a:lvl1pPr>
-              <a:defRPr b="0" lang="en-US" sz="1400" spc="-1" strike="noStrike">
-                <a:latin typeface="Times New Roman"/>
-              </a:defRPr>
-            </a:lvl1pPr>
-          </a:lstStyle>
-          <a:p>
-            <a:r>
-              <a:rPr b="0" lang="en-US" sz="1400" spc="-1" strike="noStrike">
-                <a:latin typeface="Times New Roman"/>
-              </a:rPr>
-              <a:t>&lt;date/time&gt;</a:t>
-            </a:r>
-            <a:endParaRPr b="0" lang="en-US" sz="1400" spc="-1" strike="noStrike">
-              <a:latin typeface="Times New Roman"/>
-            </a:endParaRPr>
-          </a:p>
-        </p:txBody>
-      </p:sp>
-      <p:sp>
-        <p:nvSpPr>
-          <p:cNvPr id="90" name="PlaceHolder 4"/>
-          <p:cNvSpPr>
-            <a:spLocks noGrp="1"/>
-          </p:cNvSpPr>
-          <p:nvPr>
-            <p:ph type="title"/>
-          </p:nvPr>
-        </p:nvSpPr>
-        <p:spPr>
-          <a:xfrm>
-            <a:off x="230400" y="137880"/>
-            <a:ext cx="4148640" cy="577440"/>
-          </a:xfrm>
-          <a:prstGeom prst="rect">
-            <a:avLst/>
-          </a:prstGeom>
-          <a:noFill/>
-          <a:ln w="0">
-            <a:noFill/>
-          </a:ln>
-        </p:spPr>
-        <p:txBody>
-          <a:bodyPr lIns="0" rIns="0" tIns="0" bIns="0" anchor="ctr">
-            <a:noAutofit/>
-          </a:bodyPr>
-          <a:p>
-            <a:pPr algn="ctr">
-              <a:buNone/>
-            </a:pPr>
-            <a:r>
-              <a:rPr b="0" lang="en-US" sz="4400" spc="-1" strike="noStrike">
-                <a:latin typeface="Arial"/>
-              </a:rPr>
-              <a:t>Click to edit the title text format</a:t>
-            </a:r>
-            <a:endParaRPr b="0" lang="en-US" sz="4400" spc="-1" strike="noStrike">
-              <a:latin typeface="Arial"/>
-            </a:endParaRPr>
-          </a:p>
-        </p:txBody>
-      </p:sp>
-      <p:sp>
-        <p:nvSpPr>
-          <p:cNvPr id="91" name="PlaceHolder 5"/>
-          <p:cNvSpPr>
-            <a:spLocks noGrp="1"/>
-          </p:cNvSpPr>
-          <p:nvPr>
-            <p:ph type="body"/>
-          </p:nvPr>
-        </p:nvSpPr>
-        <p:spPr>
-          <a:xfrm>
-            <a:off x="230400" y="809640"/>
-            <a:ext cx="4148640" cy="2006640"/>
-          </a:xfrm>
-          <a:prstGeom prst="rect">
-            <a:avLst/>
-          </a:prstGeom>
-          <a:noFill/>
-          <a:ln w="0">
-            <a:noFill/>
-          </a:ln>
-        </p:spPr>
-        <p:txBody>
-          <a:bodyPr lIns="0" rIns="0" tIns="0" bIns="0" anchor="t">
-            <a:normAutofit fontScale="63000"/>
-          </a:bodyPr>
-          <a:p>
-            <a:pPr marL="432000" indent="-324000">
-              <a:spcBef>
-                <a:spcPts val="1417"/>
-              </a:spcBef>
-              <a:buClr>
-                <a:srgbClr val="000000"/>
-              </a:buClr>
-              <a:buSzPct val="45000"/>
-              <a:buFont typeface="Wingdings" charset="2"/>
-              <a:buChar char=""/>
-            </a:pPr>
-            <a:r>
-              <a:rPr b="0" lang="en-US" sz="3200" spc="-1" strike="noStrike">
-                <a:latin typeface="Arial"/>
-              </a:rPr>
-              <a:t>Click to edit the outline text format</a:t>
-            </a:r>
-            <a:endParaRPr b="0" lang="en-US" sz="3200" spc="-1" strike="noStrike">
-              <a:latin typeface="Arial"/>
-            </a:endParaRPr>
-          </a:p>
-          <a:p>
-            <a:pPr lvl="1" marL="864000" indent="-324000">
-              <a:spcBef>
-                <a:spcPts val="1134"/>
-              </a:spcBef>
-              <a:buClr>
-                <a:srgbClr val="000000"/>
-              </a:buClr>
-              <a:buSzPct val="75000"/>
-              <a:buFont typeface="Symbol" charset="2"/>
-              <a:buChar char=""/>
-            </a:pPr>
-            <a:r>
-              <a:rPr b="0" lang="en-US" sz="2800" spc="-1" strike="noStrike">
-                <a:latin typeface="Arial"/>
-              </a:rPr>
-              <a:t>Second Outline Level</a:t>
-            </a:r>
-            <a:endParaRPr b="0" lang="en-US" sz="2800" spc="-1" strike="noStrike">
-              <a:latin typeface="Arial"/>
-            </a:endParaRPr>
-          </a:p>
-          <a:p>
-            <a:pPr lvl="2" marL="1296000" indent="-288000">
-              <a:spcBef>
-                <a:spcPts val="850"/>
-              </a:spcBef>
-              <a:buClr>
-                <a:srgbClr val="000000"/>
-              </a:buClr>
-              <a:buSzPct val="45000"/>
-              <a:buFont typeface="Wingdings" charset="2"/>
-              <a:buChar char=""/>
-            </a:pPr>
-            <a:r>
-              <a:rPr b="0" lang="en-US" sz="2400" spc="-1" strike="noStrike">
-                <a:latin typeface="Arial"/>
-              </a:rPr>
-              <a:t>Third Outline Level</a:t>
-            </a:r>
-            <a:endParaRPr b="0" lang="en-US" sz="2400" spc="-1" strike="noStrike">
-              <a:latin typeface="Arial"/>
-            </a:endParaRPr>
-          </a:p>
-          <a:p>
-            <a:pPr lvl="3" marL="1728000" indent="-216000">
-              <a:spcBef>
-                <a:spcPts val="567"/>
-              </a:spcBef>
-              <a:buClr>
-                <a:srgbClr val="000000"/>
-              </a:buClr>
-              <a:buSzPct val="75000"/>
-              <a:buFont typeface="Symbol" charset="2"/>
-              <a:buChar char=""/>
-            </a:pPr>
-            <a:r>
-              <a:rPr b="0" lang="en-US" sz="2000" spc="-1" strike="noStrike">
-                <a:latin typeface="Arial"/>
-              </a:rPr>
-              <a:t>Fourth Outline Level</a:t>
-            </a:r>
-            <a:endParaRPr b="0" lang="en-US" sz="2000" spc="-1" strike="noStrike">
-              <a:latin typeface="Arial"/>
-            </a:endParaRPr>
-          </a:p>
-          <a:p>
-            <a:pPr lvl="4" marL="2160000" indent="-216000">
-              <a:spcBef>
-                <a:spcPts val="283"/>
-              </a:spcBef>
-              <a:buClr>
-                <a:srgbClr val="000000"/>
-              </a:buClr>
-              <a:buSzPct val="45000"/>
-              <a:buFont typeface="Wingdings" charset="2"/>
-              <a:buChar char=""/>
-            </a:pPr>
-            <a:r>
-              <a:rPr b="0" lang="en-US" sz="2000" spc="-1" strike="noStrike">
-                <a:latin typeface="Arial"/>
-              </a:rPr>
-              <a:t>Fifth Outline Level</a:t>
-            </a:r>
-            <a:endParaRPr b="0" lang="en-US" sz="2000" spc="-1" strike="noStrike">
-              <a:latin typeface="Arial"/>
-            </a:endParaRPr>
-          </a:p>
-          <a:p>
-            <a:pPr lvl="5" marL="2592000" indent="-216000">
-              <a:spcBef>
-                <a:spcPts val="283"/>
-              </a:spcBef>
-              <a:buClr>
-                <a:srgbClr val="000000"/>
-              </a:buClr>
-              <a:buSzPct val="45000"/>
-              <a:buFont typeface="Wingdings" charset="2"/>
-              <a:buChar char=""/>
-            </a:pPr>
-            <a:r>
-              <a:rPr b="0" lang="en-US" sz="2000" spc="-1" strike="noStrike">
-                <a:latin typeface="Arial"/>
-              </a:rPr>
-              <a:t>Sixth Outline Level</a:t>
-            </a:r>
-            <a:endParaRPr b="0" lang="en-US" sz="2000" spc="-1" strike="noStrike">
-              <a:latin typeface="Arial"/>
-            </a:endParaRPr>
-          </a:p>
-          <a:p>
-            <a:pPr lvl="6" marL="3024000" indent="-216000">
-              <a:spcBef>
-                <a:spcPts val="283"/>
-              </a:spcBef>
-              <a:buClr>
-                <a:srgbClr val="000000"/>
-              </a:buClr>
-              <a:buSzPct val="45000"/>
-              <a:buFont typeface="Wingdings" charset="2"/>
-              <a:buChar char=""/>
-            </a:pPr>
-            <a:r>
-              <a:rPr b="0" lang="en-US" sz="2000" spc="-1" strike="noStrike">
-                <a:latin typeface="Arial"/>
-              </a:rPr>
-              <a:t>Seventh Outline Level</a:t>
-            </a:r>
-            <a:endParaRPr b="0" lang="en-US" sz="2000" spc="-1" strike="noStrike">
-              <a:latin typeface="Arial"/>
-            </a:endParaRPr>
-          </a:p>
-        </p:txBody>
-      </p:sp>
-    </p:spTree>
-  </p:cSld>
-  <p:clrMap bg1="lt1" bg2="lt2" tx1="dk1" tx2="dk2" accent1="accent1" accent2="accent2" accent3="accent3" accent4="accent4" accent5="accent5" accent6="accent6" hlink="hlink" folHlink="folHlink"/>
-  <p:sldLayoutIdLst>
-    <p:sldLayoutId id="2147483675" r:id="rId2"/>
-    <p:sldLayoutId id="2147483676" r:id="rId3"/>
-    <p:sldLayoutId id="2147483677" r:id="rId4"/>
-    <p:sldLayoutId id="2147483678" r:id="rId5"/>
-    <p:sldLayoutId id="2147483679" r:id="rId6"/>
-    <p:sldLayoutId id="2147483680" r:id="rId7"/>
-    <p:sldLayoutId id="2147483681" r:id="rId8"/>
-    <p:sldLayoutId id="2147483682" r:id="rId9"/>
-    <p:sldLayoutId id="2147483683" r:id="rId10"/>
-    <p:sldLayoutId id="2147483684" r:id="rId11"/>
-    <p:sldLayoutId id="2147483685" r:id="rId12"/>
-    <p:sldLayoutId id="2147483686" r:id="rId13"/>
   </p:sldLayoutIdLst>
 </p:sldMaster>
 </file>
@@ -8368,14 +5627,14 @@
       </p:grpSpPr>
       <p:sp>
         <p:nvSpPr>
-          <p:cNvPr id="128" name="object 2"/>
+          <p:cNvPr id="86" name="object 2"/>
           <p:cNvSpPr/>
           <p:nvPr/>
         </p:nvSpPr>
         <p:spPr>
           <a:xfrm>
             <a:off x="1412280" y="626760"/>
-            <a:ext cx="1781640" cy="568440"/>
+            <a:ext cx="1781280" cy="568440"/>
           </a:xfrm>
           <a:prstGeom prst="rect">
             <a:avLst/>
@@ -8416,7 +5675,7 @@
               <a:t>Distributed</a:t>
             </a:r>
             <a:r>
-              <a:rPr b="1" lang="en-US" sz="1400" spc="103" strike="noStrike">
+              <a:rPr b="1" lang="en-US" sz="1400" spc="100" strike="noStrike">
                 <a:solidFill>
                   <a:srgbClr val="3333b2"/>
                 </a:solidFill>
@@ -8527,14 +5786,14 @@
       </p:sp>
       <p:sp>
         <p:nvSpPr>
-          <p:cNvPr id="129" name="object 3"/>
+          <p:cNvPr id="87" name="object 3"/>
           <p:cNvSpPr/>
           <p:nvPr/>
         </p:nvSpPr>
         <p:spPr>
           <a:xfrm>
             <a:off x="1307880" y="2409480"/>
-            <a:ext cx="1990440" cy="230040"/>
+            <a:ext cx="1990080" cy="230040"/>
           </a:xfrm>
           <a:prstGeom prst="rect">
             <a:avLst/>
@@ -8575,7 +5834,7 @@
               <a:t>Chapter</a:t>
             </a:r>
             <a:r>
-              <a:rPr b="0" lang="en-US" sz="1400" spc="49" strike="noStrike">
+              <a:rPr b="0" lang="en-US" sz="1400" spc="46" strike="noStrike">
                 <a:solidFill>
                   <a:srgbClr val="000000"/>
                 </a:solidFill>
@@ -8595,7 +5854,7 @@
               <a:t>02:</a:t>
             </a:r>
             <a:r>
-              <a:rPr b="0" lang="en-US" sz="1400" spc="160" strike="noStrike">
+              <a:rPr b="0" lang="en-US" sz="1400" spc="157" strike="noStrike">
                 <a:solidFill>
                   <a:srgbClr val="000000"/>
                 </a:solidFill>
@@ -8622,14 +5881,14 @@
       </p:sp>
       <p:sp>
         <p:nvSpPr>
-          <p:cNvPr id="130" name=""/>
+          <p:cNvPr id="88" name=""/>
           <p:cNvSpPr/>
           <p:nvPr/>
         </p:nvSpPr>
         <p:spPr>
           <a:xfrm>
             <a:off x="1222920" y="1287720"/>
-            <a:ext cx="2347200" cy="345600"/>
+            <a:ext cx="2346840" cy="345240"/>
           </a:xfrm>
           <a:prstGeom prst="rect">
             <a:avLst/>
@@ -8704,14 +5963,14 @@
       </p:grpSpPr>
       <p:sp>
         <p:nvSpPr>
-          <p:cNvPr id="131" name="object 2"/>
+          <p:cNvPr id="89" name="object 10"/>
           <p:cNvSpPr/>
           <p:nvPr/>
         </p:nvSpPr>
         <p:spPr>
           <a:xfrm>
             <a:off x="53640" y="-1440"/>
-            <a:ext cx="4499280" cy="87840"/>
+            <a:ext cx="4498920" cy="87840"/>
           </a:xfrm>
           <a:prstGeom prst="rect">
             <a:avLst/>
@@ -8864,7 +6123,7 @@
       </p:sp>
       <p:sp>
         <p:nvSpPr>
-          <p:cNvPr id="132" name="PlaceHolder 1"/>
+          <p:cNvPr id="90" name="PlaceHolder 1"/>
           <p:cNvSpPr>
             <a:spLocks noGrp="1"/>
           </p:cNvSpPr>
@@ -8875,7 +6134,7 @@
         <p:spPr>
           <a:xfrm>
             <a:off x="95400" y="197640"/>
-            <a:ext cx="2449080" cy="588240"/>
+            <a:ext cx="2448720" cy="587880"/>
           </a:xfrm>
           <a:prstGeom prst="rect">
             <a:avLst/>
@@ -8916,28 +6175,28 @@
       </p:sp>
       <p:grpSp>
         <p:nvGrpSpPr>
-          <p:cNvPr id="133" name="object 5"/>
+          <p:cNvPr id="91" name="object 11"/>
           <p:cNvGrpSpPr/>
           <p:nvPr/>
         </p:nvGrpSpPr>
         <p:grpSpPr>
           <a:xfrm>
             <a:off x="0" y="3348360"/>
-            <a:ext cx="4606200" cy="105840"/>
+            <a:ext cx="4605840" cy="105480"/>
             <a:chOff x="0" y="3348360"/>
-            <a:chExt cx="4606200" cy="105840"/>
+            <a:chExt cx="4605840" cy="105480"/>
           </a:xfrm>
         </p:grpSpPr>
         <p:sp>
           <p:nvSpPr>
-            <p:cNvPr id="134" name="object 6"/>
+            <p:cNvPr id="92" name="object 12"/>
             <p:cNvSpPr/>
             <p:nvPr/>
           </p:nvSpPr>
           <p:spPr>
             <a:xfrm>
               <a:off x="0" y="3348360"/>
-              <a:ext cx="2302200" cy="105840"/>
+              <a:ext cx="2301840" cy="105480"/>
             </a:xfrm>
             <a:custGeom>
               <a:avLst/>
@@ -8981,14 +6240,14 @@
         </p:sp>
         <p:sp>
           <p:nvSpPr>
-            <p:cNvPr id="135" name="object 7"/>
+            <p:cNvPr id="93" name="object 13"/>
             <p:cNvSpPr/>
             <p:nvPr/>
           </p:nvSpPr>
           <p:spPr>
             <a:xfrm>
               <a:off x="2304000" y="3348360"/>
-              <a:ext cx="2302200" cy="105840"/>
+              <a:ext cx="2301840" cy="105480"/>
             </a:xfrm>
             <a:custGeom>
               <a:avLst/>
@@ -9033,14 +6292,14 @@
       </p:grpSp>
       <p:sp>
         <p:nvSpPr>
-          <p:cNvPr id="136" name="object 8"/>
+          <p:cNvPr id="94" name="object 14"/>
           <p:cNvSpPr/>
           <p:nvPr/>
         </p:nvSpPr>
         <p:spPr>
           <a:xfrm>
             <a:off x="53640" y="3349800"/>
-            <a:ext cx="1169280" cy="84960"/>
+            <a:ext cx="1168920" cy="84960"/>
           </a:xfrm>
           <a:prstGeom prst="rect">
             <a:avLst/>
@@ -9122,7 +6381,7 @@
       </p:sp>
       <p:pic>
         <p:nvPicPr>
-          <p:cNvPr id="137" name="" descr=""/>
+          <p:cNvPr id="95" name="" descr=""/>
           <p:cNvPicPr/>
           <p:nvPr/>
         </p:nvPicPr>
@@ -9133,7 +6392,7 @@
         <p:spPr>
           <a:xfrm>
             <a:off x="299520" y="671760"/>
-            <a:ext cx="3791880" cy="2120040"/>
+            <a:ext cx="3791520" cy="2119680"/>
           </a:xfrm>
           <a:prstGeom prst="rect">
             <a:avLst/>
@@ -9143,6 +6402,2313 @@
           </a:ln>
         </p:spPr>
       </p:pic>
+    </p:spTree>
+  </p:cSld>
+  <p:transition>
+    <p:fade/>
+  </p:transition>
+</p:sld>
+</file>
+
+<file path=ppt/slides/slide3.xml><?xml version="1.0" encoding="utf-8"?>
+<p:sld xmlns:a="http://schemas.openxmlformats.org/drawingml/2006/main" xmlns:p="http://schemas.openxmlformats.org/presentationml/2006/main" xmlns:r="http://schemas.openxmlformats.org/officeDocument/2006/relationships" xmlns:p14="http://schemas.microsoft.com/office/powerpoint/2010/main" xmlns:p15="http://schemas.microsoft.com/office/powerpoint/2012/main" xmlns:mc="http://schemas.openxmlformats.org/markup-compatibility/2006">
+  <p:cSld>
+    <p:spTree>
+      <p:nvGrpSpPr>
+        <p:cNvPr id="1" name=""/>
+        <p:cNvGrpSpPr/>
+        <p:nvPr/>
+      </p:nvGrpSpPr>
+      <p:grpSpPr>
+        <a:xfrm>
+          <a:off x="0" y="0"/>
+          <a:ext cx="0" cy="0"/>
+          <a:chOff x="0" y="0"/>
+          <a:chExt cx="0" cy="0"/>
+        </a:xfrm>
+      </p:grpSpPr>
+      <p:sp>
+        <p:nvSpPr>
+          <p:cNvPr id="96" name="object 9"/>
+          <p:cNvSpPr/>
+          <p:nvPr/>
+        </p:nvSpPr>
+        <p:spPr>
+          <a:xfrm>
+            <a:off x="53640" y="-1440"/>
+            <a:ext cx="4498920" cy="87840"/>
+          </a:xfrm>
+          <a:prstGeom prst="rect">
+            <a:avLst/>
+          </a:prstGeom>
+          <a:noFill/>
+          <a:ln w="0">
+            <a:noFill/>
+          </a:ln>
+        </p:spPr>
+        <p:style>
+          <a:lnRef idx="0"/>
+          <a:fillRef idx="0"/>
+          <a:effectRef idx="0"/>
+          <a:fontRef idx="minor"/>
+        </p:style>
+        <p:txBody>
+          <a:bodyPr lIns="0" rIns="0" tIns="12240" bIns="0" anchor="t">
+            <a:spAutoFit/>
+          </a:bodyPr>
+          <a:p>
+            <a:pPr marL="12600">
+              <a:lnSpc>
+                <a:spcPct val="100000"/>
+              </a:lnSpc>
+              <a:spcBef>
+                <a:spcPts val="96"/>
+              </a:spcBef>
+              <a:buNone/>
+              <a:tabLst>
+                <a:tab algn="l" pos="3156120"/>
+              </a:tabLst>
+            </a:pPr>
+            <a:r>
+              <a:rPr b="0" lang="en-US" sz="500" spc="-12" strike="noStrike" u="sng">
+                <a:solidFill>
+                  <a:srgbClr val="0000ff"/>
+                </a:solidFill>
+                <a:uFillTx/>
+                <a:latin typeface="Arial"/>
+                <a:ea typeface="DejaVu Sans"/>
+              </a:rPr>
+              <a:t>Introduction</a:t>
+            </a:r>
+            <a:r>
+              <a:rPr b="0" lang="en-US" sz="500" spc="-1" strike="noStrike">
+                <a:solidFill>
+                  <a:srgbClr val="000000"/>
+                </a:solidFill>
+                <a:latin typeface="Arial"/>
+                <a:ea typeface="DejaVu Sans"/>
+              </a:rPr>
+              <a:t>	</a:t>
+            </a:r>
+            <a:r>
+              <a:rPr b="0" lang="en-US" sz="500" spc="-12" strike="noStrike">
+                <a:solidFill>
+                  <a:srgbClr val="000000"/>
+                </a:solidFill>
+                <a:latin typeface="Arial"/>
+                <a:ea typeface="DejaVu Sans"/>
+              </a:rPr>
+              <a:t>From</a:t>
+            </a:r>
+            <a:r>
+              <a:rPr b="0" lang="en-US" sz="500" spc="-7" strike="noStrike">
+                <a:solidFill>
+                  <a:srgbClr val="000000"/>
+                </a:solidFill>
+                <a:latin typeface="Arial"/>
+                <a:ea typeface="DejaVu Sans"/>
+              </a:rPr>
+              <a:t> </a:t>
+            </a:r>
+            <a:r>
+              <a:rPr b="0" lang="en-US" sz="500" spc="-12" strike="noStrike">
+                <a:solidFill>
+                  <a:srgbClr val="000000"/>
+                </a:solidFill>
+                <a:latin typeface="Arial"/>
+                <a:ea typeface="DejaVu Sans"/>
+              </a:rPr>
+              <a:t>networked</a:t>
+            </a:r>
+            <a:r>
+              <a:rPr b="0" lang="en-US" sz="500" spc="-7" strike="noStrike">
+                <a:solidFill>
+                  <a:srgbClr val="000000"/>
+                </a:solidFill>
+                <a:latin typeface="Arial"/>
+                <a:ea typeface="DejaVu Sans"/>
+              </a:rPr>
+              <a:t> </a:t>
+            </a:r>
+            <a:r>
+              <a:rPr b="0" lang="en-US" sz="500" spc="-1" strike="noStrike">
+                <a:solidFill>
+                  <a:srgbClr val="000000"/>
+                </a:solidFill>
+                <a:latin typeface="Arial"/>
+                <a:ea typeface="DejaVu Sans"/>
+              </a:rPr>
+              <a:t>systems to</a:t>
+            </a:r>
+            <a:r>
+              <a:rPr b="0" lang="en-US" sz="500" spc="-7" strike="noStrike">
+                <a:solidFill>
+                  <a:srgbClr val="000000"/>
+                </a:solidFill>
+                <a:latin typeface="Arial"/>
+                <a:ea typeface="DejaVu Sans"/>
+              </a:rPr>
+              <a:t> </a:t>
+            </a:r>
+            <a:r>
+              <a:rPr b="0" lang="en-US" sz="500" spc="-1" strike="noStrike">
+                <a:solidFill>
+                  <a:srgbClr val="000000"/>
+                </a:solidFill>
+                <a:latin typeface="Arial"/>
+                <a:ea typeface="DejaVu Sans"/>
+              </a:rPr>
+              <a:t>distributed</a:t>
+            </a:r>
+            <a:r>
+              <a:rPr b="0" lang="en-US" sz="500" spc="-7" strike="noStrike">
+                <a:solidFill>
+                  <a:srgbClr val="000000"/>
+                </a:solidFill>
+                <a:latin typeface="Arial"/>
+                <a:ea typeface="DejaVu Sans"/>
+              </a:rPr>
+              <a:t> </a:t>
+            </a:r>
+            <a:r>
+              <a:rPr b="0" lang="en-US" sz="500" spc="-12" strike="noStrike" u="sng">
+                <a:solidFill>
+                  <a:srgbClr val="0000ff"/>
+                </a:solidFill>
+                <a:uFillTx/>
+                <a:latin typeface="Arial"/>
+                <a:ea typeface="DejaVu Sans"/>
+              </a:rPr>
+              <a:t>systems</a:t>
+            </a:r>
+            <a:endParaRPr b="0" lang="en-US" sz="500" spc="-1" strike="noStrike">
+              <a:latin typeface="Arial"/>
+            </a:endParaRPr>
+          </a:p>
+        </p:txBody>
+      </p:sp>
+      <p:sp>
+        <p:nvSpPr>
+          <p:cNvPr id="97" name="PlaceHolder 1"/>
+          <p:cNvSpPr>
+            <a:spLocks noGrp="1"/>
+          </p:cNvSpPr>
+          <p:nvPr>
+            <p:ph type="title"/>
+          </p:nvPr>
+        </p:nvSpPr>
+        <p:spPr>
+          <a:xfrm>
+            <a:off x="95400" y="197640"/>
+            <a:ext cx="3790800" cy="587880"/>
+          </a:xfrm>
+          <a:prstGeom prst="rect">
+            <a:avLst/>
+          </a:prstGeom>
+          <a:noFill/>
+          <a:ln w="0">
+            <a:noFill/>
+          </a:ln>
+        </p:spPr>
+        <p:txBody>
+          <a:bodyPr lIns="0" rIns="0" tIns="12240" bIns="0" anchor="t">
+            <a:noAutofit/>
+          </a:bodyPr>
+          <a:p>
+            <a:pPr marL="12600">
+              <a:lnSpc>
+                <a:spcPct val="100000"/>
+              </a:lnSpc>
+              <a:spcBef>
+                <a:spcPts val="96"/>
+              </a:spcBef>
+              <a:buNone/>
+            </a:pPr>
+            <a:r>
+              <a:rPr b="0" lang="en-US" sz="1200" spc="-1" strike="noStrike">
+                <a:solidFill>
+                  <a:srgbClr val="3333b2"/>
+                </a:solidFill>
+                <a:latin typeface="Arial"/>
+              </a:rPr>
+              <a:t>Simple Client-Server Architecture (No connection)</a:t>
+            </a:r>
+            <a:endParaRPr b="0" lang="en-US" sz="1200" spc="-1" strike="noStrike">
+              <a:latin typeface="Arial"/>
+            </a:endParaRPr>
+          </a:p>
+        </p:txBody>
+      </p:sp>
+      <p:grpSp>
+        <p:nvGrpSpPr>
+          <p:cNvPr id="98" name="object 15"/>
+          <p:cNvGrpSpPr/>
+          <p:nvPr/>
+        </p:nvGrpSpPr>
+        <p:grpSpPr>
+          <a:xfrm>
+            <a:off x="0" y="3348360"/>
+            <a:ext cx="4605840" cy="105480"/>
+            <a:chOff x="0" y="3348360"/>
+            <a:chExt cx="4605840" cy="105480"/>
+          </a:xfrm>
+        </p:grpSpPr>
+        <p:sp>
+          <p:nvSpPr>
+            <p:cNvPr id="99" name="object 16"/>
+            <p:cNvSpPr/>
+            <p:nvPr/>
+          </p:nvSpPr>
+          <p:spPr>
+            <a:xfrm>
+              <a:off x="0" y="3348360"/>
+              <a:ext cx="2301840" cy="105480"/>
+            </a:xfrm>
+            <a:custGeom>
+              <a:avLst/>
+              <a:gdLst/>
+              <a:ahLst/>
+              <a:rect l="l" t="t" r="r" b="b"/>
+              <a:pathLst>
+                <a:path w="2304415" h="107950">
+                  <a:moveTo>
+                    <a:pt x="2303995" y="0"/>
+                  </a:moveTo>
+                  <a:lnTo>
+                    <a:pt x="0" y="0"/>
+                  </a:lnTo>
+                  <a:lnTo>
+                    <a:pt x="0" y="107530"/>
+                  </a:lnTo>
+                  <a:lnTo>
+                    <a:pt x="2303995" y="107530"/>
+                  </a:lnTo>
+                  <a:lnTo>
+                    <a:pt x="2303995" y="0"/>
+                  </a:lnTo>
+                  <a:close/>
+                </a:path>
+              </a:pathLst>
+            </a:custGeom>
+            <a:solidFill>
+              <a:srgbClr val="adade0"/>
+            </a:solidFill>
+            <a:ln w="0">
+              <a:noFill/>
+            </a:ln>
+          </p:spPr>
+          <p:style>
+            <a:lnRef idx="0"/>
+            <a:fillRef idx="0"/>
+            <a:effectRef idx="0"/>
+            <a:fontRef idx="minor"/>
+          </p:style>
+        </p:sp>
+        <p:sp>
+          <p:nvSpPr>
+            <p:cNvPr id="100" name="object 17"/>
+            <p:cNvSpPr/>
+            <p:nvPr/>
+          </p:nvSpPr>
+          <p:spPr>
+            <a:xfrm>
+              <a:off x="2304000" y="3348360"/>
+              <a:ext cx="2301840" cy="105480"/>
+            </a:xfrm>
+            <a:custGeom>
+              <a:avLst/>
+              <a:gdLst/>
+              <a:ahLst/>
+              <a:rect l="l" t="t" r="r" b="b"/>
+              <a:pathLst>
+                <a:path w="2304415" h="107950">
+                  <a:moveTo>
+                    <a:pt x="2303995" y="0"/>
+                  </a:moveTo>
+                  <a:lnTo>
+                    <a:pt x="0" y="0"/>
+                  </a:lnTo>
+                  <a:lnTo>
+                    <a:pt x="0" y="107530"/>
+                  </a:lnTo>
+                  <a:lnTo>
+                    <a:pt x="2303995" y="107530"/>
+                  </a:lnTo>
+                  <a:lnTo>
+                    <a:pt x="2303995" y="0"/>
+                  </a:lnTo>
+                  <a:close/>
+                </a:path>
+              </a:pathLst>
+            </a:custGeom>
+            <a:solidFill>
+              <a:srgbClr val="8484d1"/>
+            </a:solidFill>
+            <a:ln w="0">
+              <a:noFill/>
+            </a:ln>
+          </p:spPr>
+          <p:style>
+            <a:lnRef idx="0"/>
+            <a:fillRef idx="0"/>
+            <a:effectRef idx="0"/>
+            <a:fontRef idx="minor"/>
+          </p:style>
+        </p:sp>
+      </p:grpSp>
+      <p:sp>
+        <p:nvSpPr>
+          <p:cNvPr id="101" name="object 18"/>
+          <p:cNvSpPr/>
+          <p:nvPr/>
+        </p:nvSpPr>
+        <p:spPr>
+          <a:xfrm>
+            <a:off x="53640" y="3349800"/>
+            <a:ext cx="1168920" cy="84960"/>
+          </a:xfrm>
+          <a:prstGeom prst="rect">
+            <a:avLst/>
+          </a:prstGeom>
+          <a:noFill/>
+          <a:ln w="0">
+            <a:noFill/>
+          </a:ln>
+        </p:spPr>
+        <p:style>
+          <a:lnRef idx="0"/>
+          <a:fillRef idx="0"/>
+          <a:effectRef idx="0"/>
+          <a:fontRef idx="minor"/>
+        </p:style>
+        <p:txBody>
+          <a:bodyPr lIns="0" rIns="0" tIns="9360" bIns="0" anchor="t">
+            <a:spAutoFit/>
+          </a:bodyPr>
+          <a:p>
+            <a:pPr marL="12600">
+              <a:lnSpc>
+                <a:spcPct val="100000"/>
+              </a:lnSpc>
+              <a:spcBef>
+                <a:spcPts val="74"/>
+              </a:spcBef>
+              <a:buNone/>
+            </a:pPr>
+            <a:r>
+              <a:rPr b="0" lang="en-US" sz="500" spc="-1" strike="noStrike" u="sng">
+                <a:solidFill>
+                  <a:srgbClr val="0000ff"/>
+                </a:solidFill>
+                <a:uFillTx/>
+                <a:latin typeface="Arial"/>
+                <a:ea typeface="DejaVu Sans"/>
+              </a:rPr>
+              <a:t>Distributed versus </a:t>
+            </a:r>
+            <a:r>
+              <a:rPr b="0" lang="en-US" sz="500" spc="-12" strike="noStrike" u="sng">
+                <a:solidFill>
+                  <a:srgbClr val="0000ff"/>
+                </a:solidFill>
+                <a:uFillTx/>
+                <a:latin typeface="Arial"/>
+                <a:ea typeface="DejaVu Sans"/>
+              </a:rPr>
+              <a:t>decentralized</a:t>
+            </a:r>
+            <a:r>
+              <a:rPr b="0" lang="en-US" sz="500" spc="-1" strike="noStrike" u="sng">
+                <a:solidFill>
+                  <a:srgbClr val="0000ff"/>
+                </a:solidFill>
+                <a:uFillTx/>
+                <a:latin typeface="Arial"/>
+                <a:ea typeface="DejaVu Sans"/>
+              </a:rPr>
+              <a:t> </a:t>
+            </a:r>
+            <a:r>
+              <a:rPr b="0" lang="en-US" sz="500" spc="-12" strike="noStrike" u="sng">
+                <a:solidFill>
+                  <a:srgbClr val="0000ff"/>
+                </a:solidFill>
+                <a:uFillTx/>
+                <a:latin typeface="Arial"/>
+                <a:ea typeface="DejaVu Sans"/>
+              </a:rPr>
+              <a:t>systems</a:t>
+            </a:r>
+            <a:endParaRPr b="0" lang="en-US" sz="500" spc="-1" strike="noStrike">
+              <a:latin typeface="Arial"/>
+            </a:endParaRPr>
+          </a:p>
+        </p:txBody>
+      </p:sp>
+      <p:pic>
+        <p:nvPicPr>
+          <p:cNvPr id="102" name="" descr=""/>
+          <p:cNvPicPr/>
+          <p:nvPr/>
+        </p:nvPicPr>
+        <p:blipFill>
+          <a:blip r:embed="rId1"/>
+          <a:stretch/>
+        </p:blipFill>
+        <p:spPr>
+          <a:xfrm>
+            <a:off x="3600" y="564120"/>
+            <a:ext cx="4609800" cy="1182240"/>
+          </a:xfrm>
+          <a:prstGeom prst="rect">
+            <a:avLst/>
+          </a:prstGeom>
+          <a:ln w="0">
+            <a:noFill/>
+          </a:ln>
+        </p:spPr>
+      </p:pic>
+      <p:sp>
+        <p:nvSpPr>
+          <p:cNvPr id="103" name=""/>
+          <p:cNvSpPr txBox="1"/>
+          <p:nvPr/>
+        </p:nvSpPr>
+        <p:spPr>
+          <a:xfrm>
+            <a:off x="129960" y="1812240"/>
+            <a:ext cx="3707640" cy="1422360"/>
+          </a:xfrm>
+          <a:prstGeom prst="rect">
+            <a:avLst/>
+          </a:prstGeom>
+          <a:noFill/>
+          <a:ln w="0">
+            <a:noFill/>
+          </a:ln>
+        </p:spPr>
+        <p:txBody>
+          <a:bodyPr lIns="90000" rIns="90000" tIns="45000" bIns="45000" anchor="t">
+            <a:noAutofit/>
+          </a:bodyPr>
+          <a:p>
+            <a:r>
+              <a:rPr b="0" lang="en-US" sz="1000" spc="-1" strike="noStrike">
+                <a:latin typeface="URWPalladioL-Roma"/>
+              </a:rPr>
+              <a:t>1) Client packages message for server, </a:t>
+            </a:r>
+            <a:endParaRPr b="0" lang="en-US" sz="1000" spc="-1" strike="noStrike">
+              <a:latin typeface="URWPalladioL-Roma"/>
+              <a:ea typeface="URWPalladioL-Roma"/>
+            </a:endParaRPr>
+          </a:p>
+          <a:p>
+            <a:r>
+              <a:rPr b="0" lang="en-US" sz="1000" spc="-1" strike="noStrike">
+                <a:latin typeface="URWPalladioL-Roma"/>
+              </a:rPr>
+              <a:t>    </a:t>
+            </a:r>
+            <a:r>
+              <a:rPr b="0" lang="en-US" sz="1000" spc="-1" strike="noStrike">
+                <a:latin typeface="URWPalladioL-Roma"/>
+              </a:rPr>
+              <a:t>identifying the service it wants,</a:t>
+            </a:r>
+            <a:endParaRPr b="0" lang="en-US" sz="1000" spc="-1" strike="noStrike">
+              <a:latin typeface="URWPalladioL-Roma"/>
+              <a:ea typeface="URWPalladioL-Roma"/>
+            </a:endParaRPr>
+          </a:p>
+          <a:p>
+            <a:r>
+              <a:rPr b="0" lang="en-US" sz="1000" spc="-1" strike="noStrike">
+                <a:latin typeface="URWPalladioL-Roma"/>
+              </a:rPr>
+              <a:t>    </a:t>
+            </a:r>
+            <a:r>
+              <a:rPr b="0" lang="en-US" sz="1000" spc="-1" strike="noStrike">
+                <a:latin typeface="URWPalladioL-Roma"/>
+              </a:rPr>
+              <a:t>along with necessary input data</a:t>
+            </a:r>
+            <a:endParaRPr b="0" lang="en-US" sz="1000" spc="-1" strike="noStrike">
+              <a:latin typeface="URWPalladioL-Roma"/>
+              <a:ea typeface="URWPalladioL-Roma"/>
+            </a:endParaRPr>
+          </a:p>
+          <a:p>
+            <a:endParaRPr b="0" lang="en-US" sz="1000" spc="-1" strike="noStrike">
+              <a:latin typeface="URWPalladioL-Roma"/>
+              <a:ea typeface="URWPalladioL-Roma"/>
+            </a:endParaRPr>
+          </a:p>
+          <a:p>
+            <a:r>
+              <a:rPr b="0" lang="en-US" sz="1000" spc="-1" strike="noStrike">
+                <a:latin typeface="URWPalladioL-Roma"/>
+              </a:rPr>
+              <a:t>2) Message sent to server</a:t>
+            </a:r>
+            <a:endParaRPr b="0" lang="en-US" sz="1000" spc="-1" strike="noStrike">
+              <a:latin typeface="URWPalladioL-Roma"/>
+              <a:ea typeface="URWPalladioL-Roma"/>
+            </a:endParaRPr>
+          </a:p>
+          <a:p>
+            <a:endParaRPr b="0" lang="en-US" sz="1000" spc="-1" strike="noStrike">
+              <a:latin typeface="URWPalladioL-Roma"/>
+              <a:ea typeface="URWPalladioL-Roma"/>
+            </a:endParaRPr>
+          </a:p>
+          <a:p>
+            <a:r>
+              <a:rPr b="0" lang="en-US" sz="1000" spc="-1" strike="noStrike">
+                <a:latin typeface="URWPalladioL-Roma"/>
+              </a:rPr>
+              <a:t>3) Server will wait for incoming request, process it, </a:t>
+            </a:r>
+            <a:br>
+              <a:rPr sz="1000"/>
+            </a:br>
+            <a:r>
+              <a:rPr b="0" lang="en-US" sz="1000" spc="-1" strike="noStrike">
+                <a:latin typeface="URWPalladioL-Roma"/>
+              </a:rPr>
+              <a:t>and package results in a reply message  sent to client</a:t>
+            </a:r>
+            <a:endParaRPr b="0" lang="en-US" sz="1000" spc="-1" strike="noStrike">
+              <a:latin typeface="URWPalladioL-Roma"/>
+              <a:ea typeface="URWPalladioL-Roma"/>
+            </a:endParaRPr>
+          </a:p>
+        </p:txBody>
+      </p:sp>
+    </p:spTree>
+  </p:cSld>
+  <p:transition>
+    <p:fade/>
+  </p:transition>
+</p:sld>
+</file>
+
+<file path=ppt/slides/slide4.xml><?xml version="1.0" encoding="utf-8"?>
+<p:sld xmlns:a="http://schemas.openxmlformats.org/drawingml/2006/main" xmlns:p="http://schemas.openxmlformats.org/presentationml/2006/main" xmlns:r="http://schemas.openxmlformats.org/officeDocument/2006/relationships" xmlns:p14="http://schemas.microsoft.com/office/powerpoint/2010/main" xmlns:p15="http://schemas.microsoft.com/office/powerpoint/2012/main" xmlns:mc="http://schemas.openxmlformats.org/markup-compatibility/2006">
+  <p:cSld>
+    <p:spTree>
+      <p:nvGrpSpPr>
+        <p:cNvPr id="1" name=""/>
+        <p:cNvGrpSpPr/>
+        <p:nvPr/>
+      </p:nvGrpSpPr>
+      <p:grpSpPr>
+        <a:xfrm>
+          <a:off x="0" y="0"/>
+          <a:ext cx="0" cy="0"/>
+          <a:chOff x="0" y="0"/>
+          <a:chExt cx="0" cy="0"/>
+        </a:xfrm>
+      </p:grpSpPr>
+      <p:sp>
+        <p:nvSpPr>
+          <p:cNvPr id="104" name="object 5"/>
+          <p:cNvSpPr/>
+          <p:nvPr/>
+        </p:nvSpPr>
+        <p:spPr>
+          <a:xfrm>
+            <a:off x="53640" y="-1440"/>
+            <a:ext cx="4498920" cy="87840"/>
+          </a:xfrm>
+          <a:prstGeom prst="rect">
+            <a:avLst/>
+          </a:prstGeom>
+          <a:noFill/>
+          <a:ln w="0">
+            <a:noFill/>
+          </a:ln>
+        </p:spPr>
+        <p:style>
+          <a:lnRef idx="0"/>
+          <a:fillRef idx="0"/>
+          <a:effectRef idx="0"/>
+          <a:fontRef idx="minor"/>
+        </p:style>
+        <p:txBody>
+          <a:bodyPr lIns="0" rIns="0" tIns="12240" bIns="0" anchor="t">
+            <a:spAutoFit/>
+          </a:bodyPr>
+          <a:p>
+            <a:pPr marL="12600">
+              <a:lnSpc>
+                <a:spcPct val="100000"/>
+              </a:lnSpc>
+              <a:spcBef>
+                <a:spcPts val="96"/>
+              </a:spcBef>
+              <a:buNone/>
+              <a:tabLst>
+                <a:tab algn="l" pos="3156120"/>
+              </a:tabLst>
+            </a:pPr>
+            <a:r>
+              <a:rPr b="0" lang="en-US" sz="500" spc="-12" strike="noStrike" u="sng">
+                <a:solidFill>
+                  <a:srgbClr val="0000ff"/>
+                </a:solidFill>
+                <a:uFillTx/>
+                <a:latin typeface="Arial"/>
+                <a:ea typeface="DejaVu Sans"/>
+              </a:rPr>
+              <a:t>Introduction</a:t>
+            </a:r>
+            <a:r>
+              <a:rPr b="0" lang="en-US" sz="500" spc="-1" strike="noStrike">
+                <a:solidFill>
+                  <a:srgbClr val="000000"/>
+                </a:solidFill>
+                <a:latin typeface="Arial"/>
+                <a:ea typeface="DejaVu Sans"/>
+              </a:rPr>
+              <a:t>	</a:t>
+            </a:r>
+            <a:r>
+              <a:rPr b="0" lang="en-US" sz="500" spc="-12" strike="noStrike">
+                <a:solidFill>
+                  <a:srgbClr val="000000"/>
+                </a:solidFill>
+                <a:latin typeface="Arial"/>
+                <a:ea typeface="DejaVu Sans"/>
+              </a:rPr>
+              <a:t>From</a:t>
+            </a:r>
+            <a:r>
+              <a:rPr b="0" lang="en-US" sz="500" spc="-7" strike="noStrike">
+                <a:solidFill>
+                  <a:srgbClr val="000000"/>
+                </a:solidFill>
+                <a:latin typeface="Arial"/>
+                <a:ea typeface="DejaVu Sans"/>
+              </a:rPr>
+              <a:t> </a:t>
+            </a:r>
+            <a:r>
+              <a:rPr b="0" lang="en-US" sz="500" spc="-12" strike="noStrike">
+                <a:solidFill>
+                  <a:srgbClr val="000000"/>
+                </a:solidFill>
+                <a:latin typeface="Arial"/>
+                <a:ea typeface="DejaVu Sans"/>
+              </a:rPr>
+              <a:t>networked</a:t>
+            </a:r>
+            <a:r>
+              <a:rPr b="0" lang="en-US" sz="500" spc="-7" strike="noStrike">
+                <a:solidFill>
+                  <a:srgbClr val="000000"/>
+                </a:solidFill>
+                <a:latin typeface="Arial"/>
+                <a:ea typeface="DejaVu Sans"/>
+              </a:rPr>
+              <a:t> </a:t>
+            </a:r>
+            <a:r>
+              <a:rPr b="0" lang="en-US" sz="500" spc="-1" strike="noStrike">
+                <a:solidFill>
+                  <a:srgbClr val="000000"/>
+                </a:solidFill>
+                <a:latin typeface="Arial"/>
+                <a:ea typeface="DejaVu Sans"/>
+              </a:rPr>
+              <a:t>systems to</a:t>
+            </a:r>
+            <a:r>
+              <a:rPr b="0" lang="en-US" sz="500" spc="-7" strike="noStrike">
+                <a:solidFill>
+                  <a:srgbClr val="000000"/>
+                </a:solidFill>
+                <a:latin typeface="Arial"/>
+                <a:ea typeface="DejaVu Sans"/>
+              </a:rPr>
+              <a:t> </a:t>
+            </a:r>
+            <a:r>
+              <a:rPr b="0" lang="en-US" sz="500" spc="-1" strike="noStrike">
+                <a:solidFill>
+                  <a:srgbClr val="000000"/>
+                </a:solidFill>
+                <a:latin typeface="Arial"/>
+                <a:ea typeface="DejaVu Sans"/>
+              </a:rPr>
+              <a:t>distributed</a:t>
+            </a:r>
+            <a:r>
+              <a:rPr b="0" lang="en-US" sz="500" spc="-7" strike="noStrike">
+                <a:solidFill>
+                  <a:srgbClr val="000000"/>
+                </a:solidFill>
+                <a:latin typeface="Arial"/>
+                <a:ea typeface="DejaVu Sans"/>
+              </a:rPr>
+              <a:t> </a:t>
+            </a:r>
+            <a:r>
+              <a:rPr b="0" lang="en-US" sz="500" spc="-12" strike="noStrike" u="sng">
+                <a:solidFill>
+                  <a:srgbClr val="0000ff"/>
+                </a:solidFill>
+                <a:uFillTx/>
+                <a:latin typeface="Arial"/>
+                <a:ea typeface="DejaVu Sans"/>
+              </a:rPr>
+              <a:t>systems</a:t>
+            </a:r>
+            <a:endParaRPr b="0" lang="en-US" sz="500" spc="-1" strike="noStrike">
+              <a:latin typeface="Arial"/>
+            </a:endParaRPr>
+          </a:p>
+        </p:txBody>
+      </p:sp>
+      <p:sp>
+        <p:nvSpPr>
+          <p:cNvPr id="105" name="PlaceHolder 1"/>
+          <p:cNvSpPr>
+            <a:spLocks noGrp="1"/>
+          </p:cNvSpPr>
+          <p:nvPr>
+            <p:ph type="title"/>
+          </p:nvPr>
+        </p:nvSpPr>
+        <p:spPr>
+          <a:xfrm>
+            <a:off x="95400" y="197640"/>
+            <a:ext cx="4248000" cy="587880"/>
+          </a:xfrm>
+          <a:prstGeom prst="rect">
+            <a:avLst/>
+          </a:prstGeom>
+          <a:noFill/>
+          <a:ln w="0">
+            <a:noFill/>
+          </a:ln>
+        </p:spPr>
+        <p:txBody>
+          <a:bodyPr lIns="0" rIns="0" tIns="12240" bIns="0" anchor="t">
+            <a:noAutofit/>
+          </a:bodyPr>
+          <a:p>
+            <a:pPr marL="12600">
+              <a:lnSpc>
+                <a:spcPct val="100000"/>
+              </a:lnSpc>
+              <a:spcBef>
+                <a:spcPts val="96"/>
+              </a:spcBef>
+              <a:buNone/>
+            </a:pPr>
+            <a:r>
+              <a:rPr b="0" lang="en-US" sz="1200" spc="-1" strike="noStrike">
+                <a:solidFill>
+                  <a:srgbClr val="3333b2"/>
+                </a:solidFill>
+                <a:latin typeface="Arial"/>
+              </a:rPr>
+              <a:t>Simple Client-Server Architecture (No connection), contd.</a:t>
+            </a:r>
+            <a:endParaRPr b="0" lang="en-US" sz="1200" spc="-1" strike="noStrike">
+              <a:latin typeface="Arial"/>
+            </a:endParaRPr>
+          </a:p>
+        </p:txBody>
+      </p:sp>
+      <p:grpSp>
+        <p:nvGrpSpPr>
+          <p:cNvPr id="106" name="object 6"/>
+          <p:cNvGrpSpPr/>
+          <p:nvPr/>
+        </p:nvGrpSpPr>
+        <p:grpSpPr>
+          <a:xfrm>
+            <a:off x="0" y="3348360"/>
+            <a:ext cx="4605840" cy="105480"/>
+            <a:chOff x="0" y="3348360"/>
+            <a:chExt cx="4605840" cy="105480"/>
+          </a:xfrm>
+        </p:grpSpPr>
+        <p:sp>
+          <p:nvSpPr>
+            <p:cNvPr id="107" name="object 7"/>
+            <p:cNvSpPr/>
+            <p:nvPr/>
+          </p:nvSpPr>
+          <p:spPr>
+            <a:xfrm>
+              <a:off x="0" y="3348360"/>
+              <a:ext cx="2301840" cy="105480"/>
+            </a:xfrm>
+            <a:custGeom>
+              <a:avLst/>
+              <a:gdLst/>
+              <a:ahLst/>
+              <a:rect l="l" t="t" r="r" b="b"/>
+              <a:pathLst>
+                <a:path w="2304415" h="107950">
+                  <a:moveTo>
+                    <a:pt x="2303995" y="0"/>
+                  </a:moveTo>
+                  <a:lnTo>
+                    <a:pt x="0" y="0"/>
+                  </a:lnTo>
+                  <a:lnTo>
+                    <a:pt x="0" y="107530"/>
+                  </a:lnTo>
+                  <a:lnTo>
+                    <a:pt x="2303995" y="107530"/>
+                  </a:lnTo>
+                  <a:lnTo>
+                    <a:pt x="2303995" y="0"/>
+                  </a:lnTo>
+                  <a:close/>
+                </a:path>
+              </a:pathLst>
+            </a:custGeom>
+            <a:solidFill>
+              <a:srgbClr val="adade0"/>
+            </a:solidFill>
+            <a:ln w="0">
+              <a:noFill/>
+            </a:ln>
+          </p:spPr>
+          <p:style>
+            <a:lnRef idx="0"/>
+            <a:fillRef idx="0"/>
+            <a:effectRef idx="0"/>
+            <a:fontRef idx="minor"/>
+          </p:style>
+        </p:sp>
+        <p:sp>
+          <p:nvSpPr>
+            <p:cNvPr id="108" name="object 8"/>
+            <p:cNvSpPr/>
+            <p:nvPr/>
+          </p:nvSpPr>
+          <p:spPr>
+            <a:xfrm>
+              <a:off x="2304000" y="3348360"/>
+              <a:ext cx="2301840" cy="105480"/>
+            </a:xfrm>
+            <a:custGeom>
+              <a:avLst/>
+              <a:gdLst/>
+              <a:ahLst/>
+              <a:rect l="l" t="t" r="r" b="b"/>
+              <a:pathLst>
+                <a:path w="2304415" h="107950">
+                  <a:moveTo>
+                    <a:pt x="2303995" y="0"/>
+                  </a:moveTo>
+                  <a:lnTo>
+                    <a:pt x="0" y="0"/>
+                  </a:lnTo>
+                  <a:lnTo>
+                    <a:pt x="0" y="107530"/>
+                  </a:lnTo>
+                  <a:lnTo>
+                    <a:pt x="2303995" y="107530"/>
+                  </a:lnTo>
+                  <a:lnTo>
+                    <a:pt x="2303995" y="0"/>
+                  </a:lnTo>
+                  <a:close/>
+                </a:path>
+              </a:pathLst>
+            </a:custGeom>
+            <a:solidFill>
+              <a:srgbClr val="8484d1"/>
+            </a:solidFill>
+            <a:ln w="0">
+              <a:noFill/>
+            </a:ln>
+          </p:spPr>
+          <p:style>
+            <a:lnRef idx="0"/>
+            <a:fillRef idx="0"/>
+            <a:effectRef idx="0"/>
+            <a:fontRef idx="minor"/>
+          </p:style>
+        </p:sp>
+      </p:grpSp>
+      <p:sp>
+        <p:nvSpPr>
+          <p:cNvPr id="109" name="object 19"/>
+          <p:cNvSpPr/>
+          <p:nvPr/>
+        </p:nvSpPr>
+        <p:spPr>
+          <a:xfrm>
+            <a:off x="53640" y="3349800"/>
+            <a:ext cx="1168920" cy="84960"/>
+          </a:xfrm>
+          <a:prstGeom prst="rect">
+            <a:avLst/>
+          </a:prstGeom>
+          <a:noFill/>
+          <a:ln w="0">
+            <a:noFill/>
+          </a:ln>
+        </p:spPr>
+        <p:style>
+          <a:lnRef idx="0"/>
+          <a:fillRef idx="0"/>
+          <a:effectRef idx="0"/>
+          <a:fontRef idx="minor"/>
+        </p:style>
+        <p:txBody>
+          <a:bodyPr lIns="0" rIns="0" tIns="9360" bIns="0" anchor="t">
+            <a:spAutoFit/>
+          </a:bodyPr>
+          <a:p>
+            <a:pPr marL="12600">
+              <a:lnSpc>
+                <a:spcPct val="100000"/>
+              </a:lnSpc>
+              <a:spcBef>
+                <a:spcPts val="74"/>
+              </a:spcBef>
+              <a:buNone/>
+            </a:pPr>
+            <a:r>
+              <a:rPr b="0" lang="en-US" sz="500" spc="-1" strike="noStrike" u="sng">
+                <a:solidFill>
+                  <a:srgbClr val="0000ff"/>
+                </a:solidFill>
+                <a:uFillTx/>
+                <a:latin typeface="Arial"/>
+                <a:ea typeface="DejaVu Sans"/>
+              </a:rPr>
+              <a:t>Distributed versus </a:t>
+            </a:r>
+            <a:r>
+              <a:rPr b="0" lang="en-US" sz="500" spc="-12" strike="noStrike" u="sng">
+                <a:solidFill>
+                  <a:srgbClr val="0000ff"/>
+                </a:solidFill>
+                <a:uFillTx/>
+                <a:latin typeface="Arial"/>
+                <a:ea typeface="DejaVu Sans"/>
+              </a:rPr>
+              <a:t>decentralized</a:t>
+            </a:r>
+            <a:r>
+              <a:rPr b="0" lang="en-US" sz="500" spc="-1" strike="noStrike" u="sng">
+                <a:solidFill>
+                  <a:srgbClr val="0000ff"/>
+                </a:solidFill>
+                <a:uFillTx/>
+                <a:latin typeface="Arial"/>
+                <a:ea typeface="DejaVu Sans"/>
+              </a:rPr>
+              <a:t> </a:t>
+            </a:r>
+            <a:r>
+              <a:rPr b="0" lang="en-US" sz="500" spc="-12" strike="noStrike" u="sng">
+                <a:solidFill>
+                  <a:srgbClr val="0000ff"/>
+                </a:solidFill>
+                <a:uFillTx/>
+                <a:latin typeface="Arial"/>
+                <a:ea typeface="DejaVu Sans"/>
+              </a:rPr>
+              <a:t>systems</a:t>
+            </a:r>
+            <a:endParaRPr b="0" lang="en-US" sz="500" spc="-1" strike="noStrike">
+              <a:latin typeface="Arial"/>
+            </a:endParaRPr>
+          </a:p>
+        </p:txBody>
+      </p:sp>
+      <p:sp>
+        <p:nvSpPr>
+          <p:cNvPr id="110" name=""/>
+          <p:cNvSpPr txBox="1"/>
+          <p:nvPr/>
+        </p:nvSpPr>
+        <p:spPr>
+          <a:xfrm>
+            <a:off x="129960" y="876240"/>
+            <a:ext cx="4442040" cy="1711800"/>
+          </a:xfrm>
+          <a:prstGeom prst="rect">
+            <a:avLst/>
+          </a:prstGeom>
+          <a:noFill/>
+          <a:ln w="0">
+            <a:noFill/>
+          </a:ln>
+        </p:spPr>
+        <p:txBody>
+          <a:bodyPr lIns="90000" rIns="90000" tIns="45000" bIns="45000" anchor="t">
+            <a:noAutofit/>
+          </a:bodyPr>
+          <a:p>
+            <a:r>
+              <a:rPr b="0" lang="en-US" sz="1000" spc="-1" strike="noStrike">
+                <a:latin typeface="URWPalladioL-Roma"/>
+              </a:rPr>
+              <a:t>When it works, this is efficient</a:t>
+            </a:r>
+            <a:endParaRPr b="0" lang="en-US" sz="1000" spc="-1" strike="noStrike">
+              <a:latin typeface="URWPalladioL-Roma"/>
+              <a:ea typeface="URWPalladioL-Roma"/>
+            </a:endParaRPr>
+          </a:p>
+          <a:p>
+            <a:endParaRPr b="0" lang="en-US" sz="1000" spc="-1" strike="noStrike">
+              <a:latin typeface="URWPalladioL-Roma"/>
+              <a:ea typeface="URWPalladioL-Roma"/>
+            </a:endParaRPr>
+          </a:p>
+          <a:p>
+            <a:r>
+              <a:rPr b="0" lang="en-US" sz="1000" spc="-1" strike="noStrike">
+                <a:latin typeface="URWPalladioL-Roma"/>
+              </a:rPr>
+              <a:t>What if the result doesn’t come back?</a:t>
+            </a:r>
+            <a:endParaRPr b="0" lang="en-US" sz="1000" spc="-1" strike="noStrike">
+              <a:latin typeface="URWPalladioL-Roma"/>
+              <a:ea typeface="URWPalladioL-Roma"/>
+            </a:endParaRPr>
+          </a:p>
+          <a:p>
+            <a:r>
+              <a:rPr b="0" lang="en-US" sz="1000" spc="-1" strike="noStrike">
+                <a:latin typeface="URWPalladioL-Roma"/>
+              </a:rPr>
+              <a:t>1) was original request lost?</a:t>
+            </a:r>
+            <a:endParaRPr b="0" lang="en-US" sz="1000" spc="-1" strike="noStrike">
+              <a:latin typeface="URWPalladioL-Roma"/>
+              <a:ea typeface="URWPalladioL-Roma"/>
+            </a:endParaRPr>
+          </a:p>
+          <a:p>
+            <a:r>
+              <a:rPr b="0" lang="en-US" sz="1000" spc="-1" strike="noStrike">
+                <a:latin typeface="URWPalladioL-Roma"/>
+              </a:rPr>
+              <a:t>2) did transmission of response fail?</a:t>
+            </a:r>
+            <a:endParaRPr b="0" lang="en-US" sz="1000" spc="-1" strike="noStrike">
+              <a:latin typeface="URWPalladioL-Roma"/>
+              <a:ea typeface="URWPalladioL-Roma"/>
+            </a:endParaRPr>
+          </a:p>
+          <a:p>
+            <a:r>
+              <a:rPr b="0" lang="en-US" sz="1000" spc="-1" strike="noStrike">
+                <a:latin typeface="URWPalladioL-Roma"/>
+              </a:rPr>
+              <a:t>We won’t know</a:t>
+            </a:r>
+            <a:endParaRPr b="0" lang="en-US" sz="1000" spc="-1" strike="noStrike">
+              <a:latin typeface="URWPalladioL-Roma"/>
+              <a:ea typeface="URWPalladioL-Roma"/>
+            </a:endParaRPr>
+          </a:p>
+          <a:p>
+            <a:endParaRPr b="0" lang="en-US" sz="1000" spc="-1" strike="noStrike">
+              <a:latin typeface="URWPalladioL-Roma"/>
+              <a:ea typeface="URWPalladioL-Roma"/>
+            </a:endParaRPr>
+          </a:p>
+          <a:p>
+            <a:r>
+              <a:rPr b="0" lang="en-US" sz="1000" spc="-1" strike="noStrike">
+                <a:latin typeface="URWPalladioL-Roma"/>
+              </a:rPr>
+              <a:t>In first case, might resend. In second case, don’t want to resend.</a:t>
+            </a:r>
+            <a:endParaRPr b="0" lang="en-US" sz="1000" spc="-1" strike="noStrike">
+              <a:latin typeface="URWPalladioL-Roma"/>
+              <a:ea typeface="URWPalladioL-Roma"/>
+            </a:endParaRPr>
+          </a:p>
+          <a:p>
+            <a:endParaRPr b="0" lang="en-US" sz="1000" spc="-1" strike="noStrike">
+              <a:latin typeface="URWPalladioL-Roma"/>
+              <a:ea typeface="URWPalladioL-Roma"/>
+            </a:endParaRPr>
+          </a:p>
+          <a:p>
+            <a:pPr>
+              <a:lnSpc>
+                <a:spcPct val="100000"/>
+              </a:lnSpc>
+              <a:buNone/>
+            </a:pPr>
+            <a:r>
+              <a:rPr b="0" lang="en-US" sz="1000" spc="-1" strike="noStrike">
+                <a:latin typeface="URWPalladioL-Roma"/>
+                <a:ea typeface="URWPalladioL-Roma"/>
+              </a:rPr>
+              <a:t>Transaction that can safely be repeated is called </a:t>
+            </a:r>
+            <a:r>
+              <a:rPr b="0" i="1" lang="en-US" sz="1000" spc="-1" strike="noStrike">
+                <a:latin typeface="URWPalladioL-Roma"/>
+                <a:ea typeface="URWPalladioL-Roma"/>
+              </a:rPr>
+              <a:t>idempotent</a:t>
+            </a:r>
+            <a:endParaRPr b="0" lang="en-US" sz="1000" spc="-1" strike="noStrike">
+              <a:latin typeface="URWPalladioL-Roma"/>
+              <a:ea typeface="URWPalladioL-Roma"/>
+            </a:endParaRPr>
+          </a:p>
+          <a:p>
+            <a:pPr>
+              <a:lnSpc>
+                <a:spcPct val="100000"/>
+              </a:lnSpc>
+              <a:buNone/>
+            </a:pPr>
+            <a:endParaRPr b="0" lang="en-US" sz="1000" spc="-1" strike="noStrike">
+              <a:latin typeface="URWPalladioL-Roma"/>
+              <a:ea typeface="URWPalladioL-Roma"/>
+            </a:endParaRPr>
+          </a:p>
+        </p:txBody>
+      </p:sp>
+    </p:spTree>
+  </p:cSld>
+  <p:transition>
+    <p:fade/>
+  </p:transition>
+</p:sld>
+</file>
+
+<file path=ppt/slides/slide5.xml><?xml version="1.0" encoding="utf-8"?>
+<p:sld xmlns:a="http://schemas.openxmlformats.org/drawingml/2006/main" xmlns:p="http://schemas.openxmlformats.org/presentationml/2006/main" xmlns:r="http://schemas.openxmlformats.org/officeDocument/2006/relationships" xmlns:p14="http://schemas.microsoft.com/office/powerpoint/2010/main" xmlns:p15="http://schemas.microsoft.com/office/powerpoint/2012/main" xmlns:mc="http://schemas.openxmlformats.org/markup-compatibility/2006">
+  <p:cSld>
+    <p:spTree>
+      <p:nvGrpSpPr>
+        <p:cNvPr id="1" name=""/>
+        <p:cNvGrpSpPr/>
+        <p:nvPr/>
+      </p:nvGrpSpPr>
+      <p:grpSpPr>
+        <a:xfrm>
+          <a:off x="0" y="0"/>
+          <a:ext cx="0" cy="0"/>
+          <a:chOff x="0" y="0"/>
+          <a:chExt cx="0" cy="0"/>
+        </a:xfrm>
+      </p:grpSpPr>
+      <p:sp>
+        <p:nvSpPr>
+          <p:cNvPr id="111" name="object 25"/>
+          <p:cNvSpPr/>
+          <p:nvPr/>
+        </p:nvSpPr>
+        <p:spPr>
+          <a:xfrm>
+            <a:off x="53640" y="-1440"/>
+            <a:ext cx="4498920" cy="87840"/>
+          </a:xfrm>
+          <a:prstGeom prst="rect">
+            <a:avLst/>
+          </a:prstGeom>
+          <a:noFill/>
+          <a:ln w="0">
+            <a:noFill/>
+          </a:ln>
+        </p:spPr>
+        <p:style>
+          <a:lnRef idx="0"/>
+          <a:fillRef idx="0"/>
+          <a:effectRef idx="0"/>
+          <a:fontRef idx="minor"/>
+        </p:style>
+        <p:txBody>
+          <a:bodyPr lIns="0" rIns="0" tIns="12240" bIns="0" anchor="t">
+            <a:spAutoFit/>
+          </a:bodyPr>
+          <a:p>
+            <a:pPr marL="12600">
+              <a:lnSpc>
+                <a:spcPct val="100000"/>
+              </a:lnSpc>
+              <a:spcBef>
+                <a:spcPts val="96"/>
+              </a:spcBef>
+              <a:buNone/>
+              <a:tabLst>
+                <a:tab algn="l" pos="3156120"/>
+              </a:tabLst>
+            </a:pPr>
+            <a:r>
+              <a:rPr b="0" lang="en-US" sz="500" spc="-12" strike="noStrike" u="sng">
+                <a:solidFill>
+                  <a:srgbClr val="0000ff"/>
+                </a:solidFill>
+                <a:uFillTx/>
+                <a:latin typeface="Arial"/>
+                <a:ea typeface="DejaVu Sans"/>
+              </a:rPr>
+              <a:t>Introduction</a:t>
+            </a:r>
+            <a:r>
+              <a:rPr b="0" lang="en-US" sz="500" spc="-1" strike="noStrike">
+                <a:solidFill>
+                  <a:srgbClr val="000000"/>
+                </a:solidFill>
+                <a:latin typeface="Arial"/>
+                <a:ea typeface="DejaVu Sans"/>
+              </a:rPr>
+              <a:t>	</a:t>
+            </a:r>
+            <a:r>
+              <a:rPr b="0" lang="en-US" sz="500" spc="-12" strike="noStrike">
+                <a:solidFill>
+                  <a:srgbClr val="000000"/>
+                </a:solidFill>
+                <a:latin typeface="Arial"/>
+                <a:ea typeface="DejaVu Sans"/>
+              </a:rPr>
+              <a:t>From</a:t>
+            </a:r>
+            <a:r>
+              <a:rPr b="0" lang="en-US" sz="500" spc="-7" strike="noStrike">
+                <a:solidFill>
+                  <a:srgbClr val="000000"/>
+                </a:solidFill>
+                <a:latin typeface="Arial"/>
+                <a:ea typeface="DejaVu Sans"/>
+              </a:rPr>
+              <a:t> </a:t>
+            </a:r>
+            <a:r>
+              <a:rPr b="0" lang="en-US" sz="500" spc="-12" strike="noStrike">
+                <a:solidFill>
+                  <a:srgbClr val="000000"/>
+                </a:solidFill>
+                <a:latin typeface="Arial"/>
+                <a:ea typeface="DejaVu Sans"/>
+              </a:rPr>
+              <a:t>networked</a:t>
+            </a:r>
+            <a:r>
+              <a:rPr b="0" lang="en-US" sz="500" spc="-7" strike="noStrike">
+                <a:solidFill>
+                  <a:srgbClr val="000000"/>
+                </a:solidFill>
+                <a:latin typeface="Arial"/>
+                <a:ea typeface="DejaVu Sans"/>
+              </a:rPr>
+              <a:t> </a:t>
+            </a:r>
+            <a:r>
+              <a:rPr b="0" lang="en-US" sz="500" spc="-1" strike="noStrike">
+                <a:solidFill>
+                  <a:srgbClr val="000000"/>
+                </a:solidFill>
+                <a:latin typeface="Arial"/>
+                <a:ea typeface="DejaVu Sans"/>
+              </a:rPr>
+              <a:t>systems to</a:t>
+            </a:r>
+            <a:r>
+              <a:rPr b="0" lang="en-US" sz="500" spc="-7" strike="noStrike">
+                <a:solidFill>
+                  <a:srgbClr val="000000"/>
+                </a:solidFill>
+                <a:latin typeface="Arial"/>
+                <a:ea typeface="DejaVu Sans"/>
+              </a:rPr>
+              <a:t> </a:t>
+            </a:r>
+            <a:r>
+              <a:rPr b="0" lang="en-US" sz="500" spc="-1" strike="noStrike">
+                <a:solidFill>
+                  <a:srgbClr val="000000"/>
+                </a:solidFill>
+                <a:latin typeface="Arial"/>
+                <a:ea typeface="DejaVu Sans"/>
+              </a:rPr>
+              <a:t>distributed</a:t>
+            </a:r>
+            <a:r>
+              <a:rPr b="0" lang="en-US" sz="500" spc="-7" strike="noStrike">
+                <a:solidFill>
+                  <a:srgbClr val="000000"/>
+                </a:solidFill>
+                <a:latin typeface="Arial"/>
+                <a:ea typeface="DejaVu Sans"/>
+              </a:rPr>
+              <a:t> </a:t>
+            </a:r>
+            <a:r>
+              <a:rPr b="0" lang="en-US" sz="500" spc="-12" strike="noStrike" u="sng">
+                <a:solidFill>
+                  <a:srgbClr val="0000ff"/>
+                </a:solidFill>
+                <a:uFillTx/>
+                <a:latin typeface="Arial"/>
+                <a:ea typeface="DejaVu Sans"/>
+              </a:rPr>
+              <a:t>systems</a:t>
+            </a:r>
+            <a:endParaRPr b="0" lang="en-US" sz="500" spc="-1" strike="noStrike">
+              <a:latin typeface="Arial"/>
+            </a:endParaRPr>
+          </a:p>
+        </p:txBody>
+      </p:sp>
+      <p:sp>
+        <p:nvSpPr>
+          <p:cNvPr id="112" name="PlaceHolder 1"/>
+          <p:cNvSpPr>
+            <a:spLocks noGrp="1"/>
+          </p:cNvSpPr>
+          <p:nvPr>
+            <p:ph type="title"/>
+          </p:nvPr>
+        </p:nvSpPr>
+        <p:spPr>
+          <a:xfrm>
+            <a:off x="95400" y="197640"/>
+            <a:ext cx="4248000" cy="587880"/>
+          </a:xfrm>
+          <a:prstGeom prst="rect">
+            <a:avLst/>
+          </a:prstGeom>
+          <a:noFill/>
+          <a:ln w="0">
+            <a:noFill/>
+          </a:ln>
+        </p:spPr>
+        <p:txBody>
+          <a:bodyPr lIns="0" rIns="0" tIns="12240" bIns="0" anchor="t">
+            <a:noAutofit/>
+          </a:bodyPr>
+          <a:p>
+            <a:pPr marL="12600">
+              <a:lnSpc>
+                <a:spcPct val="100000"/>
+              </a:lnSpc>
+              <a:spcBef>
+                <a:spcPts val="96"/>
+              </a:spcBef>
+              <a:buNone/>
+            </a:pPr>
+            <a:r>
+              <a:rPr b="0" lang="en-US" sz="1200" spc="-1" strike="noStrike">
+                <a:solidFill>
+                  <a:srgbClr val="3333b2"/>
+                </a:solidFill>
+                <a:latin typeface="Arial"/>
+              </a:rPr>
+              <a:t>Simple Client-Server Architecture (No connection), contd.</a:t>
+            </a:r>
+            <a:endParaRPr b="0" lang="en-US" sz="1200" spc="-1" strike="noStrike">
+              <a:latin typeface="Arial"/>
+            </a:endParaRPr>
+          </a:p>
+        </p:txBody>
+      </p:sp>
+      <p:grpSp>
+        <p:nvGrpSpPr>
+          <p:cNvPr id="113" name="object 26"/>
+          <p:cNvGrpSpPr/>
+          <p:nvPr/>
+        </p:nvGrpSpPr>
+        <p:grpSpPr>
+          <a:xfrm>
+            <a:off x="0" y="3348360"/>
+            <a:ext cx="4605840" cy="105480"/>
+            <a:chOff x="0" y="3348360"/>
+            <a:chExt cx="4605840" cy="105480"/>
+          </a:xfrm>
+        </p:grpSpPr>
+        <p:sp>
+          <p:nvSpPr>
+            <p:cNvPr id="114" name="object 27"/>
+            <p:cNvSpPr/>
+            <p:nvPr/>
+          </p:nvSpPr>
+          <p:spPr>
+            <a:xfrm>
+              <a:off x="0" y="3348360"/>
+              <a:ext cx="2301840" cy="105480"/>
+            </a:xfrm>
+            <a:custGeom>
+              <a:avLst/>
+              <a:gdLst/>
+              <a:ahLst/>
+              <a:rect l="l" t="t" r="r" b="b"/>
+              <a:pathLst>
+                <a:path w="2304415" h="107950">
+                  <a:moveTo>
+                    <a:pt x="2303995" y="0"/>
+                  </a:moveTo>
+                  <a:lnTo>
+                    <a:pt x="0" y="0"/>
+                  </a:lnTo>
+                  <a:lnTo>
+                    <a:pt x="0" y="107530"/>
+                  </a:lnTo>
+                  <a:lnTo>
+                    <a:pt x="2303995" y="107530"/>
+                  </a:lnTo>
+                  <a:lnTo>
+                    <a:pt x="2303995" y="0"/>
+                  </a:lnTo>
+                  <a:close/>
+                </a:path>
+              </a:pathLst>
+            </a:custGeom>
+            <a:solidFill>
+              <a:srgbClr val="adade0"/>
+            </a:solidFill>
+            <a:ln w="0">
+              <a:noFill/>
+            </a:ln>
+          </p:spPr>
+          <p:style>
+            <a:lnRef idx="0"/>
+            <a:fillRef idx="0"/>
+            <a:effectRef idx="0"/>
+            <a:fontRef idx="minor"/>
+          </p:style>
+        </p:sp>
+        <p:sp>
+          <p:nvSpPr>
+            <p:cNvPr id="115" name="object 28"/>
+            <p:cNvSpPr/>
+            <p:nvPr/>
+          </p:nvSpPr>
+          <p:spPr>
+            <a:xfrm>
+              <a:off x="2304000" y="3348360"/>
+              <a:ext cx="2301840" cy="105480"/>
+            </a:xfrm>
+            <a:custGeom>
+              <a:avLst/>
+              <a:gdLst/>
+              <a:ahLst/>
+              <a:rect l="l" t="t" r="r" b="b"/>
+              <a:pathLst>
+                <a:path w="2304415" h="107950">
+                  <a:moveTo>
+                    <a:pt x="2303995" y="0"/>
+                  </a:moveTo>
+                  <a:lnTo>
+                    <a:pt x="0" y="0"/>
+                  </a:lnTo>
+                  <a:lnTo>
+                    <a:pt x="0" y="107530"/>
+                  </a:lnTo>
+                  <a:lnTo>
+                    <a:pt x="2303995" y="107530"/>
+                  </a:lnTo>
+                  <a:lnTo>
+                    <a:pt x="2303995" y="0"/>
+                  </a:lnTo>
+                  <a:close/>
+                </a:path>
+              </a:pathLst>
+            </a:custGeom>
+            <a:solidFill>
+              <a:srgbClr val="8484d1"/>
+            </a:solidFill>
+            <a:ln w="0">
+              <a:noFill/>
+            </a:ln>
+          </p:spPr>
+          <p:style>
+            <a:lnRef idx="0"/>
+            <a:fillRef idx="0"/>
+            <a:effectRef idx="0"/>
+            <a:fontRef idx="minor"/>
+          </p:style>
+        </p:sp>
+      </p:grpSp>
+      <p:sp>
+        <p:nvSpPr>
+          <p:cNvPr id="116" name="object 29"/>
+          <p:cNvSpPr/>
+          <p:nvPr/>
+        </p:nvSpPr>
+        <p:spPr>
+          <a:xfrm>
+            <a:off x="53640" y="3349800"/>
+            <a:ext cx="1168920" cy="84960"/>
+          </a:xfrm>
+          <a:prstGeom prst="rect">
+            <a:avLst/>
+          </a:prstGeom>
+          <a:noFill/>
+          <a:ln w="0">
+            <a:noFill/>
+          </a:ln>
+        </p:spPr>
+        <p:style>
+          <a:lnRef idx="0"/>
+          <a:fillRef idx="0"/>
+          <a:effectRef idx="0"/>
+          <a:fontRef idx="minor"/>
+        </p:style>
+        <p:txBody>
+          <a:bodyPr lIns="0" rIns="0" tIns="9360" bIns="0" anchor="t">
+            <a:spAutoFit/>
+          </a:bodyPr>
+          <a:p>
+            <a:pPr marL="12600">
+              <a:lnSpc>
+                <a:spcPct val="100000"/>
+              </a:lnSpc>
+              <a:spcBef>
+                <a:spcPts val="74"/>
+              </a:spcBef>
+              <a:buNone/>
+            </a:pPr>
+            <a:r>
+              <a:rPr b="0" lang="en-US" sz="500" spc="-1" strike="noStrike" u="sng">
+                <a:solidFill>
+                  <a:srgbClr val="0000ff"/>
+                </a:solidFill>
+                <a:uFillTx/>
+                <a:latin typeface="Arial"/>
+                <a:ea typeface="DejaVu Sans"/>
+              </a:rPr>
+              <a:t>Distributed versus </a:t>
+            </a:r>
+            <a:r>
+              <a:rPr b="0" lang="en-US" sz="500" spc="-12" strike="noStrike" u="sng">
+                <a:solidFill>
+                  <a:srgbClr val="0000ff"/>
+                </a:solidFill>
+                <a:uFillTx/>
+                <a:latin typeface="Arial"/>
+                <a:ea typeface="DejaVu Sans"/>
+              </a:rPr>
+              <a:t>decentralized</a:t>
+            </a:r>
+            <a:r>
+              <a:rPr b="0" lang="en-US" sz="500" spc="-1" strike="noStrike" u="sng">
+                <a:solidFill>
+                  <a:srgbClr val="0000ff"/>
+                </a:solidFill>
+                <a:uFillTx/>
+                <a:latin typeface="Arial"/>
+                <a:ea typeface="DejaVu Sans"/>
+              </a:rPr>
+              <a:t> </a:t>
+            </a:r>
+            <a:r>
+              <a:rPr b="0" lang="en-US" sz="500" spc="-12" strike="noStrike" u="sng">
+                <a:solidFill>
+                  <a:srgbClr val="0000ff"/>
+                </a:solidFill>
+                <a:uFillTx/>
+                <a:latin typeface="Arial"/>
+                <a:ea typeface="DejaVu Sans"/>
+              </a:rPr>
+              <a:t>systems</a:t>
+            </a:r>
+            <a:endParaRPr b="0" lang="en-US" sz="500" spc="-1" strike="noStrike">
+              <a:latin typeface="Arial"/>
+            </a:endParaRPr>
+          </a:p>
+        </p:txBody>
+      </p:sp>
+      <p:sp>
+        <p:nvSpPr>
+          <p:cNvPr id="117" name=""/>
+          <p:cNvSpPr txBox="1"/>
+          <p:nvPr/>
+        </p:nvSpPr>
+        <p:spPr>
+          <a:xfrm>
+            <a:off x="129960" y="552240"/>
+            <a:ext cx="4442040" cy="1422360"/>
+          </a:xfrm>
+          <a:prstGeom prst="rect">
+            <a:avLst/>
+          </a:prstGeom>
+          <a:noFill/>
+          <a:ln w="0">
+            <a:noFill/>
+          </a:ln>
+        </p:spPr>
+        <p:txBody>
+          <a:bodyPr lIns="90000" rIns="90000" tIns="45000" bIns="45000" anchor="t">
+            <a:noAutofit/>
+          </a:bodyPr>
+          <a:p>
+            <a:endParaRPr b="0" lang="en-US" sz="1000" spc="-1" strike="noStrike">
+              <a:latin typeface="URWPalladioL-Roma"/>
+              <a:ea typeface="URWPalladioL-Roma"/>
+            </a:endParaRPr>
+          </a:p>
+          <a:p>
+            <a:r>
+              <a:rPr b="1" lang="en-US" sz="1000" spc="-1" strike="noStrike">
+                <a:latin typeface="URWPalladioL-Roma"/>
+              </a:rPr>
+              <a:t>Examples</a:t>
+            </a:r>
+            <a:r>
+              <a:rPr b="0" lang="en-US" sz="1000" spc="-1" strike="noStrike">
+                <a:latin typeface="URWPalladioL-Roma"/>
+              </a:rPr>
+              <a:t>:</a:t>
+            </a:r>
+            <a:endParaRPr b="0" lang="en-US" sz="1000" spc="-1" strike="noStrike">
+              <a:latin typeface="URWPalladioL-Roma"/>
+              <a:ea typeface="URWPalladioL-Roma"/>
+            </a:endParaRPr>
+          </a:p>
+          <a:p>
+            <a:r>
+              <a:rPr b="0" lang="en-US" sz="1000" spc="-1" strike="noStrike">
+                <a:latin typeface="URWPalladioL-Roma"/>
+              </a:rPr>
+              <a:t>Request 1: transfer $10K from bank account</a:t>
+            </a:r>
+            <a:endParaRPr b="0" lang="en-US" sz="1000" spc="-1" strike="noStrike">
+              <a:latin typeface="URWPalladioL-Roma"/>
+              <a:ea typeface="URWPalladioL-Roma"/>
+            </a:endParaRPr>
+          </a:p>
+          <a:p>
+            <a:r>
+              <a:rPr b="0" lang="en-US" sz="1000" spc="-1" strike="noStrike">
+                <a:latin typeface="URWPalladioL-Roma"/>
+              </a:rPr>
+              <a:t>Not safe to resend</a:t>
+            </a:r>
+            <a:endParaRPr b="0" lang="en-US" sz="1000" spc="-1" strike="noStrike">
+              <a:latin typeface="URWPalladioL-Roma"/>
+              <a:ea typeface="URWPalladioL-Roma"/>
+            </a:endParaRPr>
+          </a:p>
+          <a:p>
+            <a:endParaRPr b="0" lang="en-US" sz="1000" spc="-1" strike="noStrike">
+              <a:latin typeface="URWPalladioL-Roma"/>
+              <a:ea typeface="URWPalladioL-Roma"/>
+            </a:endParaRPr>
+          </a:p>
+          <a:p>
+            <a:r>
+              <a:rPr b="0" lang="en-US" sz="1000" spc="-1" strike="noStrike">
+                <a:latin typeface="URWPalladioL-Roma"/>
+              </a:rPr>
+              <a:t>Request 2: Tell me bank account balance</a:t>
+            </a:r>
+            <a:endParaRPr b="0" lang="en-US" sz="1000" spc="-1" strike="noStrike">
+              <a:latin typeface="URWPalladioL-Roma"/>
+              <a:ea typeface="URWPalladioL-Roma"/>
+            </a:endParaRPr>
+          </a:p>
+          <a:p>
+            <a:r>
+              <a:rPr b="0" lang="en-US" sz="1000" spc="-1" strike="noStrike">
+                <a:latin typeface="URWPalladioL-Roma"/>
+              </a:rPr>
+              <a:t>Safe to resend</a:t>
+            </a:r>
+            <a:endParaRPr b="0" lang="en-US" sz="1000" spc="-1" strike="noStrike">
+              <a:latin typeface="URWPalladioL-Roma"/>
+              <a:ea typeface="URWPalladioL-Roma"/>
+            </a:endParaRPr>
+          </a:p>
+        </p:txBody>
+      </p:sp>
+    </p:spTree>
+  </p:cSld>
+  <p:transition>
+    <p:fade/>
+  </p:transition>
+</p:sld>
+</file>
+
+<file path=ppt/slides/slide6.xml><?xml version="1.0" encoding="utf-8"?>
+<p:sld xmlns:a="http://schemas.openxmlformats.org/drawingml/2006/main" xmlns:p="http://schemas.openxmlformats.org/presentationml/2006/main" xmlns:r="http://schemas.openxmlformats.org/officeDocument/2006/relationships" xmlns:p14="http://schemas.microsoft.com/office/powerpoint/2010/main" xmlns:p15="http://schemas.microsoft.com/office/powerpoint/2012/main" xmlns:mc="http://schemas.openxmlformats.org/markup-compatibility/2006">
+  <p:cSld>
+    <p:spTree>
+      <p:nvGrpSpPr>
+        <p:cNvPr id="1" name=""/>
+        <p:cNvGrpSpPr/>
+        <p:nvPr/>
+      </p:nvGrpSpPr>
+      <p:grpSpPr>
+        <a:xfrm>
+          <a:off x="0" y="0"/>
+          <a:ext cx="0" cy="0"/>
+          <a:chOff x="0" y="0"/>
+          <a:chExt cx="0" cy="0"/>
+        </a:xfrm>
+      </p:grpSpPr>
+      <p:sp>
+        <p:nvSpPr>
+          <p:cNvPr id="118" name="object 20"/>
+          <p:cNvSpPr/>
+          <p:nvPr/>
+        </p:nvSpPr>
+        <p:spPr>
+          <a:xfrm>
+            <a:off x="53640" y="-1440"/>
+            <a:ext cx="4498920" cy="87840"/>
+          </a:xfrm>
+          <a:prstGeom prst="rect">
+            <a:avLst/>
+          </a:prstGeom>
+          <a:noFill/>
+          <a:ln w="0">
+            <a:noFill/>
+          </a:ln>
+        </p:spPr>
+        <p:style>
+          <a:lnRef idx="0"/>
+          <a:fillRef idx="0"/>
+          <a:effectRef idx="0"/>
+          <a:fontRef idx="minor"/>
+        </p:style>
+        <p:txBody>
+          <a:bodyPr lIns="0" rIns="0" tIns="12240" bIns="0" anchor="t">
+            <a:spAutoFit/>
+          </a:bodyPr>
+          <a:p>
+            <a:pPr marL="12600">
+              <a:lnSpc>
+                <a:spcPct val="100000"/>
+              </a:lnSpc>
+              <a:spcBef>
+                <a:spcPts val="96"/>
+              </a:spcBef>
+              <a:buNone/>
+              <a:tabLst>
+                <a:tab algn="l" pos="3156120"/>
+              </a:tabLst>
+            </a:pPr>
+            <a:r>
+              <a:rPr b="0" lang="en-US" sz="500" spc="-12" strike="noStrike" u="sng">
+                <a:solidFill>
+                  <a:srgbClr val="0000ff"/>
+                </a:solidFill>
+                <a:uFillTx/>
+                <a:latin typeface="Arial"/>
+                <a:ea typeface="DejaVu Sans"/>
+              </a:rPr>
+              <a:t>Introduction</a:t>
+            </a:r>
+            <a:r>
+              <a:rPr b="0" lang="en-US" sz="500" spc="-1" strike="noStrike">
+                <a:solidFill>
+                  <a:srgbClr val="000000"/>
+                </a:solidFill>
+                <a:latin typeface="Arial"/>
+                <a:ea typeface="DejaVu Sans"/>
+              </a:rPr>
+              <a:t>	</a:t>
+            </a:r>
+            <a:r>
+              <a:rPr b="0" lang="en-US" sz="500" spc="-12" strike="noStrike">
+                <a:solidFill>
+                  <a:srgbClr val="000000"/>
+                </a:solidFill>
+                <a:latin typeface="Arial"/>
+                <a:ea typeface="DejaVu Sans"/>
+              </a:rPr>
+              <a:t>From</a:t>
+            </a:r>
+            <a:r>
+              <a:rPr b="0" lang="en-US" sz="500" spc="-7" strike="noStrike">
+                <a:solidFill>
+                  <a:srgbClr val="000000"/>
+                </a:solidFill>
+                <a:latin typeface="Arial"/>
+                <a:ea typeface="DejaVu Sans"/>
+              </a:rPr>
+              <a:t> </a:t>
+            </a:r>
+            <a:r>
+              <a:rPr b="0" lang="en-US" sz="500" spc="-12" strike="noStrike">
+                <a:solidFill>
+                  <a:srgbClr val="000000"/>
+                </a:solidFill>
+                <a:latin typeface="Arial"/>
+                <a:ea typeface="DejaVu Sans"/>
+              </a:rPr>
+              <a:t>networked</a:t>
+            </a:r>
+            <a:r>
+              <a:rPr b="0" lang="en-US" sz="500" spc="-7" strike="noStrike">
+                <a:solidFill>
+                  <a:srgbClr val="000000"/>
+                </a:solidFill>
+                <a:latin typeface="Arial"/>
+                <a:ea typeface="DejaVu Sans"/>
+              </a:rPr>
+              <a:t> </a:t>
+            </a:r>
+            <a:r>
+              <a:rPr b="0" lang="en-US" sz="500" spc="-1" strike="noStrike">
+                <a:solidFill>
+                  <a:srgbClr val="000000"/>
+                </a:solidFill>
+                <a:latin typeface="Arial"/>
+                <a:ea typeface="DejaVu Sans"/>
+              </a:rPr>
+              <a:t>systems to</a:t>
+            </a:r>
+            <a:r>
+              <a:rPr b="0" lang="en-US" sz="500" spc="-7" strike="noStrike">
+                <a:solidFill>
+                  <a:srgbClr val="000000"/>
+                </a:solidFill>
+                <a:latin typeface="Arial"/>
+                <a:ea typeface="DejaVu Sans"/>
+              </a:rPr>
+              <a:t> </a:t>
+            </a:r>
+            <a:r>
+              <a:rPr b="0" lang="en-US" sz="500" spc="-1" strike="noStrike">
+                <a:solidFill>
+                  <a:srgbClr val="000000"/>
+                </a:solidFill>
+                <a:latin typeface="Arial"/>
+                <a:ea typeface="DejaVu Sans"/>
+              </a:rPr>
+              <a:t>distributed</a:t>
+            </a:r>
+            <a:r>
+              <a:rPr b="0" lang="en-US" sz="500" spc="-7" strike="noStrike">
+                <a:solidFill>
+                  <a:srgbClr val="000000"/>
+                </a:solidFill>
+                <a:latin typeface="Arial"/>
+                <a:ea typeface="DejaVu Sans"/>
+              </a:rPr>
+              <a:t> </a:t>
+            </a:r>
+            <a:r>
+              <a:rPr b="0" lang="en-US" sz="500" spc="-12" strike="noStrike" u="sng">
+                <a:solidFill>
+                  <a:srgbClr val="0000ff"/>
+                </a:solidFill>
+                <a:uFillTx/>
+                <a:latin typeface="Arial"/>
+                <a:ea typeface="DejaVu Sans"/>
+              </a:rPr>
+              <a:t>systems</a:t>
+            </a:r>
+            <a:endParaRPr b="0" lang="en-US" sz="500" spc="-1" strike="noStrike">
+              <a:latin typeface="Arial"/>
+            </a:endParaRPr>
+          </a:p>
+        </p:txBody>
+      </p:sp>
+      <p:sp>
+        <p:nvSpPr>
+          <p:cNvPr id="119" name="PlaceHolder 1"/>
+          <p:cNvSpPr>
+            <a:spLocks noGrp="1"/>
+          </p:cNvSpPr>
+          <p:nvPr>
+            <p:ph type="title"/>
+          </p:nvPr>
+        </p:nvSpPr>
+        <p:spPr>
+          <a:xfrm>
+            <a:off x="95400" y="197640"/>
+            <a:ext cx="3790800" cy="587880"/>
+          </a:xfrm>
+          <a:prstGeom prst="rect">
+            <a:avLst/>
+          </a:prstGeom>
+          <a:noFill/>
+          <a:ln w="0">
+            <a:noFill/>
+          </a:ln>
+        </p:spPr>
+        <p:txBody>
+          <a:bodyPr lIns="0" rIns="0" tIns="12240" bIns="0" anchor="t">
+            <a:noAutofit/>
+          </a:bodyPr>
+          <a:p>
+            <a:pPr marL="12600">
+              <a:lnSpc>
+                <a:spcPct val="100000"/>
+              </a:lnSpc>
+              <a:spcBef>
+                <a:spcPts val="96"/>
+              </a:spcBef>
+              <a:buNone/>
+            </a:pPr>
+            <a:r>
+              <a:rPr b="0" lang="en-US" sz="1200" spc="-1" strike="noStrike">
+                <a:solidFill>
+                  <a:srgbClr val="3333b2"/>
+                </a:solidFill>
+                <a:latin typeface="Arial"/>
+              </a:rPr>
+              <a:t>Connection-Oriented Protocol</a:t>
+            </a:r>
+            <a:endParaRPr b="0" lang="en-US" sz="1200" spc="-1" strike="noStrike">
+              <a:latin typeface="Arial"/>
+            </a:endParaRPr>
+          </a:p>
+        </p:txBody>
+      </p:sp>
+      <p:grpSp>
+        <p:nvGrpSpPr>
+          <p:cNvPr id="120" name="object 21"/>
+          <p:cNvGrpSpPr/>
+          <p:nvPr/>
+        </p:nvGrpSpPr>
+        <p:grpSpPr>
+          <a:xfrm>
+            <a:off x="0" y="3348360"/>
+            <a:ext cx="4605840" cy="105480"/>
+            <a:chOff x="0" y="3348360"/>
+            <a:chExt cx="4605840" cy="105480"/>
+          </a:xfrm>
+        </p:grpSpPr>
+        <p:sp>
+          <p:nvSpPr>
+            <p:cNvPr id="121" name="object 22"/>
+            <p:cNvSpPr/>
+            <p:nvPr/>
+          </p:nvSpPr>
+          <p:spPr>
+            <a:xfrm>
+              <a:off x="0" y="3348360"/>
+              <a:ext cx="2301840" cy="105480"/>
+            </a:xfrm>
+            <a:custGeom>
+              <a:avLst/>
+              <a:gdLst/>
+              <a:ahLst/>
+              <a:rect l="l" t="t" r="r" b="b"/>
+              <a:pathLst>
+                <a:path w="2304415" h="107950">
+                  <a:moveTo>
+                    <a:pt x="2303995" y="0"/>
+                  </a:moveTo>
+                  <a:lnTo>
+                    <a:pt x="0" y="0"/>
+                  </a:lnTo>
+                  <a:lnTo>
+                    <a:pt x="0" y="107530"/>
+                  </a:lnTo>
+                  <a:lnTo>
+                    <a:pt x="2303995" y="107530"/>
+                  </a:lnTo>
+                  <a:lnTo>
+                    <a:pt x="2303995" y="0"/>
+                  </a:lnTo>
+                  <a:close/>
+                </a:path>
+              </a:pathLst>
+            </a:custGeom>
+            <a:solidFill>
+              <a:srgbClr val="adade0"/>
+            </a:solidFill>
+            <a:ln w="0">
+              <a:noFill/>
+            </a:ln>
+          </p:spPr>
+          <p:style>
+            <a:lnRef idx="0"/>
+            <a:fillRef idx="0"/>
+            <a:effectRef idx="0"/>
+            <a:fontRef idx="minor"/>
+          </p:style>
+        </p:sp>
+        <p:sp>
+          <p:nvSpPr>
+            <p:cNvPr id="122" name="object 23"/>
+            <p:cNvSpPr/>
+            <p:nvPr/>
+          </p:nvSpPr>
+          <p:spPr>
+            <a:xfrm>
+              <a:off x="2304000" y="3348360"/>
+              <a:ext cx="2301840" cy="105480"/>
+            </a:xfrm>
+            <a:custGeom>
+              <a:avLst/>
+              <a:gdLst/>
+              <a:ahLst/>
+              <a:rect l="l" t="t" r="r" b="b"/>
+              <a:pathLst>
+                <a:path w="2304415" h="107950">
+                  <a:moveTo>
+                    <a:pt x="2303995" y="0"/>
+                  </a:moveTo>
+                  <a:lnTo>
+                    <a:pt x="0" y="0"/>
+                  </a:lnTo>
+                  <a:lnTo>
+                    <a:pt x="0" y="107530"/>
+                  </a:lnTo>
+                  <a:lnTo>
+                    <a:pt x="2303995" y="107530"/>
+                  </a:lnTo>
+                  <a:lnTo>
+                    <a:pt x="2303995" y="0"/>
+                  </a:lnTo>
+                  <a:close/>
+                </a:path>
+              </a:pathLst>
+            </a:custGeom>
+            <a:solidFill>
+              <a:srgbClr val="8484d1"/>
+            </a:solidFill>
+            <a:ln w="0">
+              <a:noFill/>
+            </a:ln>
+          </p:spPr>
+          <p:style>
+            <a:lnRef idx="0"/>
+            <a:fillRef idx="0"/>
+            <a:effectRef idx="0"/>
+            <a:fontRef idx="minor"/>
+          </p:style>
+        </p:sp>
+      </p:grpSp>
+      <p:sp>
+        <p:nvSpPr>
+          <p:cNvPr id="123" name="object 24"/>
+          <p:cNvSpPr/>
+          <p:nvPr/>
+        </p:nvSpPr>
+        <p:spPr>
+          <a:xfrm>
+            <a:off x="53640" y="3349800"/>
+            <a:ext cx="1168920" cy="84960"/>
+          </a:xfrm>
+          <a:prstGeom prst="rect">
+            <a:avLst/>
+          </a:prstGeom>
+          <a:noFill/>
+          <a:ln w="0">
+            <a:noFill/>
+          </a:ln>
+        </p:spPr>
+        <p:style>
+          <a:lnRef idx="0"/>
+          <a:fillRef idx="0"/>
+          <a:effectRef idx="0"/>
+          <a:fontRef idx="minor"/>
+        </p:style>
+        <p:txBody>
+          <a:bodyPr lIns="0" rIns="0" tIns="9360" bIns="0" anchor="t">
+            <a:spAutoFit/>
+          </a:bodyPr>
+          <a:p>
+            <a:pPr marL="12600">
+              <a:lnSpc>
+                <a:spcPct val="100000"/>
+              </a:lnSpc>
+              <a:spcBef>
+                <a:spcPts val="74"/>
+              </a:spcBef>
+              <a:buNone/>
+            </a:pPr>
+            <a:r>
+              <a:rPr b="0" lang="en-US" sz="500" spc="-1" strike="noStrike" u="sng">
+                <a:solidFill>
+                  <a:srgbClr val="0000ff"/>
+                </a:solidFill>
+                <a:uFillTx/>
+                <a:latin typeface="Arial"/>
+                <a:ea typeface="DejaVu Sans"/>
+              </a:rPr>
+              <a:t>Distributed versus </a:t>
+            </a:r>
+            <a:r>
+              <a:rPr b="0" lang="en-US" sz="500" spc="-12" strike="noStrike" u="sng">
+                <a:solidFill>
+                  <a:srgbClr val="0000ff"/>
+                </a:solidFill>
+                <a:uFillTx/>
+                <a:latin typeface="Arial"/>
+                <a:ea typeface="DejaVu Sans"/>
+              </a:rPr>
+              <a:t>decentralized</a:t>
+            </a:r>
+            <a:r>
+              <a:rPr b="0" lang="en-US" sz="500" spc="-1" strike="noStrike" u="sng">
+                <a:solidFill>
+                  <a:srgbClr val="0000ff"/>
+                </a:solidFill>
+                <a:uFillTx/>
+                <a:latin typeface="Arial"/>
+                <a:ea typeface="DejaVu Sans"/>
+              </a:rPr>
+              <a:t> </a:t>
+            </a:r>
+            <a:r>
+              <a:rPr b="0" lang="en-US" sz="500" spc="-12" strike="noStrike" u="sng">
+                <a:solidFill>
+                  <a:srgbClr val="0000ff"/>
+                </a:solidFill>
+                <a:uFillTx/>
+                <a:latin typeface="Arial"/>
+                <a:ea typeface="DejaVu Sans"/>
+              </a:rPr>
+              <a:t>systems</a:t>
+            </a:r>
+            <a:endParaRPr b="0" lang="en-US" sz="500" spc="-1" strike="noStrike">
+              <a:latin typeface="Arial"/>
+            </a:endParaRPr>
+          </a:p>
+        </p:txBody>
+      </p:sp>
+      <p:sp>
+        <p:nvSpPr>
+          <p:cNvPr id="124" name=""/>
+          <p:cNvSpPr txBox="1"/>
+          <p:nvPr/>
+        </p:nvSpPr>
+        <p:spPr>
+          <a:xfrm>
+            <a:off x="129960" y="948240"/>
+            <a:ext cx="4442040" cy="1600200"/>
+          </a:xfrm>
+          <a:prstGeom prst="rect">
+            <a:avLst/>
+          </a:prstGeom>
+          <a:noFill/>
+          <a:ln w="0">
+            <a:noFill/>
+          </a:ln>
+        </p:spPr>
+        <p:txBody>
+          <a:bodyPr lIns="90000" rIns="90000" tIns="45000" bIns="45000" anchor="t">
+            <a:noAutofit/>
+          </a:bodyPr>
+          <a:p>
+            <a:r>
+              <a:rPr b="0" lang="en-US" sz="1000" spc="-1" strike="noStrike">
+                <a:latin typeface="URWPalladioL-Roma"/>
+                <a:ea typeface="URWPalladioL-Roma"/>
+              </a:rPr>
+              <a:t>Alternatively, many client-server systems use a </a:t>
+            </a:r>
+            <a:br>
+              <a:rPr sz="1000"/>
+            </a:br>
+            <a:r>
+              <a:rPr b="0" lang="en-US" sz="1000" spc="-1" strike="noStrike">
+                <a:latin typeface="URWPalladioL-Roma"/>
+                <a:ea typeface="URWPalladioL-Roma"/>
+              </a:rPr>
+              <a:t>reliable</a:t>
+            </a:r>
+            <a:r>
+              <a:rPr b="1" lang="en-US" sz="1000" spc="-1" strike="noStrike">
+                <a:latin typeface="URWPalladioL-Roma"/>
+                <a:ea typeface="URWPalladioL-Roma"/>
+              </a:rPr>
+              <a:t> connection-oriented protocol</a:t>
+            </a:r>
+            <a:r>
+              <a:rPr b="0" lang="en-US" sz="1000" spc="-1" strike="noStrike">
+                <a:latin typeface="URWPalladioL-Roma"/>
+                <a:ea typeface="URWPalladioL-Roma"/>
+              </a:rPr>
+              <a:t>.</a:t>
+            </a:r>
+            <a:endParaRPr b="0" lang="en-US" sz="1000" spc="-1" strike="noStrike">
+              <a:latin typeface="URWPalladioL-Roma"/>
+              <a:ea typeface="URWPalladioL-Roma"/>
+            </a:endParaRPr>
+          </a:p>
+          <a:p>
+            <a:endParaRPr b="0" lang="en-US" sz="1000" spc="-1" strike="noStrike">
+              <a:latin typeface="URWPalladioL-Roma"/>
+              <a:ea typeface="URWPalladioL-Roma"/>
+            </a:endParaRPr>
+          </a:p>
+          <a:p>
+            <a:r>
+              <a:rPr b="0" lang="en-US" sz="1000" spc="-1" strike="noStrike">
+                <a:latin typeface="URWPalladioL-Roma"/>
+                <a:ea typeface="URWPalladioL-Roma"/>
+              </a:rPr>
+              <a:t>Nearly all internet application protocols use TCP/IP connections</a:t>
+            </a:r>
+            <a:endParaRPr b="0" lang="en-US" sz="1000" spc="-1" strike="noStrike">
+              <a:latin typeface="URWPalladioL-Roma"/>
+              <a:ea typeface="URWPalladioL-Roma"/>
+            </a:endParaRPr>
+          </a:p>
+          <a:p>
+            <a:endParaRPr b="0" lang="en-US" sz="1000" spc="-1" strike="noStrike">
+              <a:latin typeface="URWPalladioL-Roma"/>
+              <a:ea typeface="URWPalladioL-Roma"/>
+            </a:endParaRPr>
+          </a:p>
+          <a:p>
+            <a:r>
+              <a:rPr b="0" lang="en-US" sz="1000" spc="-1" strike="noStrike">
+                <a:latin typeface="URWPalladioL-Roma"/>
+                <a:ea typeface="URWPalladioL-Roma"/>
+              </a:rPr>
+              <a:t>Before client requests service, connection set up w/server</a:t>
+            </a:r>
+            <a:endParaRPr b="0" lang="en-US" sz="1000" spc="-1" strike="noStrike">
+              <a:latin typeface="URWPalladioL-Roma"/>
+              <a:ea typeface="URWPalladioL-Roma"/>
+            </a:endParaRPr>
+          </a:p>
+          <a:p>
+            <a:endParaRPr b="0" lang="en-US" sz="1000" spc="-1" strike="noStrike">
+              <a:latin typeface="URWPalladioL-Roma"/>
+              <a:ea typeface="URWPalladioL-Roma"/>
+            </a:endParaRPr>
+          </a:p>
+          <a:p>
+            <a:r>
+              <a:rPr b="0" lang="en-US" sz="1000" spc="-1" strike="noStrike">
+                <a:latin typeface="URWPalladioL-Roma"/>
+                <a:ea typeface="URWPalladioL-Roma"/>
+              </a:rPr>
+              <a:t>Server uses same connection to send reply message</a:t>
+            </a:r>
+            <a:endParaRPr b="0" lang="en-US" sz="1000" spc="-1" strike="noStrike">
+              <a:latin typeface="URWPalladioL-Roma"/>
+              <a:ea typeface="URWPalladioL-Roma"/>
+            </a:endParaRPr>
+          </a:p>
+          <a:p>
+            <a:endParaRPr b="0" lang="en-US" sz="1000" spc="-1" strike="noStrike">
+              <a:latin typeface="URWPalladioL-Roma"/>
+              <a:ea typeface="URWPalladioL-Roma"/>
+            </a:endParaRPr>
+          </a:p>
+          <a:p>
+            <a:r>
+              <a:rPr b="0" lang="en-US" sz="1000" spc="-1" strike="noStrike">
+                <a:latin typeface="URWPalladioL-Roma"/>
+                <a:ea typeface="URWPalladioL-Roma"/>
+              </a:rPr>
+              <a:t>When communication finished, connection torn down</a:t>
+            </a:r>
+            <a:endParaRPr b="0" lang="en-US" sz="1000" spc="-1" strike="noStrike">
+              <a:latin typeface="URWPalladioL-Roma"/>
+              <a:ea typeface="URWPalladioL-Roma"/>
+            </a:endParaRPr>
+          </a:p>
+        </p:txBody>
+      </p:sp>
     </p:spTree>
   </p:cSld>
   <p:transition>
@@ -9601,230 +9167,4 @@
     </a:fmtScheme>
   </a:themeElements>
 </a:theme>
-</file>
-
-<file path=ppt/theme/theme3.xml><?xml version="1.0" encoding="utf-8"?>
-<a:theme xmlns:a="http://schemas.openxmlformats.org/drawingml/2006/main" name="Office Theme">
-  <a:themeElements>
-    <a:clrScheme name="Office">
-      <a:dk1>
-        <a:sysClr val="windowText" lastClr="000000"/>
-      </a:dk1>
-      <a:lt1>
-        <a:sysClr val="window" lastClr="FFFFFF"/>
-      </a:lt1>
-      <a:dk2>
-        <a:srgbClr val="1f497d"/>
-      </a:dk2>
-      <a:lt2>
-        <a:srgbClr val="eeece1"/>
-      </a:lt2>
-      <a:accent1>
-        <a:srgbClr val="4f81bd"/>
-      </a:accent1>
-      <a:accent2>
-        <a:srgbClr val="c0504d"/>
-      </a:accent2>
-      <a:accent3>
-        <a:srgbClr val="9bbb59"/>
-      </a:accent3>
-      <a:accent4>
-        <a:srgbClr val="8064a2"/>
-      </a:accent4>
-      <a:accent5>
-        <a:srgbClr val="4bacc6"/>
-      </a:accent5>
-      <a:accent6>
-        <a:srgbClr val="f79646"/>
-      </a:accent6>
-      <a:hlink>
-        <a:srgbClr val="0000ff"/>
-      </a:hlink>
-      <a:folHlink>
-        <a:srgbClr val="800080"/>
-      </a:folHlink>
-    </a:clrScheme>
-    <a:fontScheme name="Office">
-      <a:majorFont>
-        <a:latin typeface="Arial"/>
-        <a:ea typeface="DejaVu Sans"/>
-        <a:cs typeface="DejaVu Sans"/>
-      </a:majorFont>
-      <a:minorFont>
-        <a:latin typeface="Arial"/>
-        <a:ea typeface="DejaVu Sans"/>
-        <a:cs typeface="DejaVu Sans"/>
-      </a:minorFont>
-    </a:fontScheme>
-    <a:fmtScheme name="Office">
-      <a:fillStyleLst>
-        <a:solidFill>
-          <a:schemeClr val="phClr"/>
-        </a:solidFill>
-        <a:gradFill rotWithShape="1">
-          <a:gsLst>
-            <a:gs pos="0">
-              <a:schemeClr val="phClr">
-                <a:tint val="50000"/>
-                <a:satMod val="300000"/>
-              </a:schemeClr>
-            </a:gs>
-            <a:gs pos="35000">
-              <a:schemeClr val="phClr">
-                <a:tint val="37000"/>
-                <a:satMod val="300000"/>
-              </a:schemeClr>
-            </a:gs>
-            <a:gs pos="100000">
-              <a:schemeClr val="phClr">
-                <a:tint val="15000"/>
-                <a:satMod val="350000"/>
-              </a:schemeClr>
-            </a:gs>
-          </a:gsLst>
-          <a:lin ang="16200000" scaled="1"/>
-        </a:gradFill>
-        <a:gradFill rotWithShape="1">
-          <a:gsLst>
-            <a:gs pos="0">
-              <a:schemeClr val="phClr">
-                <a:shade val="51000"/>
-                <a:satMod val="130000"/>
-              </a:schemeClr>
-            </a:gs>
-            <a:gs pos="80000">
-              <a:schemeClr val="phClr">
-                <a:shade val="93000"/>
-                <a:satMod val="130000"/>
-              </a:schemeClr>
-            </a:gs>
-            <a:gs pos="100000">
-              <a:schemeClr val="phClr">
-                <a:shade val="94000"/>
-                <a:satMod val="135000"/>
-              </a:schemeClr>
-            </a:gs>
-          </a:gsLst>
-          <a:lin ang="16200000" scaled="0"/>
-        </a:gradFill>
-      </a:fillStyleLst>
-      <a:lnStyleLst>
-        <a:ln w="9525" cap="flat" cmpd="sng" algn="ctr">
-          <a:solidFill>
-            <a:schemeClr val="phClr">
-              <a:shade val="95000"/>
-              <a:satMod val="105000"/>
-            </a:schemeClr>
-          </a:solidFill>
-          <a:prstDash val="solid"/>
-          <a:miter/>
-        </a:ln>
-        <a:ln w="25400" cap="flat" cmpd="sng" algn="ctr">
-          <a:solidFill>
-            <a:schemeClr val="phClr"/>
-          </a:solidFill>
-          <a:prstDash val="solid"/>
-          <a:miter/>
-        </a:ln>
-        <a:ln w="38100" cap="flat" cmpd="sng" algn="ctr">
-          <a:solidFill>
-            <a:schemeClr val="phClr"/>
-          </a:solidFill>
-          <a:prstDash val="solid"/>
-          <a:miter/>
-        </a:ln>
-      </a:lnStyleLst>
-      <a:effectStyleLst>
-        <a:effectStyle>
-          <a:effectLst>
-            <a:outerShdw blurRad="40000" dist="20000" dir="5400000" rotWithShape="0">
-              <a:srgbClr val="000000">
-                <a:alpha val="38000"/>
-              </a:srgbClr>
-            </a:outerShdw>
-          </a:effectLst>
-        </a:effectStyle>
-        <a:effectStyle>
-          <a:effectLst>
-            <a:outerShdw blurRad="40000" dist="23000" dir="5400000" rotWithShape="0">
-              <a:srgbClr val="000000">
-                <a:alpha val="35000"/>
-              </a:srgbClr>
-            </a:outerShdw>
-          </a:effectLst>
-        </a:effectStyle>
-        <a:effectStyle>
-          <a:effectLst>
-            <a:outerShdw blurRad="40000" dist="23000" dir="5400000" rotWithShape="0">
-              <a:srgbClr val="000000">
-                <a:alpha val="35000"/>
-              </a:srgbClr>
-            </a:outerShdw>
-          </a:effectLst>
-          <a:scene3d>
-            <a:camera prst="orthographicFront">
-              <a:rot lat="0" lon="0" rev="0"/>
-            </a:camera>
-            <a:lightRig rig="threePt" dir="t">
-              <a:rot lat="0" lon="0" rev="1200000"/>
-            </a:lightRig>
-          </a:scene3d>
-          <a:sp3d>
-            <a:bevelT w="63500" h="25400"/>
-          </a:sp3d>
-        </a:effectStyle>
-      </a:effectStyleLst>
-      <a:bgFillStyleLst>
-        <a:solidFill>
-          <a:schemeClr val="phClr"/>
-        </a:solidFill>
-        <a:gradFill rotWithShape="1">
-          <a:gsLst>
-            <a:gs pos="0">
-              <a:schemeClr val="phClr">
-                <a:tint val="40000"/>
-                <a:satMod val="350000"/>
-              </a:schemeClr>
-            </a:gs>
-            <a:gs pos="40000">
-              <a:schemeClr val="phClr">
-                <a:tint val="45000"/>
-                <a:shade val="99000"/>
-                <a:satMod val="350000"/>
-              </a:schemeClr>
-            </a:gs>
-            <a:gs pos="100000">
-              <a:schemeClr val="phClr">
-                <a:shade val="20000"/>
-                <a:satMod val="255000"/>
-              </a:schemeClr>
-            </a:gs>
-          </a:gsLst>
-          <a:path path="circle">
-            <a:fillToRect l="50000" t="-80000" r="50000" b="180000"/>
-          </a:path>
-        </a:gradFill>
-        <a:gradFill rotWithShape="1">
-          <a:gsLst>
-            <a:gs pos="0">
-              <a:schemeClr val="phClr">
-                <a:tint val="80000"/>
-                <a:satMod val="300000"/>
-              </a:schemeClr>
-            </a:gs>
-            <a:gs pos="100000">
-              <a:schemeClr val="phClr">
-                <a:shade val="30000"/>
-                <a:satMod val="200000"/>
-              </a:schemeClr>
-            </a:gs>
-          </a:gsLst>
-          <a:path path="circle">
-            <a:fillToRect l="50000" t="50000" r="50000" b="50000"/>
-          </a:path>
-        </a:gradFill>
-      </a:bgFillStyleLst>
-    </a:fmtScheme>
-  </a:themeElements>
-</a:theme>
 </file>